--- a/documents/스토리보드_5조_종합.pptx
+++ b/documents/스토리보드_5조_종합.pptx
@@ -268,7 +268,7 @@
           <a:p>
             <a:fld id="{1F914C9E-AB57-4DDF-8833-A346BD557146}" type="datetimeFigureOut">
               <a:rPr lang="ko-KR" altLang="en-US" smtClean="0"/>
-              <a:t>2020-03-17</a:t>
+              <a:t>2020-03-18</a:t>
             </a:fld>
             <a:endParaRPr lang="ko-KR" altLang="en-US"/>
           </a:p>
@@ -478,7 +478,7 @@
           <a:p>
             <a:fld id="{1F914C9E-AB57-4DDF-8833-A346BD557146}" type="datetimeFigureOut">
               <a:rPr lang="ko-KR" altLang="en-US" smtClean="0"/>
-              <a:t>2020-03-17</a:t>
+              <a:t>2020-03-18</a:t>
             </a:fld>
             <a:endParaRPr lang="ko-KR" altLang="en-US"/>
           </a:p>
@@ -688,7 +688,7 @@
           <a:p>
             <a:fld id="{1F914C9E-AB57-4DDF-8833-A346BD557146}" type="datetimeFigureOut">
               <a:rPr lang="ko-KR" altLang="en-US" smtClean="0"/>
-              <a:t>2020-03-17</a:t>
+              <a:t>2020-03-18</a:t>
             </a:fld>
             <a:endParaRPr lang="ko-KR" altLang="en-US"/>
           </a:p>
@@ -898,7 +898,7 @@
           <a:p>
             <a:fld id="{1F914C9E-AB57-4DDF-8833-A346BD557146}" type="datetimeFigureOut">
               <a:rPr lang="ko-KR" altLang="en-US" smtClean="0"/>
-              <a:t>2020-03-17</a:t>
+              <a:t>2020-03-18</a:t>
             </a:fld>
             <a:endParaRPr lang="ko-KR" altLang="en-US"/>
           </a:p>
@@ -1174,7 +1174,7 @@
           <a:p>
             <a:fld id="{1F914C9E-AB57-4DDF-8833-A346BD557146}" type="datetimeFigureOut">
               <a:rPr lang="ko-KR" altLang="en-US" smtClean="0"/>
-              <a:t>2020-03-17</a:t>
+              <a:t>2020-03-18</a:t>
             </a:fld>
             <a:endParaRPr lang="ko-KR" altLang="en-US"/>
           </a:p>
@@ -1444,7 +1444,7 @@
           <a:p>
             <a:fld id="{1F914C9E-AB57-4DDF-8833-A346BD557146}" type="datetimeFigureOut">
               <a:rPr lang="ko-KR" altLang="en-US" smtClean="0"/>
-              <a:t>2020-03-17</a:t>
+              <a:t>2020-03-18</a:t>
             </a:fld>
             <a:endParaRPr lang="ko-KR" altLang="en-US"/>
           </a:p>
@@ -1850,7 +1850,7 @@
           <a:p>
             <a:fld id="{1F914C9E-AB57-4DDF-8833-A346BD557146}" type="datetimeFigureOut">
               <a:rPr lang="ko-KR" altLang="en-US" smtClean="0"/>
-              <a:t>2020-03-17</a:t>
+              <a:t>2020-03-18</a:t>
             </a:fld>
             <a:endParaRPr lang="ko-KR" altLang="en-US"/>
           </a:p>
@@ -2000,7 +2000,7 @@
           <a:p>
             <a:fld id="{1F914C9E-AB57-4DDF-8833-A346BD557146}" type="datetimeFigureOut">
               <a:rPr lang="ko-KR" altLang="en-US" smtClean="0"/>
-              <a:t>2020-03-17</a:t>
+              <a:t>2020-03-18</a:t>
             </a:fld>
             <a:endParaRPr lang="ko-KR" altLang="en-US"/>
           </a:p>
@@ -2119,7 +2119,7 @@
           <a:p>
             <a:fld id="{1F914C9E-AB57-4DDF-8833-A346BD557146}" type="datetimeFigureOut">
               <a:rPr lang="ko-KR" altLang="en-US" smtClean="0"/>
-              <a:t>2020-03-17</a:t>
+              <a:t>2020-03-18</a:t>
             </a:fld>
             <a:endParaRPr lang="ko-KR" altLang="en-US"/>
           </a:p>
@@ -2429,7 +2429,7 @@
           <a:p>
             <a:fld id="{1F914C9E-AB57-4DDF-8833-A346BD557146}" type="datetimeFigureOut">
               <a:rPr lang="ko-KR" altLang="en-US" smtClean="0"/>
-              <a:t>2020-03-17</a:t>
+              <a:t>2020-03-18</a:t>
             </a:fld>
             <a:endParaRPr lang="ko-KR" altLang="en-US"/>
           </a:p>
@@ -2715,7 +2715,7 @@
           <a:p>
             <a:fld id="{1F914C9E-AB57-4DDF-8833-A346BD557146}" type="datetimeFigureOut">
               <a:rPr lang="ko-KR" altLang="en-US" smtClean="0"/>
-              <a:t>2020-03-17</a:t>
+              <a:t>2020-03-18</a:t>
             </a:fld>
             <a:endParaRPr lang="ko-KR" altLang="en-US"/>
           </a:p>
@@ -8583,6 +8583,80 @@
           </a:graphicData>
         </a:graphic>
       </p:graphicFrame>
+      <p:sp>
+        <p:nvSpPr>
+          <p:cNvPr id="14" name="TextBox 13"/>
+          <p:cNvSpPr txBox="1"/>
+          <p:nvPr/>
+        </p:nvSpPr>
+        <p:spPr>
+          <a:xfrm>
+            <a:off x="1694644" y="5923386"/>
+            <a:ext cx="10112345" cy="830997"/>
+          </a:xfrm>
+          <a:prstGeom prst="rect">
+            <a:avLst/>
+          </a:prstGeom>
+          <a:noFill/>
+        </p:spPr>
+        <p:txBody>
+          <a:bodyPr wrap="square" rtlCol="0">
+            <a:spAutoFit/>
+          </a:bodyPr>
+          <a:lstStyle/>
+          <a:p>
+            <a:r>
+              <a:rPr lang="ko-KR" altLang="en-US" sz="1600" dirty="0" smtClean="0"/>
+              <a:t>처음 홈페이지에 접속했을 때 상단 좌측에 기상청에서 받아온 날씨 정보와 라이브러리를 활용해 슬라이드 배너를 구성한다</a:t>
+            </a:r>
+            <a:r>
+              <a:rPr lang="en-US" altLang="ko-KR" sz="1600" dirty="0" smtClean="0"/>
+              <a:t>. </a:t>
+            </a:r>
+            <a:r>
+              <a:rPr lang="ko-KR" altLang="en-US" sz="1600" dirty="0" smtClean="0"/>
+              <a:t>하단부에는 등산 게시판에서 글 카테고리 별로 최신 혹은 조회수 순으로 상위 </a:t>
+            </a:r>
+            <a:r>
+              <a:rPr lang="en-US" altLang="ko-KR" sz="1600" dirty="0" smtClean="0"/>
+              <a:t>4</a:t>
+            </a:r>
+            <a:r>
+              <a:rPr lang="ko-KR" altLang="en-US" sz="1600" dirty="0" smtClean="0"/>
+              <a:t>개의 글 목록을 띄워주는 게시판 일부를 보여준다</a:t>
+            </a:r>
+            <a:r>
+              <a:rPr lang="en-US" altLang="ko-KR" sz="1600" dirty="0" smtClean="0"/>
+              <a:t>.  </a:t>
+            </a:r>
+            <a:r>
+              <a:rPr lang="ko-KR" altLang="en-US" sz="1600" dirty="0" smtClean="0"/>
+              <a:t>또한</a:t>
+            </a:r>
+            <a:r>
+              <a:rPr lang="en-US" altLang="ko-KR" sz="1600" dirty="0" smtClean="0"/>
+              <a:t>, </a:t>
+            </a:r>
+            <a:r>
+              <a:rPr lang="ko-KR" altLang="en-US" sz="1600" dirty="0" smtClean="0"/>
+              <a:t>게시 글 </a:t>
+            </a:r>
+            <a:r>
+              <a:rPr lang="ko-KR" altLang="en-US" sz="1600" dirty="0" err="1" smtClean="0"/>
+              <a:t>클릭시</a:t>
+            </a:r>
+            <a:r>
+              <a:rPr lang="ko-KR" altLang="en-US" sz="1600" dirty="0" smtClean="0"/>
+              <a:t> 해당 글로 이동할 수 있다</a:t>
+            </a:r>
+            <a:r>
+              <a:rPr lang="en-US" altLang="ko-KR" sz="1600" dirty="0" smtClean="0"/>
+              <a:t>.</a:t>
+            </a:r>
+            <a:endParaRPr lang="ko-KR" altLang="en-US" sz="1600" dirty="0"/>
+          </a:p>
+        </p:txBody>
+      </p:sp>
     </p:spTree>
     <p:extLst>
       <p:ext uri="{BB962C8B-B14F-4D97-AF65-F5344CB8AC3E}">
@@ -18877,6 +18951,88 @@
           </a:prstGeom>
         </p:spPr>
       </p:pic>
+      <p:sp>
+        <p:nvSpPr>
+          <p:cNvPr id="19" name="TextBox 18"/>
+          <p:cNvSpPr txBox="1"/>
+          <p:nvPr/>
+        </p:nvSpPr>
+        <p:spPr>
+          <a:xfrm>
+            <a:off x="1694644" y="5923386"/>
+            <a:ext cx="10112345" cy="830997"/>
+          </a:xfrm>
+          <a:prstGeom prst="rect">
+            <a:avLst/>
+          </a:prstGeom>
+          <a:noFill/>
+        </p:spPr>
+        <p:txBody>
+          <a:bodyPr wrap="square" rtlCol="0">
+            <a:spAutoFit/>
+          </a:bodyPr>
+          <a:lstStyle/>
+          <a:p>
+            <a:r>
+              <a:rPr lang="ko-KR" altLang="en-US" sz="1600" dirty="0" smtClean="0"/>
+              <a:t>회원가입 양식이 제공되는 페이지이다</a:t>
+            </a:r>
+            <a:r>
+              <a:rPr lang="en-US" altLang="ko-KR" sz="1600" dirty="0" smtClean="0"/>
+              <a:t>. JavaScript </a:t>
+            </a:r>
+            <a:r>
+              <a:rPr lang="ko-KR" altLang="en-US" sz="1600" dirty="0" smtClean="0"/>
+              <a:t>단에서 비밀번호 유효성 및 이메일 유효성 검사를 실시 하고</a:t>
+            </a:r>
+            <a:r>
+              <a:rPr lang="en-US" altLang="ko-KR" sz="1600" dirty="0" smtClean="0"/>
+              <a:t>, User ID </a:t>
+            </a:r>
+            <a:r>
+              <a:rPr lang="ko-KR" altLang="en-US" sz="1600" dirty="0" smtClean="0"/>
+              <a:t>또한 중복인지 아닌지 바로 알려줄 수 있다</a:t>
+            </a:r>
+            <a:r>
+              <a:rPr lang="en-US" altLang="ko-KR" sz="1600" dirty="0" smtClean="0"/>
+              <a:t>. </a:t>
+            </a:r>
+            <a:r>
+              <a:rPr lang="ko-KR" altLang="en-US" sz="1600" dirty="0" smtClean="0"/>
+              <a:t>성공적으로 가입되면 </a:t>
+            </a:r>
+            <a:r>
+              <a:rPr lang="ko-KR" altLang="en-US" sz="1600" dirty="0" err="1" smtClean="0"/>
+              <a:t>알림창과</a:t>
+            </a:r>
+            <a:r>
+              <a:rPr lang="ko-KR" altLang="en-US" sz="1600" dirty="0" smtClean="0"/>
+              <a:t> 함께 </a:t>
+            </a:r>
+            <a:r>
+              <a:rPr lang="en-US" altLang="ko-KR" sz="1600" dirty="0" smtClean="0"/>
+              <a:t>index </a:t>
+            </a:r>
+            <a:r>
+              <a:rPr lang="ko-KR" altLang="en-US" sz="1600" dirty="0" smtClean="0"/>
+              <a:t>페이지로 돌아가고</a:t>
+            </a:r>
+            <a:r>
+              <a:rPr lang="en-US" altLang="ko-KR" sz="1600" dirty="0" smtClean="0"/>
+              <a:t>, </a:t>
+            </a:r>
+            <a:r>
+              <a:rPr lang="ko-KR" altLang="en-US" sz="1600" dirty="0" smtClean="0"/>
+              <a:t>취소 시 바로 이전 페이지로 돌아가게 된다</a:t>
+            </a:r>
+            <a:r>
+              <a:rPr lang="en-US" altLang="ko-KR" sz="1600" dirty="0" smtClean="0"/>
+              <a:t>.</a:t>
+            </a:r>
+            <a:endParaRPr lang="ko-KR" altLang="en-US" sz="1600" dirty="0"/>
+          </a:p>
+        </p:txBody>
+      </p:sp>
     </p:spTree>
     <p:extLst>
       <p:ext uri="{BB962C8B-B14F-4D97-AF65-F5344CB8AC3E}">

--- a/documents/스토리보드_5조_종합.pptx
+++ b/documents/스토리보드_5조_종합.pptx
@@ -7,16 +7,17 @@
   <p:sldIdLst>
     <p:sldId id="266" r:id="rId2"/>
     <p:sldId id="267" r:id="rId3"/>
-    <p:sldId id="256" r:id="rId4"/>
-    <p:sldId id="257" r:id="rId5"/>
-    <p:sldId id="258" r:id="rId6"/>
-    <p:sldId id="259" r:id="rId7"/>
-    <p:sldId id="260" r:id="rId8"/>
-    <p:sldId id="261" r:id="rId9"/>
-    <p:sldId id="262" r:id="rId10"/>
-    <p:sldId id="263" r:id="rId11"/>
-    <p:sldId id="264" r:id="rId12"/>
-    <p:sldId id="265" r:id="rId13"/>
+    <p:sldId id="257" r:id="rId4"/>
+    <p:sldId id="258" r:id="rId5"/>
+    <p:sldId id="259" r:id="rId6"/>
+    <p:sldId id="260" r:id="rId7"/>
+    <p:sldId id="261" r:id="rId8"/>
+    <p:sldId id="262" r:id="rId9"/>
+    <p:sldId id="268" r:id="rId10"/>
+    <p:sldId id="269" r:id="rId11"/>
+    <p:sldId id="263" r:id="rId12"/>
+    <p:sldId id="264" r:id="rId13"/>
+    <p:sldId id="265" r:id="rId14"/>
   </p:sldIdLst>
   <p:sldSz cx="12192000" cy="6858000"/>
   <p:notesSz cx="6858000" cy="9144000"/>
@@ -7330,7 +7331,7 @@
         </p:nvSpPr>
         <p:spPr>
           <a:xfrm>
-            <a:off x="1735810" y="1069671"/>
+            <a:off x="1694644" y="1601797"/>
             <a:ext cx="390420" cy="306180"/>
           </a:xfrm>
           <a:prstGeom prst="leftArrow">
@@ -8694,6 +8695,952 @@
           <a:chExt cx="0" cy="0"/>
         </a:xfrm>
       </p:grpSpPr>
+      <p:graphicFrame>
+        <p:nvGraphicFramePr>
+          <p:cNvPr id="2" name="표 1"/>
+          <p:cNvGraphicFramePr>
+            <a:graphicFrameLocks noGrp="1"/>
+          </p:cNvGraphicFramePr>
+          <p:nvPr>
+            <p:extLst/>
+          </p:nvPr>
+        </p:nvGraphicFramePr>
+        <p:xfrm>
+          <a:off x="1903212" y="1094703"/>
+          <a:ext cx="3261216" cy="762000"/>
+        </p:xfrm>
+        <a:graphic>
+          <a:graphicData uri="http://schemas.openxmlformats.org/drawingml/2006/table">
+            <a:tbl>
+              <a:tblPr firstRow="1" bandRow="1">
+                <a:tableStyleId>{073A0DAA-6AF3-43AB-8588-CEC1D06C72B9}</a:tableStyleId>
+              </a:tblPr>
+              <a:tblGrid>
+                <a:gridCol w="3261216">
+                  <a:extLst>
+                    <a:ext uri="{9D8B030D-6E8A-4147-A177-3AD203B41FA5}">
+                      <a16:colId xmlns:a16="http://schemas.microsoft.com/office/drawing/2014/main" val="1343876024"/>
+                    </a:ext>
+                  </a:extLst>
+                </a:gridCol>
+              </a:tblGrid>
+              <a:tr h="314885">
+                <a:tc>
+                  <a:txBody>
+                    <a:bodyPr/>
+                    <a:lstStyle/>
+                    <a:p>
+                      <a:pPr algn="ctr" latinLnBrk="1"/>
+                      <a:r>
+                        <a:rPr lang="ko-KR" altLang="en-US" sz="2000" dirty="0" smtClean="0"/>
+                        <a:t>최저가 검색</a:t>
+                      </a:r>
+                      <a:endParaRPr lang="ko-KR" altLang="en-US" sz="2000" dirty="0"/>
+                    </a:p>
+                  </a:txBody>
+                  <a:tcPr/>
+                </a:tc>
+                <a:extLst>
+                  <a:ext uri="{0D108BD9-81ED-4DB2-BD59-A6C34878D82A}">
+                    <a16:rowId xmlns:a16="http://schemas.microsoft.com/office/drawing/2014/main" val="3181720835"/>
+                  </a:ext>
+                </a:extLst>
+              </a:tr>
+              <a:tr h="251786">
+                <a:tc>
+                  <a:txBody>
+                    <a:bodyPr/>
+                    <a:lstStyle/>
+                    <a:p>
+                      <a:pPr latinLnBrk="1"/>
+                      <a:endParaRPr lang="ko-KR" altLang="en-US" dirty="0"/>
+                    </a:p>
+                  </a:txBody>
+                  <a:tcPr/>
+                </a:tc>
+                <a:extLst>
+                  <a:ext uri="{0D108BD9-81ED-4DB2-BD59-A6C34878D82A}">
+                    <a16:rowId xmlns:a16="http://schemas.microsoft.com/office/drawing/2014/main" val="3768471557"/>
+                  </a:ext>
+                </a:extLst>
+              </a:tr>
+            </a:tbl>
+          </a:graphicData>
+        </a:graphic>
+      </p:graphicFrame>
+      <p:sp>
+        <p:nvSpPr>
+          <p:cNvPr id="5" name="오른쪽 화살표 4"/>
+          <p:cNvSpPr/>
+          <p:nvPr/>
+        </p:nvSpPr>
+        <p:spPr>
+          <a:xfrm>
+            <a:off x="1971927" y="1547187"/>
+            <a:ext cx="424313" cy="259387"/>
+          </a:xfrm>
+          <a:prstGeom prst="rightArrow">
+            <a:avLst/>
+          </a:prstGeom>
+          <a:solidFill>
+            <a:schemeClr val="tx1"/>
+          </a:solidFill>
+        </p:spPr>
+        <p:style>
+          <a:lnRef idx="2">
+            <a:schemeClr val="accent1">
+              <a:shade val="50000"/>
+            </a:schemeClr>
+          </a:lnRef>
+          <a:fillRef idx="1">
+            <a:schemeClr val="accent1"/>
+          </a:fillRef>
+          <a:effectRef idx="0">
+            <a:schemeClr val="accent1"/>
+          </a:effectRef>
+          <a:fontRef idx="minor">
+            <a:schemeClr val="lt1"/>
+          </a:fontRef>
+        </p:style>
+        <p:txBody>
+          <a:bodyPr rtlCol="0" anchor="ctr"/>
+          <a:lstStyle/>
+          <a:p>
+            <a:pPr algn="ctr"/>
+            <a:endParaRPr lang="ko-KR" altLang="en-US"/>
+          </a:p>
+        </p:txBody>
+      </p:sp>
+      <p:sp>
+        <p:nvSpPr>
+          <p:cNvPr id="7" name="Rectangle 184"/>
+          <p:cNvSpPr>
+            <a:spLocks noChangeArrowheads="1"/>
+          </p:cNvSpPr>
+          <p:nvPr/>
+        </p:nvSpPr>
+        <p:spPr bwMode="auto">
+          <a:xfrm>
+            <a:off x="2464186" y="1547187"/>
+            <a:ext cx="2579586" cy="239255"/>
+          </a:xfrm>
+          <a:prstGeom prst="rect">
+            <a:avLst/>
+          </a:prstGeom>
+          <a:solidFill>
+            <a:srgbClr val="EAEAEA"/>
+          </a:solidFill>
+          <a:ln w="9525">
+            <a:solidFill>
+              <a:schemeClr val="tx1"/>
+            </a:solidFill>
+            <a:miter lim="800000"/>
+            <a:headEnd/>
+            <a:tailEnd/>
+          </a:ln>
+          <a:effectLst/>
+          <a:extLst>
+            <a:ext uri="{AF507438-7753-43E0-B8FC-AC1667EBCBE1}">
+              <a14:hiddenEffects xmlns:a14="http://schemas.microsoft.com/office/drawing/2010/main">
+                <a:effectLst>
+                  <a:outerShdw dist="35921" dir="2700000" algn="ctr" rotWithShape="0">
+                    <a:schemeClr val="bg2"/>
+                  </a:outerShdw>
+                </a:effectLst>
+              </a14:hiddenEffects>
+            </a:ext>
+          </a:extLst>
+        </p:spPr>
+        <p:txBody>
+          <a:bodyPr wrap="none" anchor="ctr"/>
+          <a:lstStyle/>
+          <a:p>
+            <a:pPr algn="ctr"/>
+            <a:endParaRPr lang="ko-KR" altLang="ko-KR" sz="1800"/>
+          </a:p>
+        </p:txBody>
+      </p:sp>
+      <p:graphicFrame>
+        <p:nvGraphicFramePr>
+          <p:cNvPr id="4" name="표 3"/>
+          <p:cNvGraphicFramePr>
+            <a:graphicFrameLocks noGrp="1"/>
+          </p:cNvGraphicFramePr>
+          <p:nvPr>
+            <p:extLst/>
+          </p:nvPr>
+        </p:nvGraphicFramePr>
+        <p:xfrm>
+          <a:off x="2184083" y="2579644"/>
+          <a:ext cx="5955365" cy="1854200"/>
+        </p:xfrm>
+        <a:graphic>
+          <a:graphicData uri="http://schemas.openxmlformats.org/drawingml/2006/table">
+            <a:tbl>
+              <a:tblPr firstRow="1" bandRow="1">
+                <a:tableStyleId>{F5AB1C69-6EDB-4FF4-983F-18BD219EF322}</a:tableStyleId>
+              </a:tblPr>
+              <a:tblGrid>
+                <a:gridCol w="598390">
+                  <a:extLst>
+                    <a:ext uri="{9D8B030D-6E8A-4147-A177-3AD203B41FA5}">
+                      <a16:colId xmlns:a16="http://schemas.microsoft.com/office/drawing/2014/main" val="114433865"/>
+                    </a:ext>
+                  </a:extLst>
+                </a:gridCol>
+                <a:gridCol w="2379293">
+                  <a:extLst>
+                    <a:ext uri="{9D8B030D-6E8A-4147-A177-3AD203B41FA5}">
+                      <a16:colId xmlns:a16="http://schemas.microsoft.com/office/drawing/2014/main" val="1007797985"/>
+                    </a:ext>
+                  </a:extLst>
+                </a:gridCol>
+                <a:gridCol w="1488841">
+                  <a:extLst>
+                    <a:ext uri="{9D8B030D-6E8A-4147-A177-3AD203B41FA5}">
+                      <a16:colId xmlns:a16="http://schemas.microsoft.com/office/drawing/2014/main" val="3121639836"/>
+                    </a:ext>
+                  </a:extLst>
+                </a:gridCol>
+                <a:gridCol w="1488841">
+                  <a:extLst>
+                    <a:ext uri="{9D8B030D-6E8A-4147-A177-3AD203B41FA5}">
+                      <a16:colId xmlns:a16="http://schemas.microsoft.com/office/drawing/2014/main" val="2119083497"/>
+                    </a:ext>
+                  </a:extLst>
+                </a:gridCol>
+              </a:tblGrid>
+              <a:tr h="370840">
+                <a:tc>
+                  <a:txBody>
+                    <a:bodyPr/>
+                    <a:lstStyle/>
+                    <a:p>
+                      <a:pPr algn="ctr" latinLnBrk="1"/>
+                      <a:r>
+                        <a:rPr lang="en-US" altLang="ko-KR" dirty="0" smtClean="0"/>
+                        <a:t>No.</a:t>
+                      </a:r>
+                      <a:endParaRPr lang="ko-KR" altLang="en-US" dirty="0"/>
+                    </a:p>
+                  </a:txBody>
+                  <a:tcPr/>
+                </a:tc>
+                <a:tc>
+                  <a:txBody>
+                    <a:bodyPr/>
+                    <a:lstStyle/>
+                    <a:p>
+                      <a:pPr algn="ctr" latinLnBrk="1"/>
+                      <a:r>
+                        <a:rPr lang="ko-KR" altLang="en-US" dirty="0" smtClean="0"/>
+                        <a:t>물품명</a:t>
+                      </a:r>
+                      <a:endParaRPr lang="ko-KR" altLang="en-US" dirty="0"/>
+                    </a:p>
+                  </a:txBody>
+                  <a:tcPr/>
+                </a:tc>
+                <a:tc>
+                  <a:txBody>
+                    <a:bodyPr/>
+                    <a:lstStyle/>
+                    <a:p>
+                      <a:pPr algn="ctr" latinLnBrk="1"/>
+                      <a:r>
+                        <a:rPr lang="ko-KR" altLang="en-US" dirty="0" err="1" smtClean="0"/>
+                        <a:t>정상가</a:t>
+                      </a:r>
+                      <a:endParaRPr lang="ko-KR" altLang="en-US" dirty="0"/>
+                    </a:p>
+                  </a:txBody>
+                  <a:tcPr/>
+                </a:tc>
+                <a:tc>
+                  <a:txBody>
+                    <a:bodyPr/>
+                    <a:lstStyle/>
+                    <a:p>
+                      <a:pPr algn="ctr" latinLnBrk="1"/>
+                      <a:r>
+                        <a:rPr lang="ko-KR" altLang="en-US" dirty="0" err="1" smtClean="0"/>
+                        <a:t>최종할인가</a:t>
+                      </a:r>
+                      <a:endParaRPr lang="ko-KR" altLang="en-US" dirty="0"/>
+                    </a:p>
+                  </a:txBody>
+                  <a:tcPr/>
+                </a:tc>
+                <a:extLst>
+                  <a:ext uri="{0D108BD9-81ED-4DB2-BD59-A6C34878D82A}">
+                    <a16:rowId xmlns:a16="http://schemas.microsoft.com/office/drawing/2014/main" val="810002282"/>
+                  </a:ext>
+                </a:extLst>
+              </a:tr>
+              <a:tr h="370840">
+                <a:tc>
+                  <a:txBody>
+                    <a:bodyPr/>
+                    <a:lstStyle/>
+                    <a:p>
+                      <a:pPr algn="ctr" latinLnBrk="1"/>
+                      <a:r>
+                        <a:rPr lang="en-US" altLang="ko-KR" dirty="0" smtClean="0"/>
+                        <a:t>1</a:t>
+                      </a:r>
+                      <a:endParaRPr lang="ko-KR" altLang="en-US" dirty="0"/>
+                    </a:p>
+                  </a:txBody>
+                  <a:tcPr/>
+                </a:tc>
+                <a:tc>
+                  <a:txBody>
+                    <a:bodyPr/>
+                    <a:lstStyle/>
+                    <a:p>
+                      <a:pPr algn="ctr" latinLnBrk="1"/>
+                      <a:r>
+                        <a:rPr lang="en-US" altLang="ko-KR" dirty="0" smtClean="0"/>
+                        <a:t>Item1</a:t>
+                      </a:r>
+                      <a:endParaRPr lang="ko-KR" altLang="en-US" dirty="0"/>
+                    </a:p>
+                  </a:txBody>
+                  <a:tcPr/>
+                </a:tc>
+                <a:tc>
+                  <a:txBody>
+                    <a:bodyPr/>
+                    <a:lstStyle/>
+                    <a:p>
+                      <a:pPr algn="ctr" latinLnBrk="1"/>
+                      <a:r>
+                        <a:rPr lang="en-US" altLang="ko-KR" dirty="0" smtClean="0"/>
+                        <a:t>20,000</a:t>
+                      </a:r>
+                      <a:endParaRPr lang="ko-KR" altLang="en-US" dirty="0"/>
+                    </a:p>
+                  </a:txBody>
+                  <a:tcPr/>
+                </a:tc>
+                <a:tc>
+                  <a:txBody>
+                    <a:bodyPr/>
+                    <a:lstStyle/>
+                    <a:p>
+                      <a:pPr algn="ctr" latinLnBrk="1"/>
+                      <a:r>
+                        <a:rPr lang="en-US" altLang="ko-KR" dirty="0" smtClean="0"/>
+                        <a:t>15,000</a:t>
+                      </a:r>
+                      <a:endParaRPr lang="ko-KR" altLang="en-US" dirty="0"/>
+                    </a:p>
+                  </a:txBody>
+                  <a:tcPr/>
+                </a:tc>
+                <a:extLst>
+                  <a:ext uri="{0D108BD9-81ED-4DB2-BD59-A6C34878D82A}">
+                    <a16:rowId xmlns:a16="http://schemas.microsoft.com/office/drawing/2014/main" val="3780764275"/>
+                  </a:ext>
+                </a:extLst>
+              </a:tr>
+              <a:tr h="370840">
+                <a:tc>
+                  <a:txBody>
+                    <a:bodyPr/>
+                    <a:lstStyle/>
+                    <a:p>
+                      <a:pPr algn="ctr" latinLnBrk="1"/>
+                      <a:r>
+                        <a:rPr lang="en-US" altLang="ko-KR" dirty="0" smtClean="0"/>
+                        <a:t>2</a:t>
+                      </a:r>
+                      <a:endParaRPr lang="ko-KR" altLang="en-US" dirty="0"/>
+                    </a:p>
+                  </a:txBody>
+                  <a:tcPr/>
+                </a:tc>
+                <a:tc>
+                  <a:txBody>
+                    <a:bodyPr/>
+                    <a:lstStyle/>
+                    <a:p>
+                      <a:pPr algn="ctr" latinLnBrk="1"/>
+                      <a:r>
+                        <a:rPr lang="en-US" altLang="ko-KR" dirty="0" smtClean="0"/>
+                        <a:t>Item2</a:t>
+                      </a:r>
+                      <a:endParaRPr lang="ko-KR" altLang="en-US" dirty="0"/>
+                    </a:p>
+                  </a:txBody>
+                  <a:tcPr/>
+                </a:tc>
+                <a:tc>
+                  <a:txBody>
+                    <a:bodyPr/>
+                    <a:lstStyle/>
+                    <a:p>
+                      <a:pPr algn="ctr" latinLnBrk="1"/>
+                      <a:r>
+                        <a:rPr lang="en-US" altLang="ko-KR" dirty="0" smtClean="0"/>
+                        <a:t>75,000</a:t>
+                      </a:r>
+                      <a:endParaRPr lang="ko-KR" altLang="en-US" dirty="0"/>
+                    </a:p>
+                  </a:txBody>
+                  <a:tcPr/>
+                </a:tc>
+                <a:tc>
+                  <a:txBody>
+                    <a:bodyPr/>
+                    <a:lstStyle/>
+                    <a:p>
+                      <a:pPr algn="ctr" latinLnBrk="1"/>
+                      <a:r>
+                        <a:rPr lang="en-US" altLang="ko-KR" dirty="0" smtClean="0"/>
+                        <a:t>59,000</a:t>
+                      </a:r>
+                      <a:endParaRPr lang="ko-KR" altLang="en-US" dirty="0"/>
+                    </a:p>
+                  </a:txBody>
+                  <a:tcPr/>
+                </a:tc>
+                <a:extLst>
+                  <a:ext uri="{0D108BD9-81ED-4DB2-BD59-A6C34878D82A}">
+                    <a16:rowId xmlns:a16="http://schemas.microsoft.com/office/drawing/2014/main" val="1139875680"/>
+                  </a:ext>
+                </a:extLst>
+              </a:tr>
+              <a:tr h="370840">
+                <a:tc>
+                  <a:txBody>
+                    <a:bodyPr/>
+                    <a:lstStyle/>
+                    <a:p>
+                      <a:pPr algn="ctr" latinLnBrk="1"/>
+                      <a:r>
+                        <a:rPr lang="en-US" altLang="ko-KR" dirty="0" smtClean="0"/>
+                        <a:t>3</a:t>
+                      </a:r>
+                      <a:endParaRPr lang="ko-KR" altLang="en-US" dirty="0"/>
+                    </a:p>
+                  </a:txBody>
+                  <a:tcPr/>
+                </a:tc>
+                <a:tc>
+                  <a:txBody>
+                    <a:bodyPr/>
+                    <a:lstStyle/>
+                    <a:p>
+                      <a:pPr algn="ctr" latinLnBrk="1"/>
+                      <a:r>
+                        <a:rPr lang="en-US" altLang="ko-KR" dirty="0" smtClean="0"/>
+                        <a:t>Item3</a:t>
+                      </a:r>
+                      <a:endParaRPr lang="ko-KR" altLang="en-US" dirty="0"/>
+                    </a:p>
+                  </a:txBody>
+                  <a:tcPr/>
+                </a:tc>
+                <a:tc>
+                  <a:txBody>
+                    <a:bodyPr/>
+                    <a:lstStyle/>
+                    <a:p>
+                      <a:pPr algn="ctr" latinLnBrk="1"/>
+                      <a:r>
+                        <a:rPr lang="en-US" altLang="ko-KR" dirty="0" smtClean="0"/>
+                        <a:t>80,000</a:t>
+                      </a:r>
+                      <a:endParaRPr lang="ko-KR" altLang="en-US" dirty="0"/>
+                    </a:p>
+                  </a:txBody>
+                  <a:tcPr/>
+                </a:tc>
+                <a:tc>
+                  <a:txBody>
+                    <a:bodyPr/>
+                    <a:lstStyle/>
+                    <a:p>
+                      <a:pPr algn="ctr" latinLnBrk="1"/>
+                      <a:r>
+                        <a:rPr lang="en-US" altLang="ko-KR" dirty="0" smtClean="0"/>
+                        <a:t>66,000</a:t>
+                      </a:r>
+                      <a:endParaRPr lang="ko-KR" altLang="en-US" dirty="0"/>
+                    </a:p>
+                  </a:txBody>
+                  <a:tcPr/>
+                </a:tc>
+                <a:extLst>
+                  <a:ext uri="{0D108BD9-81ED-4DB2-BD59-A6C34878D82A}">
+                    <a16:rowId xmlns:a16="http://schemas.microsoft.com/office/drawing/2014/main" val="1726178842"/>
+                  </a:ext>
+                </a:extLst>
+              </a:tr>
+              <a:tr h="370840">
+                <a:tc>
+                  <a:txBody>
+                    <a:bodyPr/>
+                    <a:lstStyle/>
+                    <a:p>
+                      <a:pPr algn="ctr" latinLnBrk="1"/>
+                      <a:r>
+                        <a:rPr lang="en-US" altLang="ko-KR" dirty="0" smtClean="0"/>
+                        <a:t>…</a:t>
+                      </a:r>
+                      <a:endParaRPr lang="ko-KR" altLang="en-US" dirty="0"/>
+                    </a:p>
+                  </a:txBody>
+                  <a:tcPr/>
+                </a:tc>
+                <a:tc>
+                  <a:txBody>
+                    <a:bodyPr/>
+                    <a:lstStyle/>
+                    <a:p>
+                      <a:pPr algn="ctr" latinLnBrk="1"/>
+                      <a:r>
+                        <a:rPr lang="en-US" altLang="ko-KR" dirty="0" smtClean="0"/>
+                        <a:t>…..</a:t>
+                      </a:r>
+                      <a:endParaRPr lang="ko-KR" altLang="en-US" dirty="0"/>
+                    </a:p>
+                  </a:txBody>
+                  <a:tcPr/>
+                </a:tc>
+                <a:tc>
+                  <a:txBody>
+                    <a:bodyPr/>
+                    <a:lstStyle/>
+                    <a:p>
+                      <a:pPr algn="ctr" latinLnBrk="1"/>
+                      <a:r>
+                        <a:rPr lang="en-US" altLang="ko-KR" dirty="0" smtClean="0"/>
+                        <a:t>…..</a:t>
+                      </a:r>
+                      <a:endParaRPr lang="ko-KR" altLang="en-US" dirty="0"/>
+                    </a:p>
+                  </a:txBody>
+                  <a:tcPr/>
+                </a:tc>
+                <a:tc>
+                  <a:txBody>
+                    <a:bodyPr/>
+                    <a:lstStyle/>
+                    <a:p>
+                      <a:pPr algn="ctr" latinLnBrk="1"/>
+                      <a:r>
+                        <a:rPr lang="en-US" altLang="ko-KR" dirty="0" smtClean="0"/>
+                        <a:t>…</a:t>
+                      </a:r>
+                      <a:endParaRPr lang="ko-KR" altLang="en-US" dirty="0"/>
+                    </a:p>
+                  </a:txBody>
+                  <a:tcPr/>
+                </a:tc>
+                <a:extLst>
+                  <a:ext uri="{0D108BD9-81ED-4DB2-BD59-A6C34878D82A}">
+                    <a16:rowId xmlns:a16="http://schemas.microsoft.com/office/drawing/2014/main" val="483375983"/>
+                  </a:ext>
+                </a:extLst>
+              </a:tr>
+            </a:tbl>
+          </a:graphicData>
+        </a:graphic>
+      </p:graphicFrame>
+      <p:graphicFrame>
+        <p:nvGraphicFramePr>
+          <p:cNvPr id="6" name="표 5"/>
+          <p:cNvGraphicFramePr>
+            <a:graphicFrameLocks noGrp="1"/>
+          </p:cNvGraphicFramePr>
+          <p:nvPr>
+            <p:extLst/>
+          </p:nvPr>
+        </p:nvGraphicFramePr>
+        <p:xfrm>
+          <a:off x="8832044" y="1961122"/>
+          <a:ext cx="2346818" cy="2792472"/>
+        </p:xfrm>
+        <a:graphic>
+          <a:graphicData uri="http://schemas.openxmlformats.org/drawingml/2006/table">
+            <a:tbl>
+              <a:tblPr firstRow="1" bandRow="1">
+                <a:tableStyleId>{F5AB1C69-6EDB-4FF4-983F-18BD219EF322}</a:tableStyleId>
+              </a:tblPr>
+              <a:tblGrid>
+                <a:gridCol w="1173409">
+                  <a:extLst>
+                    <a:ext uri="{9D8B030D-6E8A-4147-A177-3AD203B41FA5}">
+                      <a16:colId xmlns:a16="http://schemas.microsoft.com/office/drawing/2014/main" val="1924144450"/>
+                    </a:ext>
+                  </a:extLst>
+                </a:gridCol>
+                <a:gridCol w="1173409">
+                  <a:extLst>
+                    <a:ext uri="{9D8B030D-6E8A-4147-A177-3AD203B41FA5}">
+                      <a16:colId xmlns:a16="http://schemas.microsoft.com/office/drawing/2014/main" val="2425952022"/>
+                    </a:ext>
+                  </a:extLst>
+                </a:gridCol>
+              </a:tblGrid>
+              <a:tr h="485865">
+                <a:tc gridSpan="2">
+                  <a:txBody>
+                    <a:bodyPr/>
+                    <a:lstStyle/>
+                    <a:p>
+                      <a:pPr algn="ctr" latinLnBrk="1"/>
+                      <a:r>
+                        <a:rPr lang="ko-KR" altLang="en-US" sz="2400" dirty="0" smtClean="0"/>
+                        <a:t>추천 항목</a:t>
+                      </a:r>
+                      <a:endParaRPr lang="ko-KR" altLang="en-US" sz="2400" dirty="0"/>
+                    </a:p>
+                  </a:txBody>
+                  <a:tcPr/>
+                </a:tc>
+                <a:tc hMerge="1">
+                  <a:txBody>
+                    <a:bodyPr/>
+                    <a:lstStyle/>
+                    <a:p>
+                      <a:pPr latinLnBrk="1"/>
+                      <a:endParaRPr lang="ko-KR" altLang="en-US" dirty="0"/>
+                    </a:p>
+                  </a:txBody>
+                  <a:tcPr/>
+                </a:tc>
+                <a:extLst>
+                  <a:ext uri="{0D108BD9-81ED-4DB2-BD59-A6C34878D82A}">
+                    <a16:rowId xmlns:a16="http://schemas.microsoft.com/office/drawing/2014/main" val="2061246241"/>
+                  </a:ext>
+                </a:extLst>
+              </a:tr>
+              <a:tr h="386367">
+                <a:tc gridSpan="2">
+                  <a:txBody>
+                    <a:bodyPr/>
+                    <a:lstStyle/>
+                    <a:p>
+                      <a:pPr algn="ctr" latinLnBrk="1"/>
+                      <a:r>
+                        <a:rPr lang="ko-KR" altLang="en-US" dirty="0" smtClean="0"/>
+                        <a:t>연령별 추천 항목</a:t>
+                      </a:r>
+                      <a:endParaRPr lang="ko-KR" altLang="en-US" b="1" dirty="0"/>
+                    </a:p>
+                  </a:txBody>
+                  <a:tcPr/>
+                </a:tc>
+                <a:tc hMerge="1">
+                  <a:txBody>
+                    <a:bodyPr/>
+                    <a:lstStyle/>
+                    <a:p>
+                      <a:endParaRPr lang="ko-KR" altLang="en-US" dirty="0"/>
+                    </a:p>
+                  </a:txBody>
+                  <a:tcPr/>
+                </a:tc>
+                <a:extLst>
+                  <a:ext uri="{0D108BD9-81ED-4DB2-BD59-A6C34878D82A}">
+                    <a16:rowId xmlns:a16="http://schemas.microsoft.com/office/drawing/2014/main" val="2802674745"/>
+                  </a:ext>
+                </a:extLst>
+              </a:tr>
+              <a:tr h="632934">
+                <a:tc>
+                  <a:txBody>
+                    <a:bodyPr/>
+                    <a:lstStyle/>
+                    <a:p>
+                      <a:pPr algn="ctr" latinLnBrk="1"/>
+                      <a:r>
+                        <a:rPr lang="en-US" altLang="ko-KR" sz="3200" dirty="0" smtClean="0"/>
+                        <a:t>1</a:t>
+                      </a:r>
+                      <a:endParaRPr lang="ko-KR" altLang="en-US" sz="3200" b="1" dirty="0"/>
+                    </a:p>
+                  </a:txBody>
+                  <a:tcPr/>
+                </a:tc>
+                <a:tc>
+                  <a:txBody>
+                    <a:bodyPr/>
+                    <a:lstStyle/>
+                    <a:p>
+                      <a:pPr algn="ctr" latinLnBrk="1"/>
+                      <a:r>
+                        <a:rPr lang="en-US" altLang="ko-KR" dirty="0" smtClean="0"/>
+                        <a:t>Item1</a:t>
+                      </a:r>
+                      <a:br>
+                        <a:rPr lang="en-US" altLang="ko-KR" dirty="0" smtClean="0"/>
+                      </a:br>
+                      <a:r>
+                        <a:rPr lang="en-US" altLang="ko-KR" dirty="0" smtClean="0"/>
+                        <a:t>(</a:t>
+                      </a:r>
+                      <a:r>
+                        <a:rPr lang="ko-KR" altLang="en-US" dirty="0" smtClean="0"/>
+                        <a:t>사진</a:t>
+                      </a:r>
+                      <a:r>
+                        <a:rPr lang="en-US" altLang="ko-KR" dirty="0" smtClean="0"/>
+                        <a:t>)</a:t>
+                      </a:r>
+                      <a:endParaRPr lang="ko-KR" altLang="en-US" dirty="0"/>
+                    </a:p>
+                  </a:txBody>
+                  <a:tcPr/>
+                </a:tc>
+                <a:extLst>
+                  <a:ext uri="{0D108BD9-81ED-4DB2-BD59-A6C34878D82A}">
+                    <a16:rowId xmlns:a16="http://schemas.microsoft.com/office/drawing/2014/main" val="207251272"/>
+                  </a:ext>
+                </a:extLst>
+              </a:tr>
+              <a:tr h="632934">
+                <a:tc>
+                  <a:txBody>
+                    <a:bodyPr/>
+                    <a:lstStyle/>
+                    <a:p>
+                      <a:pPr algn="ctr" latinLnBrk="1"/>
+                      <a:r>
+                        <a:rPr lang="en-US" altLang="ko-KR" sz="3200" dirty="0" smtClean="0"/>
+                        <a:t>2</a:t>
+                      </a:r>
+                      <a:endParaRPr lang="ko-KR" altLang="en-US" sz="3200" b="1" dirty="0"/>
+                    </a:p>
+                  </a:txBody>
+                  <a:tcPr/>
+                </a:tc>
+                <a:tc>
+                  <a:txBody>
+                    <a:bodyPr/>
+                    <a:lstStyle/>
+                    <a:p>
+                      <a:pPr algn="ctr" latinLnBrk="1"/>
+                      <a:r>
+                        <a:rPr lang="en-US" altLang="ko-KR" dirty="0" smtClean="0"/>
+                        <a:t>Item2</a:t>
+                      </a:r>
+                      <a:br>
+                        <a:rPr lang="en-US" altLang="ko-KR" dirty="0" smtClean="0"/>
+                      </a:br>
+                      <a:r>
+                        <a:rPr lang="en-US" altLang="ko-KR" dirty="0" smtClean="0"/>
+                        <a:t>(</a:t>
+                      </a:r>
+                      <a:r>
+                        <a:rPr lang="ko-KR" altLang="en-US" dirty="0" smtClean="0"/>
+                        <a:t>사진</a:t>
+                      </a:r>
+                      <a:r>
+                        <a:rPr lang="en-US" altLang="ko-KR" dirty="0" smtClean="0"/>
+                        <a:t>)</a:t>
+                      </a:r>
+                      <a:endParaRPr lang="ko-KR" altLang="en-US" dirty="0"/>
+                    </a:p>
+                  </a:txBody>
+                  <a:tcPr/>
+                </a:tc>
+                <a:extLst>
+                  <a:ext uri="{0D108BD9-81ED-4DB2-BD59-A6C34878D82A}">
+                    <a16:rowId xmlns:a16="http://schemas.microsoft.com/office/drawing/2014/main" val="300995245"/>
+                  </a:ext>
+                </a:extLst>
+              </a:tr>
+              <a:tr h="632934">
+                <a:tc>
+                  <a:txBody>
+                    <a:bodyPr/>
+                    <a:lstStyle/>
+                    <a:p>
+                      <a:pPr algn="ctr" latinLnBrk="1"/>
+                      <a:r>
+                        <a:rPr lang="en-US" altLang="ko-KR" sz="3200" dirty="0" smtClean="0"/>
+                        <a:t>3</a:t>
+                      </a:r>
+                      <a:endParaRPr lang="ko-KR" altLang="en-US" sz="3200" b="1" dirty="0"/>
+                    </a:p>
+                  </a:txBody>
+                  <a:tcPr/>
+                </a:tc>
+                <a:tc>
+                  <a:txBody>
+                    <a:bodyPr/>
+                    <a:lstStyle/>
+                    <a:p>
+                      <a:pPr algn="ctr" latinLnBrk="1"/>
+                      <a:r>
+                        <a:rPr lang="en-US" altLang="ko-KR" dirty="0" smtClean="0"/>
+                        <a:t>Item3</a:t>
+                      </a:r>
+                      <a:br>
+                        <a:rPr lang="en-US" altLang="ko-KR" dirty="0" smtClean="0"/>
+                      </a:br>
+                      <a:r>
+                        <a:rPr lang="en-US" altLang="ko-KR" dirty="0" smtClean="0"/>
+                        <a:t>(</a:t>
+                      </a:r>
+                      <a:r>
+                        <a:rPr lang="ko-KR" altLang="en-US" dirty="0" smtClean="0"/>
+                        <a:t>사진</a:t>
+                      </a:r>
+                      <a:r>
+                        <a:rPr lang="en-US" altLang="ko-KR" dirty="0" smtClean="0"/>
+                        <a:t>)</a:t>
+                      </a:r>
+                      <a:endParaRPr lang="ko-KR" altLang="en-US" dirty="0"/>
+                    </a:p>
+                  </a:txBody>
+                  <a:tcPr/>
+                </a:tc>
+                <a:extLst>
+                  <a:ext uri="{0D108BD9-81ED-4DB2-BD59-A6C34878D82A}">
+                    <a16:rowId xmlns:a16="http://schemas.microsoft.com/office/drawing/2014/main" val="856813514"/>
+                  </a:ext>
+                </a:extLst>
+              </a:tr>
+            </a:tbl>
+          </a:graphicData>
+        </a:graphic>
+      </p:graphicFrame>
+      <p:sp>
+        <p:nvSpPr>
+          <p:cNvPr id="16" name="TextBox 15"/>
+          <p:cNvSpPr txBox="1"/>
+          <p:nvPr/>
+        </p:nvSpPr>
+        <p:spPr>
+          <a:xfrm>
+            <a:off x="1694644" y="5923386"/>
+            <a:ext cx="10112345" cy="830997"/>
+          </a:xfrm>
+          <a:prstGeom prst="rect">
+            <a:avLst/>
+          </a:prstGeom>
+          <a:noFill/>
+        </p:spPr>
+        <p:txBody>
+          <a:bodyPr wrap="square" rtlCol="0">
+            <a:spAutoFit/>
+          </a:bodyPr>
+          <a:lstStyle/>
+          <a:p>
+            <a:r>
+              <a:rPr lang="ko-KR" altLang="en-US" sz="1600" dirty="0" smtClean="0"/>
+              <a:t>왼쪽 테이블은 이전 페이지에서 검색한 물건에 대한 최저가 리스트를 보여주는 항목이며</a:t>
+            </a:r>
+            <a:r>
+              <a:rPr lang="en-US" altLang="ko-KR" sz="1600" dirty="0" smtClean="0"/>
+              <a:t>,</a:t>
+            </a:r>
+            <a:r>
+              <a:rPr lang="ko-KR" altLang="en-US" sz="1600" dirty="0"/>
+              <a:t> 추가적으로 </a:t>
+            </a:r>
+            <a:r>
+              <a:rPr lang="ko-KR" altLang="en-US" sz="1600" dirty="0" smtClean="0"/>
+              <a:t>오른쪽 테이블은 본인이 검색한 내용을 토대로 연령별로 가장 인기있는 순으로 유사한 카테고리에 있는 아이템을 추천해주는 항목이다</a:t>
+            </a:r>
+            <a:r>
+              <a:rPr lang="en-US" altLang="ko-KR" sz="1600" dirty="0" smtClean="0"/>
+              <a:t>.</a:t>
+            </a:r>
+            <a:endParaRPr lang="ko-KR" altLang="en-US" sz="1600" dirty="0"/>
+          </a:p>
+        </p:txBody>
+      </p:sp>
+      <p:sp>
+        <p:nvSpPr>
+          <p:cNvPr id="8" name="왼쪽 화살표 7"/>
+          <p:cNvSpPr/>
+          <p:nvPr/>
+        </p:nvSpPr>
+        <p:spPr>
+          <a:xfrm>
+            <a:off x="1719186" y="2682338"/>
+            <a:ext cx="390420" cy="306180"/>
+          </a:xfrm>
+          <a:prstGeom prst="leftArrow">
+            <a:avLst/>
+          </a:prstGeom>
+          <a:solidFill>
+            <a:srgbClr val="FF0000"/>
+          </a:solidFill>
+          <a:ln>
+            <a:solidFill>
+              <a:srgbClr val="FF0000"/>
+            </a:solidFill>
+          </a:ln>
+        </p:spPr>
+        <p:style>
+          <a:lnRef idx="2">
+            <a:schemeClr val="accent1">
+              <a:shade val="50000"/>
+            </a:schemeClr>
+          </a:lnRef>
+          <a:fillRef idx="1">
+            <a:schemeClr val="accent1"/>
+          </a:fillRef>
+          <a:effectRef idx="0">
+            <a:schemeClr val="accent1"/>
+          </a:effectRef>
+          <a:fontRef idx="minor">
+            <a:schemeClr val="lt1"/>
+          </a:fontRef>
+        </p:style>
+        <p:txBody>
+          <a:bodyPr rtlCol="0" anchor="ctr"/>
+          <a:lstStyle/>
+          <a:p>
+            <a:pPr algn="ctr"/>
+            <a:endParaRPr lang="ko-KR" altLang="en-US"/>
+          </a:p>
+        </p:txBody>
+      </p:sp>
+    </p:spTree>
+    <p:extLst>
+      <p:ext uri="{BB962C8B-B14F-4D97-AF65-F5344CB8AC3E}">
+        <p14:creationId xmlns:p14="http://schemas.microsoft.com/office/powerpoint/2010/main" val="1779154477"/>
+      </p:ext>
+    </p:extLst>
+  </p:cSld>
+  <p:clrMapOvr>
+    <a:masterClrMapping/>
+  </p:clrMapOvr>
+  <p:timing>
+    <p:tnLst>
+      <p:par>
+        <p:cTn id="1" dur="indefinite" restart="never" nodeType="tmRoot"/>
+      </p:par>
+    </p:tnLst>
+  </p:timing>
+</p:sld>
+</file>
+
+<file path=ppt/slides/slide11.xml><?xml version="1.0" encoding="utf-8"?>
+<p:sld xmlns:a="http://schemas.openxmlformats.org/drawingml/2006/main" xmlns:r="http://schemas.openxmlformats.org/officeDocument/2006/relationships" xmlns:p="http://schemas.openxmlformats.org/presentationml/2006/main">
+  <p:cSld>
+    <p:spTree>
+      <p:nvGrpSpPr>
+        <p:cNvPr id="1" name=""/>
+        <p:cNvGrpSpPr/>
+        <p:nvPr/>
+      </p:nvGrpSpPr>
+      <p:grpSpPr>
+        <a:xfrm>
+          <a:off x="0" y="0"/>
+          <a:ext cx="0" cy="0"/>
+          <a:chOff x="0" y="0"/>
+          <a:chExt cx="0" cy="0"/>
+        </a:xfrm>
+      </p:grpSpPr>
       <p:sp>
         <p:nvSpPr>
           <p:cNvPr id="147" name="왼쪽 화살표 146"/>
@@ -14250,7 +15197,7 @@
 </p:sld>
 </file>
 
-<file path=ppt/slides/slide11.xml><?xml version="1.0" encoding="utf-8"?>
+<file path=ppt/slides/slide12.xml><?xml version="1.0" encoding="utf-8"?>
 <p:sld xmlns:a="http://schemas.openxmlformats.org/drawingml/2006/main" xmlns:r="http://schemas.openxmlformats.org/officeDocument/2006/relationships" xmlns:p="http://schemas.openxmlformats.org/presentationml/2006/main">
   <p:cSld>
     <p:spTree>
@@ -15395,7 +16342,7 @@
 </p:sld>
 </file>
 
-<file path=ppt/slides/slide12.xml><?xml version="1.0" encoding="utf-8"?>
+<file path=ppt/slides/slide13.xml><?xml version="1.0" encoding="utf-8"?>
 <p:sld xmlns:a="http://schemas.openxmlformats.org/drawingml/2006/main" xmlns:r="http://schemas.openxmlformats.org/officeDocument/2006/relationships" xmlns:p="http://schemas.openxmlformats.org/presentationml/2006/main">
   <p:cSld>
     <p:spTree>
@@ -17676,7 +18623,7 @@
         </p:nvSpPr>
         <p:spPr>
           <a:xfrm>
-            <a:off x="1735810" y="1069671"/>
+            <a:off x="1694644" y="1320191"/>
             <a:ext cx="390420" cy="306180"/>
           </a:xfrm>
           <a:prstGeom prst="leftArrow">
@@ -19118,84 +20065,6 @@
           </a:p>
         </p:txBody>
       </p:sp>
-    </p:spTree>
-    <p:extLst>
-      <p:ext uri="{BB962C8B-B14F-4D97-AF65-F5344CB8AC3E}">
-        <p14:creationId xmlns:p14="http://schemas.microsoft.com/office/powerpoint/2010/main" val="2640379545"/>
-      </p:ext>
-    </p:extLst>
-  </p:cSld>
-  <p:clrMapOvr>
-    <a:masterClrMapping/>
-  </p:clrMapOvr>
-</p:sld>
-</file>
-
-<file path=ppt/slides/slide4.xml><?xml version="1.0" encoding="utf-8"?>
-<p:sld xmlns:a="http://schemas.openxmlformats.org/drawingml/2006/main" xmlns:r="http://schemas.openxmlformats.org/officeDocument/2006/relationships" xmlns:p="http://schemas.openxmlformats.org/presentationml/2006/main">
-  <p:cSld>
-    <p:spTree>
-      <p:nvGrpSpPr>
-        <p:cNvPr id="1" name=""/>
-        <p:cNvGrpSpPr/>
-        <p:nvPr/>
-      </p:nvGrpSpPr>
-      <p:grpSpPr>
-        <a:xfrm>
-          <a:off x="0" y="0"/>
-          <a:ext cx="0" cy="0"/>
-          <a:chOff x="0" y="0"/>
-          <a:chExt cx="0" cy="0"/>
-        </a:xfrm>
-      </p:grpSpPr>
-      <p:sp>
-        <p:nvSpPr>
-          <p:cNvPr id="147" name="왼쪽 화살표 146"/>
-          <p:cNvSpPr/>
-          <p:nvPr/>
-        </p:nvSpPr>
-        <p:spPr>
-          <a:xfrm>
-            <a:off x="1702560" y="1909257"/>
-            <a:ext cx="390420" cy="306180"/>
-          </a:xfrm>
-          <a:prstGeom prst="leftArrow">
-            <a:avLst/>
-          </a:prstGeom>
-          <a:solidFill>
-            <a:srgbClr val="FF0000"/>
-          </a:solidFill>
-          <a:ln>
-            <a:solidFill>
-              <a:srgbClr val="FF0000"/>
-            </a:solidFill>
-          </a:ln>
-        </p:spPr>
-        <p:style>
-          <a:lnRef idx="2">
-            <a:schemeClr val="accent1">
-              <a:shade val="50000"/>
-            </a:schemeClr>
-          </a:lnRef>
-          <a:fillRef idx="1">
-            <a:schemeClr val="accent1"/>
-          </a:fillRef>
-          <a:effectRef idx="0">
-            <a:schemeClr val="accent1"/>
-          </a:effectRef>
-          <a:fontRef idx="minor">
-            <a:schemeClr val="lt1"/>
-          </a:fontRef>
-        </p:style>
-        <p:txBody>
-          <a:bodyPr rtlCol="0" anchor="ctr"/>
-          <a:lstStyle/>
-          <a:p>
-            <a:pPr algn="ctr"/>
-            <a:endParaRPr lang="ko-KR" altLang="en-US"/>
-          </a:p>
-        </p:txBody>
-      </p:sp>
       <p:sp>
         <p:nvSpPr>
           <p:cNvPr id="2" name="TextBox 1"/>
@@ -22861,7 +23730,7 @@
 </p:sld>
 </file>
 
-<file path=ppt/slides/slide5.xml><?xml version="1.0" encoding="utf-8"?>
+<file path=ppt/slides/slide4.xml><?xml version="1.0" encoding="utf-8"?>
 <p:sld xmlns:a="http://schemas.openxmlformats.org/drawingml/2006/main" xmlns:r="http://schemas.openxmlformats.org/officeDocument/2006/relationships" xmlns:p="http://schemas.openxmlformats.org/presentationml/2006/main">
   <p:cSld>
     <p:spTree>
@@ -23627,7 +24496,7 @@
 </p:sld>
 </file>
 
-<file path=ppt/slides/slide6.xml><?xml version="1.0" encoding="utf-8"?>
+<file path=ppt/slides/slide5.xml><?xml version="1.0" encoding="utf-8"?>
 <p:sld xmlns:a="http://schemas.openxmlformats.org/drawingml/2006/main" xmlns:r="http://schemas.openxmlformats.org/officeDocument/2006/relationships" xmlns:p="http://schemas.openxmlformats.org/presentationml/2006/main">
   <p:cSld>
     <p:spTree>
@@ -24492,7 +25361,7 @@
 </p:sld>
 </file>
 
-<file path=ppt/slides/slide7.xml><?xml version="1.0" encoding="utf-8"?>
+<file path=ppt/slides/slide6.xml><?xml version="1.0" encoding="utf-8"?>
 <p:sld xmlns:a="http://schemas.openxmlformats.org/drawingml/2006/main" xmlns:r="http://schemas.openxmlformats.org/officeDocument/2006/relationships" xmlns:p="http://schemas.openxmlformats.org/presentationml/2006/main">
   <p:cSld>
     <p:spTree>
@@ -25258,7 +26127,7 @@
 </p:sld>
 </file>
 
-<file path=ppt/slides/slide8.xml><?xml version="1.0" encoding="utf-8"?>
+<file path=ppt/slides/slide7.xml><?xml version="1.0" encoding="utf-8"?>
 <p:sld xmlns:a="http://schemas.openxmlformats.org/drawingml/2006/main" xmlns:r="http://schemas.openxmlformats.org/officeDocument/2006/relationships" xmlns:p="http://schemas.openxmlformats.org/presentationml/2006/main">
   <p:cSld>
     <p:spTree>
@@ -25629,7 +26498,7 @@
 </p:sld>
 </file>
 
-<file path=ppt/slides/slide9.xml><?xml version="1.0" encoding="utf-8"?>
+<file path=ppt/slides/slide8.xml><?xml version="1.0" encoding="utf-8"?>
 <p:sld xmlns:a="http://schemas.openxmlformats.org/drawingml/2006/main" xmlns:r="http://schemas.openxmlformats.org/officeDocument/2006/relationships" xmlns:p="http://schemas.openxmlformats.org/presentationml/2006/main">
   <p:cSld>
     <p:spTree>
@@ -26356,6 +27225,951 @@
   <p:clrMapOvr>
     <a:masterClrMapping/>
   </p:clrMapOvr>
+</p:sld>
+</file>
+
+<file path=ppt/slides/slide9.xml><?xml version="1.0" encoding="utf-8"?>
+<p:sld xmlns:a="http://schemas.openxmlformats.org/drawingml/2006/main" xmlns:r="http://schemas.openxmlformats.org/officeDocument/2006/relationships" xmlns:p="http://schemas.openxmlformats.org/presentationml/2006/main">
+  <p:cSld>
+    <p:spTree>
+      <p:nvGrpSpPr>
+        <p:cNvPr id="1" name=""/>
+        <p:cNvGrpSpPr/>
+        <p:nvPr/>
+      </p:nvGrpSpPr>
+      <p:grpSpPr>
+        <a:xfrm>
+          <a:off x="0" y="0"/>
+          <a:ext cx="0" cy="0"/>
+          <a:chOff x="0" y="0"/>
+          <a:chExt cx="0" cy="0"/>
+        </a:xfrm>
+      </p:grpSpPr>
+      <p:sp>
+        <p:nvSpPr>
+          <p:cNvPr id="147" name="왼쪽 화살표 146"/>
+          <p:cNvSpPr/>
+          <p:nvPr/>
+        </p:nvSpPr>
+        <p:spPr>
+          <a:xfrm>
+            <a:off x="1719186" y="2682338"/>
+            <a:ext cx="390420" cy="306180"/>
+          </a:xfrm>
+          <a:prstGeom prst="leftArrow">
+            <a:avLst/>
+          </a:prstGeom>
+          <a:solidFill>
+            <a:srgbClr val="FF0000"/>
+          </a:solidFill>
+          <a:ln>
+            <a:solidFill>
+              <a:srgbClr val="FF0000"/>
+            </a:solidFill>
+          </a:ln>
+        </p:spPr>
+        <p:style>
+          <a:lnRef idx="2">
+            <a:schemeClr val="accent1">
+              <a:shade val="50000"/>
+            </a:schemeClr>
+          </a:lnRef>
+          <a:fillRef idx="1">
+            <a:schemeClr val="accent1"/>
+          </a:fillRef>
+          <a:effectRef idx="0">
+            <a:schemeClr val="accent1"/>
+          </a:effectRef>
+          <a:fontRef idx="minor">
+            <a:schemeClr val="lt1"/>
+          </a:fontRef>
+        </p:style>
+        <p:txBody>
+          <a:bodyPr rtlCol="0" anchor="ctr"/>
+          <a:lstStyle/>
+          <a:p>
+            <a:pPr algn="ctr"/>
+            <a:endParaRPr lang="ko-KR" altLang="en-US"/>
+          </a:p>
+        </p:txBody>
+      </p:sp>
+      <p:graphicFrame>
+        <p:nvGraphicFramePr>
+          <p:cNvPr id="2" name="표 1"/>
+          <p:cNvGraphicFramePr>
+            <a:graphicFrameLocks noGrp="1"/>
+          </p:cNvGraphicFramePr>
+          <p:nvPr>
+            <p:extLst/>
+          </p:nvPr>
+        </p:nvGraphicFramePr>
+        <p:xfrm>
+          <a:off x="4105499" y="3348355"/>
+          <a:ext cx="5360473" cy="1572774"/>
+        </p:xfrm>
+        <a:graphic>
+          <a:graphicData uri="http://schemas.openxmlformats.org/drawingml/2006/table">
+            <a:tbl>
+              <a:tblPr firstRow="1" bandRow="1">
+                <a:tableStyleId>{073A0DAA-6AF3-43AB-8588-CEC1D06C72B9}</a:tableStyleId>
+              </a:tblPr>
+              <a:tblGrid>
+                <a:gridCol w="5360473">
+                  <a:extLst>
+                    <a:ext uri="{9D8B030D-6E8A-4147-A177-3AD203B41FA5}">
+                      <a16:colId xmlns:a16="http://schemas.microsoft.com/office/drawing/2014/main" val="1343876024"/>
+                    </a:ext>
+                  </a:extLst>
+                </a:gridCol>
+              </a:tblGrid>
+              <a:tr h="786387">
+                <a:tc>
+                  <a:txBody>
+                    <a:bodyPr/>
+                    <a:lstStyle/>
+                    <a:p>
+                      <a:pPr algn="ctr" latinLnBrk="1"/>
+                      <a:r>
+                        <a:rPr lang="ko-KR" altLang="en-US" sz="4500" dirty="0" smtClean="0"/>
+                        <a:t>최저가 검색</a:t>
+                      </a:r>
+                      <a:endParaRPr lang="ko-KR" altLang="en-US" sz="4500" dirty="0"/>
+                    </a:p>
+                  </a:txBody>
+                  <a:tcPr/>
+                </a:tc>
+                <a:extLst>
+                  <a:ext uri="{0D108BD9-81ED-4DB2-BD59-A6C34878D82A}">
+                    <a16:rowId xmlns:a16="http://schemas.microsoft.com/office/drawing/2014/main" val="3181720835"/>
+                  </a:ext>
+                </a:extLst>
+              </a:tr>
+              <a:tr h="786387">
+                <a:tc>
+                  <a:txBody>
+                    <a:bodyPr/>
+                    <a:lstStyle/>
+                    <a:p>
+                      <a:pPr latinLnBrk="1"/>
+                      <a:endParaRPr lang="ko-KR" altLang="en-US" dirty="0"/>
+                    </a:p>
+                  </a:txBody>
+                  <a:tcPr/>
+                </a:tc>
+                <a:extLst>
+                  <a:ext uri="{0D108BD9-81ED-4DB2-BD59-A6C34878D82A}">
+                    <a16:rowId xmlns:a16="http://schemas.microsoft.com/office/drawing/2014/main" val="3768471557"/>
+                  </a:ext>
+                </a:extLst>
+              </a:tr>
+            </a:tbl>
+          </a:graphicData>
+        </a:graphic>
+      </p:graphicFrame>
+      <p:sp>
+        <p:nvSpPr>
+          <p:cNvPr id="5" name="오른쪽 화살표 4"/>
+          <p:cNvSpPr/>
+          <p:nvPr/>
+        </p:nvSpPr>
+        <p:spPr>
+          <a:xfrm>
+            <a:off x="4327302" y="4314427"/>
+            <a:ext cx="515155" cy="386366"/>
+          </a:xfrm>
+          <a:prstGeom prst="rightArrow">
+            <a:avLst/>
+          </a:prstGeom>
+          <a:solidFill>
+            <a:schemeClr val="tx1"/>
+          </a:solidFill>
+        </p:spPr>
+        <p:style>
+          <a:lnRef idx="2">
+            <a:schemeClr val="accent1">
+              <a:shade val="50000"/>
+            </a:schemeClr>
+          </a:lnRef>
+          <a:fillRef idx="1">
+            <a:schemeClr val="accent1"/>
+          </a:fillRef>
+          <a:effectRef idx="0">
+            <a:schemeClr val="accent1"/>
+          </a:effectRef>
+          <a:fontRef idx="minor">
+            <a:schemeClr val="lt1"/>
+          </a:fontRef>
+        </p:style>
+        <p:txBody>
+          <a:bodyPr rtlCol="0" anchor="ctr"/>
+          <a:lstStyle/>
+          <a:p>
+            <a:pPr algn="ctr"/>
+            <a:endParaRPr lang="ko-KR" altLang="en-US"/>
+          </a:p>
+        </p:txBody>
+      </p:sp>
+      <p:sp>
+        <p:nvSpPr>
+          <p:cNvPr id="7" name="Rectangle 184"/>
+          <p:cNvSpPr>
+            <a:spLocks noChangeArrowheads="1"/>
+          </p:cNvSpPr>
+          <p:nvPr/>
+        </p:nvSpPr>
+        <p:spPr bwMode="auto">
+          <a:xfrm>
+            <a:off x="4955439" y="4262911"/>
+            <a:ext cx="3080978" cy="502280"/>
+          </a:xfrm>
+          <a:prstGeom prst="rect">
+            <a:avLst/>
+          </a:prstGeom>
+          <a:solidFill>
+            <a:srgbClr val="EAEAEA"/>
+          </a:solidFill>
+          <a:ln w="9525">
+            <a:solidFill>
+              <a:schemeClr val="tx1"/>
+            </a:solidFill>
+            <a:miter lim="800000"/>
+            <a:headEnd/>
+            <a:tailEnd/>
+          </a:ln>
+          <a:effectLst/>
+          <a:extLst>
+            <a:ext uri="{AF507438-7753-43E0-B8FC-AC1667EBCBE1}">
+              <a14:hiddenEffects xmlns:a14="http://schemas.microsoft.com/office/drawing/2010/main">
+                <a:effectLst>
+                  <a:outerShdw dist="35921" dir="2700000" algn="ctr" rotWithShape="0">
+                    <a:schemeClr val="bg2"/>
+                  </a:outerShdw>
+                </a:effectLst>
+              </a14:hiddenEffects>
+            </a:ext>
+          </a:extLst>
+        </p:spPr>
+        <p:txBody>
+          <a:bodyPr wrap="none" anchor="ctr"/>
+          <a:lstStyle/>
+          <a:p>
+            <a:pPr algn="ctr"/>
+            <a:endParaRPr lang="ko-KR" altLang="ko-KR" sz="1800"/>
+          </a:p>
+        </p:txBody>
+      </p:sp>
+      <p:sp>
+        <p:nvSpPr>
+          <p:cNvPr id="8" name="모서리가 둥근 직사각형 7"/>
+          <p:cNvSpPr/>
+          <p:nvPr/>
+        </p:nvSpPr>
+        <p:spPr>
+          <a:xfrm>
+            <a:off x="5574846" y="1715182"/>
+            <a:ext cx="2624856" cy="1273336"/>
+          </a:xfrm>
+          <a:prstGeom prst="roundRect">
+            <a:avLst/>
+          </a:prstGeom>
+          <a:ln>
+            <a:solidFill>
+              <a:schemeClr val="tx1"/>
+            </a:solidFill>
+          </a:ln>
+        </p:spPr>
+        <p:style>
+          <a:lnRef idx="2">
+            <a:schemeClr val="accent6"/>
+          </a:lnRef>
+          <a:fillRef idx="1">
+            <a:schemeClr val="lt1"/>
+          </a:fillRef>
+          <a:effectRef idx="0">
+            <a:schemeClr val="accent6"/>
+          </a:effectRef>
+          <a:fontRef idx="minor">
+            <a:schemeClr val="dk1"/>
+          </a:fontRef>
+        </p:style>
+        <p:txBody>
+          <a:bodyPr rtlCol="0" anchor="ctr"/>
+          <a:lstStyle/>
+          <a:p>
+            <a:pPr algn="ctr"/>
+            <a:endParaRPr lang="ko-KR" altLang="en-US" b="1" dirty="0">
+              <a:ln w="0"/>
+              <a:solidFill>
+                <a:schemeClr val="tx1"/>
+              </a:solidFill>
+              <a:effectLst>
+                <a:outerShdw blurRad="38100" dist="19050" dir="2700000" algn="tl" rotWithShape="0">
+                  <a:schemeClr val="dk1">
+                    <a:alpha val="40000"/>
+                  </a:schemeClr>
+                </a:outerShdw>
+              </a:effectLst>
+            </a:endParaRPr>
+          </a:p>
+        </p:txBody>
+      </p:sp>
+      <p:sp>
+        <p:nvSpPr>
+          <p:cNvPr id="9" name="모서리가 둥근 직사각형 8"/>
+          <p:cNvSpPr/>
+          <p:nvPr/>
+        </p:nvSpPr>
+        <p:spPr>
+          <a:xfrm>
+            <a:off x="5574846" y="1715182"/>
+            <a:ext cx="2624856" cy="305859"/>
+          </a:xfrm>
+          <a:prstGeom prst="roundRect">
+            <a:avLst/>
+          </a:prstGeom>
+          <a:ln>
+            <a:solidFill>
+              <a:schemeClr val="tx1"/>
+            </a:solidFill>
+          </a:ln>
+        </p:spPr>
+        <p:style>
+          <a:lnRef idx="2">
+            <a:schemeClr val="accent6"/>
+          </a:lnRef>
+          <a:fillRef idx="1">
+            <a:schemeClr val="lt1"/>
+          </a:fillRef>
+          <a:effectRef idx="0">
+            <a:schemeClr val="accent6"/>
+          </a:effectRef>
+          <a:fontRef idx="minor">
+            <a:schemeClr val="dk1"/>
+          </a:fontRef>
+        </p:style>
+        <p:txBody>
+          <a:bodyPr rtlCol="0" anchor="ctr"/>
+          <a:lstStyle/>
+          <a:p>
+            <a:pPr algn="ctr"/>
+            <a:r>
+              <a:rPr lang="ko-KR" altLang="en-US" smtClean="0">
+                <a:ln w="0"/>
+                <a:solidFill>
+                  <a:schemeClr val="tx1"/>
+                </a:solidFill>
+                <a:effectLst>
+                  <a:outerShdw blurRad="38100" dist="19050" dir="2700000" algn="tl" rotWithShape="0">
+                    <a:schemeClr val="dk1">
+                      <a:alpha val="40000"/>
+                    </a:schemeClr>
+                  </a:outerShdw>
+                </a:effectLst>
+              </a:rPr>
+              <a:t>카드 선택</a:t>
+            </a:r>
+            <a:endParaRPr lang="ko-KR" altLang="en-US" dirty="0">
+              <a:ln w="0"/>
+              <a:solidFill>
+                <a:schemeClr val="tx1"/>
+              </a:solidFill>
+              <a:effectLst>
+                <a:outerShdw blurRad="38100" dist="19050" dir="2700000" algn="tl" rotWithShape="0">
+                  <a:schemeClr val="dk1">
+                    <a:alpha val="40000"/>
+                  </a:schemeClr>
+                </a:outerShdw>
+              </a:effectLst>
+            </a:endParaRPr>
+          </a:p>
+        </p:txBody>
+      </p:sp>
+      <p:sp>
+        <p:nvSpPr>
+          <p:cNvPr id="15" name="Rectangle 184"/>
+          <p:cNvSpPr>
+            <a:spLocks noChangeArrowheads="1"/>
+          </p:cNvSpPr>
+          <p:nvPr/>
+        </p:nvSpPr>
+        <p:spPr bwMode="auto">
+          <a:xfrm>
+            <a:off x="5845303" y="2164944"/>
+            <a:ext cx="297920" cy="241692"/>
+          </a:xfrm>
+          <a:prstGeom prst="rect">
+            <a:avLst/>
+          </a:prstGeom>
+          <a:solidFill>
+            <a:srgbClr val="EAEAEA"/>
+          </a:solidFill>
+          <a:ln w="9525">
+            <a:solidFill>
+              <a:schemeClr val="tx1"/>
+            </a:solidFill>
+            <a:miter lim="800000"/>
+            <a:headEnd/>
+            <a:tailEnd/>
+          </a:ln>
+          <a:effectLst/>
+          <a:extLst>
+            <a:ext uri="{AF507438-7753-43E0-B8FC-AC1667EBCBE1}">
+              <a14:hiddenEffects xmlns:a14="http://schemas.microsoft.com/office/drawing/2010/main">
+                <a:effectLst>
+                  <a:outerShdw dist="35921" dir="2700000" algn="ctr" rotWithShape="0">
+                    <a:schemeClr val="bg2"/>
+                  </a:outerShdw>
+                </a:effectLst>
+              </a14:hiddenEffects>
+            </a:ext>
+          </a:extLst>
+        </p:spPr>
+        <p:txBody>
+          <a:bodyPr wrap="none" anchor="ctr"/>
+          <a:lstStyle/>
+          <a:p>
+            <a:pPr algn="ctr"/>
+            <a:endParaRPr lang="ko-KR" altLang="ko-KR" sz="1800"/>
+          </a:p>
+        </p:txBody>
+      </p:sp>
+      <p:sp>
+        <p:nvSpPr>
+          <p:cNvPr id="6" name="TextBox 5"/>
+          <p:cNvSpPr txBox="1"/>
+          <p:nvPr/>
+        </p:nvSpPr>
+        <p:spPr>
+          <a:xfrm>
+            <a:off x="6117465" y="2134825"/>
+            <a:ext cx="605308" cy="323165"/>
+          </a:xfrm>
+          <a:prstGeom prst="rect">
+            <a:avLst/>
+          </a:prstGeom>
+          <a:noFill/>
+        </p:spPr>
+        <p:txBody>
+          <a:bodyPr wrap="square" rtlCol="0">
+            <a:spAutoFit/>
+          </a:bodyPr>
+          <a:lstStyle/>
+          <a:p>
+            <a:r>
+              <a:rPr lang="ko-KR" altLang="en-US" sz="1500" dirty="0" smtClean="0"/>
+              <a:t>신한</a:t>
+            </a:r>
+            <a:endParaRPr lang="ko-KR" altLang="en-US" sz="1500" dirty="0"/>
+          </a:p>
+        </p:txBody>
+      </p:sp>
+      <p:sp>
+        <p:nvSpPr>
+          <p:cNvPr id="17" name="Rectangle 184"/>
+          <p:cNvSpPr>
+            <a:spLocks noChangeArrowheads="1"/>
+          </p:cNvSpPr>
+          <p:nvPr/>
+        </p:nvSpPr>
+        <p:spPr bwMode="auto">
+          <a:xfrm>
+            <a:off x="5843155" y="2510529"/>
+            <a:ext cx="297920" cy="241692"/>
+          </a:xfrm>
+          <a:prstGeom prst="rect">
+            <a:avLst/>
+          </a:prstGeom>
+          <a:solidFill>
+            <a:srgbClr val="EAEAEA"/>
+          </a:solidFill>
+          <a:ln w="9525">
+            <a:solidFill>
+              <a:schemeClr val="tx1"/>
+            </a:solidFill>
+            <a:miter lim="800000"/>
+            <a:headEnd/>
+            <a:tailEnd/>
+          </a:ln>
+          <a:effectLst/>
+          <a:extLst>
+            <a:ext uri="{AF507438-7753-43E0-B8FC-AC1667EBCBE1}">
+              <a14:hiddenEffects xmlns:a14="http://schemas.microsoft.com/office/drawing/2010/main">
+                <a:effectLst>
+                  <a:outerShdw dist="35921" dir="2700000" algn="ctr" rotWithShape="0">
+                    <a:schemeClr val="bg2"/>
+                  </a:outerShdw>
+                </a:effectLst>
+              </a14:hiddenEffects>
+            </a:ext>
+          </a:extLst>
+        </p:spPr>
+        <p:txBody>
+          <a:bodyPr wrap="none" anchor="ctr"/>
+          <a:lstStyle/>
+          <a:p>
+            <a:pPr algn="ctr"/>
+            <a:endParaRPr lang="ko-KR" altLang="ko-KR" sz="1800"/>
+          </a:p>
+        </p:txBody>
+      </p:sp>
+      <p:sp>
+        <p:nvSpPr>
+          <p:cNvPr id="18" name="TextBox 17"/>
+          <p:cNvSpPr txBox="1"/>
+          <p:nvPr/>
+        </p:nvSpPr>
+        <p:spPr>
+          <a:xfrm>
+            <a:off x="6115317" y="2480410"/>
+            <a:ext cx="605308" cy="323165"/>
+          </a:xfrm>
+          <a:prstGeom prst="rect">
+            <a:avLst/>
+          </a:prstGeom>
+          <a:noFill/>
+        </p:spPr>
+        <p:txBody>
+          <a:bodyPr wrap="square" rtlCol="0">
+            <a:spAutoFit/>
+          </a:bodyPr>
+          <a:lstStyle/>
+          <a:p>
+            <a:r>
+              <a:rPr lang="ko-KR" altLang="en-US" sz="1500" dirty="0" smtClean="0"/>
+              <a:t>우리</a:t>
+            </a:r>
+            <a:endParaRPr lang="ko-KR" altLang="en-US" sz="1500" dirty="0"/>
+          </a:p>
+        </p:txBody>
+      </p:sp>
+      <p:sp>
+        <p:nvSpPr>
+          <p:cNvPr id="19" name="Rectangle 184"/>
+          <p:cNvSpPr>
+            <a:spLocks noChangeArrowheads="1"/>
+          </p:cNvSpPr>
+          <p:nvPr/>
+        </p:nvSpPr>
+        <p:spPr bwMode="auto">
+          <a:xfrm>
+            <a:off x="7000106" y="2186407"/>
+            <a:ext cx="297920" cy="241692"/>
+          </a:xfrm>
+          <a:prstGeom prst="rect">
+            <a:avLst/>
+          </a:prstGeom>
+          <a:solidFill>
+            <a:srgbClr val="EAEAEA"/>
+          </a:solidFill>
+          <a:ln w="9525">
+            <a:solidFill>
+              <a:schemeClr val="tx1"/>
+            </a:solidFill>
+            <a:miter lim="800000"/>
+            <a:headEnd/>
+            <a:tailEnd/>
+          </a:ln>
+          <a:effectLst/>
+          <a:extLst>
+            <a:ext uri="{AF507438-7753-43E0-B8FC-AC1667EBCBE1}">
+              <a14:hiddenEffects xmlns:a14="http://schemas.microsoft.com/office/drawing/2010/main">
+                <a:effectLst>
+                  <a:outerShdw dist="35921" dir="2700000" algn="ctr" rotWithShape="0">
+                    <a:schemeClr val="bg2"/>
+                  </a:outerShdw>
+                </a:effectLst>
+              </a14:hiddenEffects>
+            </a:ext>
+          </a:extLst>
+        </p:spPr>
+        <p:txBody>
+          <a:bodyPr wrap="none" anchor="ctr"/>
+          <a:lstStyle/>
+          <a:p>
+            <a:pPr algn="ctr"/>
+            <a:endParaRPr lang="ko-KR" altLang="ko-KR" sz="1800"/>
+          </a:p>
+        </p:txBody>
+      </p:sp>
+      <p:sp>
+        <p:nvSpPr>
+          <p:cNvPr id="20" name="TextBox 19"/>
+          <p:cNvSpPr txBox="1"/>
+          <p:nvPr/>
+        </p:nvSpPr>
+        <p:spPr>
+          <a:xfrm>
+            <a:off x="7272268" y="2156288"/>
+            <a:ext cx="927434" cy="323165"/>
+          </a:xfrm>
+          <a:prstGeom prst="rect">
+            <a:avLst/>
+          </a:prstGeom>
+          <a:noFill/>
+        </p:spPr>
+        <p:txBody>
+          <a:bodyPr wrap="square" rtlCol="0">
+            <a:spAutoFit/>
+          </a:bodyPr>
+          <a:lstStyle/>
+          <a:p>
+            <a:r>
+              <a:rPr lang="ko-KR" altLang="en-US" sz="1500" dirty="0" smtClean="0"/>
+              <a:t>하나</a:t>
+            </a:r>
+            <a:endParaRPr lang="ko-KR" altLang="en-US" sz="1500" dirty="0"/>
+          </a:p>
+        </p:txBody>
+      </p:sp>
+      <p:sp>
+        <p:nvSpPr>
+          <p:cNvPr id="21" name="Rectangle 184"/>
+          <p:cNvSpPr>
+            <a:spLocks noChangeArrowheads="1"/>
+          </p:cNvSpPr>
+          <p:nvPr/>
+        </p:nvSpPr>
+        <p:spPr bwMode="auto">
+          <a:xfrm>
+            <a:off x="7010837" y="2506234"/>
+            <a:ext cx="297920" cy="241692"/>
+          </a:xfrm>
+          <a:prstGeom prst="rect">
+            <a:avLst/>
+          </a:prstGeom>
+          <a:solidFill>
+            <a:srgbClr val="EAEAEA"/>
+          </a:solidFill>
+          <a:ln w="9525">
+            <a:solidFill>
+              <a:schemeClr val="tx1"/>
+            </a:solidFill>
+            <a:miter lim="800000"/>
+            <a:headEnd/>
+            <a:tailEnd/>
+          </a:ln>
+          <a:effectLst/>
+          <a:extLst>
+            <a:ext uri="{AF507438-7753-43E0-B8FC-AC1667EBCBE1}">
+              <a14:hiddenEffects xmlns:a14="http://schemas.microsoft.com/office/drawing/2010/main">
+                <a:effectLst>
+                  <a:outerShdw dist="35921" dir="2700000" algn="ctr" rotWithShape="0">
+                    <a:schemeClr val="bg2"/>
+                  </a:outerShdw>
+                </a:effectLst>
+              </a14:hiddenEffects>
+            </a:ext>
+          </a:extLst>
+        </p:spPr>
+        <p:txBody>
+          <a:bodyPr wrap="none" anchor="ctr"/>
+          <a:lstStyle/>
+          <a:p>
+            <a:pPr algn="ctr"/>
+            <a:endParaRPr lang="ko-KR" altLang="ko-KR" sz="1800"/>
+          </a:p>
+        </p:txBody>
+      </p:sp>
+      <p:sp>
+        <p:nvSpPr>
+          <p:cNvPr id="22" name="TextBox 21"/>
+          <p:cNvSpPr txBox="1"/>
+          <p:nvPr/>
+        </p:nvSpPr>
+        <p:spPr>
+          <a:xfrm>
+            <a:off x="7282999" y="2476115"/>
+            <a:ext cx="817812" cy="323165"/>
+          </a:xfrm>
+          <a:prstGeom prst="rect">
+            <a:avLst/>
+          </a:prstGeom>
+          <a:noFill/>
+        </p:spPr>
+        <p:txBody>
+          <a:bodyPr wrap="square" rtlCol="0">
+            <a:spAutoFit/>
+          </a:bodyPr>
+          <a:lstStyle/>
+          <a:p>
+            <a:r>
+              <a:rPr lang="ko-KR" altLang="en-US" sz="1500" dirty="0" smtClean="0"/>
+              <a:t>국민</a:t>
+            </a:r>
+            <a:endParaRPr lang="ko-KR" altLang="en-US" sz="1500" dirty="0"/>
+          </a:p>
+        </p:txBody>
+      </p:sp>
+      <p:sp>
+        <p:nvSpPr>
+          <p:cNvPr id="25" name="AutoShape 147"/>
+          <p:cNvSpPr>
+            <a:spLocks noChangeArrowheads="1"/>
+          </p:cNvSpPr>
+          <p:nvPr/>
+        </p:nvSpPr>
+        <p:spPr bwMode="auto">
+          <a:xfrm>
+            <a:off x="8300586" y="4284918"/>
+            <a:ext cx="894930" cy="428757"/>
+          </a:xfrm>
+          <a:prstGeom prst="roundRect">
+            <a:avLst>
+              <a:gd name="adj" fmla="val 16667"/>
+            </a:avLst>
+          </a:prstGeom>
+          <a:solidFill>
+            <a:schemeClr val="bg1"/>
+          </a:solidFill>
+          <a:ln w="9525">
+            <a:solidFill>
+              <a:schemeClr val="tx1"/>
+            </a:solidFill>
+            <a:round/>
+            <a:headEnd/>
+            <a:tailEnd/>
+          </a:ln>
+        </p:spPr>
+        <p:txBody>
+          <a:bodyPr wrap="none" anchor="ctr"/>
+          <a:lstStyle>
+            <a:lvl1pPr>
+              <a:defRPr kumimoji="1" sz="2400">
+                <a:solidFill>
+                  <a:schemeClr val="tx1"/>
+                </a:solidFill>
+                <a:latin typeface="굴림" pitchFamily="50" charset="-127"/>
+                <a:ea typeface="굴림" pitchFamily="50" charset="-127"/>
+              </a:defRPr>
+            </a:lvl1pPr>
+            <a:lvl2pPr marL="742950" indent="-285750">
+              <a:defRPr kumimoji="1" sz="2400">
+                <a:solidFill>
+                  <a:schemeClr val="tx1"/>
+                </a:solidFill>
+                <a:latin typeface="굴림" pitchFamily="50" charset="-127"/>
+                <a:ea typeface="굴림" pitchFamily="50" charset="-127"/>
+              </a:defRPr>
+            </a:lvl2pPr>
+            <a:lvl3pPr marL="1143000" indent="-228600">
+              <a:defRPr kumimoji="1" sz="2400">
+                <a:solidFill>
+                  <a:schemeClr val="tx1"/>
+                </a:solidFill>
+                <a:latin typeface="굴림" pitchFamily="50" charset="-127"/>
+                <a:ea typeface="굴림" pitchFamily="50" charset="-127"/>
+              </a:defRPr>
+            </a:lvl3pPr>
+            <a:lvl4pPr marL="1600200" indent="-228600">
+              <a:defRPr kumimoji="1" sz="2400">
+                <a:solidFill>
+                  <a:schemeClr val="tx1"/>
+                </a:solidFill>
+                <a:latin typeface="굴림" pitchFamily="50" charset="-127"/>
+                <a:ea typeface="굴림" pitchFamily="50" charset="-127"/>
+              </a:defRPr>
+            </a:lvl4pPr>
+            <a:lvl5pPr marL="2057400" indent="-228600">
+              <a:defRPr kumimoji="1" sz="2400">
+                <a:solidFill>
+                  <a:schemeClr val="tx1"/>
+                </a:solidFill>
+                <a:latin typeface="굴림" pitchFamily="50" charset="-127"/>
+                <a:ea typeface="굴림" pitchFamily="50" charset="-127"/>
+              </a:defRPr>
+            </a:lvl5pPr>
+            <a:lvl6pPr marL="2514600" indent="-228600" fontAlgn="base">
+              <a:spcBef>
+                <a:spcPct val="0"/>
+              </a:spcBef>
+              <a:spcAft>
+                <a:spcPct val="0"/>
+              </a:spcAft>
+              <a:defRPr kumimoji="1" sz="2400">
+                <a:solidFill>
+                  <a:schemeClr val="tx1"/>
+                </a:solidFill>
+                <a:latin typeface="굴림" pitchFamily="50" charset="-127"/>
+                <a:ea typeface="굴림" pitchFamily="50" charset="-127"/>
+              </a:defRPr>
+            </a:lvl6pPr>
+            <a:lvl7pPr marL="2971800" indent="-228600" fontAlgn="base">
+              <a:spcBef>
+                <a:spcPct val="0"/>
+              </a:spcBef>
+              <a:spcAft>
+                <a:spcPct val="0"/>
+              </a:spcAft>
+              <a:defRPr kumimoji="1" sz="2400">
+                <a:solidFill>
+                  <a:schemeClr val="tx1"/>
+                </a:solidFill>
+                <a:latin typeface="굴림" pitchFamily="50" charset="-127"/>
+                <a:ea typeface="굴림" pitchFamily="50" charset="-127"/>
+              </a:defRPr>
+            </a:lvl7pPr>
+            <a:lvl8pPr marL="3429000" indent="-228600" fontAlgn="base">
+              <a:spcBef>
+                <a:spcPct val="0"/>
+              </a:spcBef>
+              <a:spcAft>
+                <a:spcPct val="0"/>
+              </a:spcAft>
+              <a:defRPr kumimoji="1" sz="2400">
+                <a:solidFill>
+                  <a:schemeClr val="tx1"/>
+                </a:solidFill>
+                <a:latin typeface="굴림" pitchFamily="50" charset="-127"/>
+                <a:ea typeface="굴림" pitchFamily="50" charset="-127"/>
+              </a:defRPr>
+            </a:lvl8pPr>
+            <a:lvl9pPr marL="3886200" indent="-228600" fontAlgn="base">
+              <a:spcBef>
+                <a:spcPct val="0"/>
+              </a:spcBef>
+              <a:spcAft>
+                <a:spcPct val="0"/>
+              </a:spcAft>
+              <a:defRPr kumimoji="1" sz="2400">
+                <a:solidFill>
+                  <a:schemeClr val="tx1"/>
+                </a:solidFill>
+                <a:latin typeface="굴림" pitchFamily="50" charset="-127"/>
+                <a:ea typeface="굴림" pitchFamily="50" charset="-127"/>
+              </a:defRPr>
+            </a:lvl9pPr>
+          </a:lstStyle>
+          <a:p>
+            <a:pPr algn="ctr"/>
+            <a:r>
+              <a:rPr lang="ko-KR" altLang="en-US" sz="1600" dirty="0" smtClean="0">
+                <a:latin typeface="맑은 고딕" panose="020B0503020000020004" pitchFamily="50" charset="-127"/>
+                <a:ea typeface="맑은 고딕" panose="020B0503020000020004" pitchFamily="50" charset="-127"/>
+              </a:rPr>
+              <a:t>검색</a:t>
+            </a:r>
+            <a:endParaRPr lang="ko-KR" altLang="en-US" sz="1600" dirty="0">
+              <a:latin typeface="맑은 고딕" panose="020B0503020000020004" pitchFamily="50" charset="-127"/>
+              <a:ea typeface="맑은 고딕" panose="020B0503020000020004" pitchFamily="50" charset="-127"/>
+            </a:endParaRPr>
+          </a:p>
+        </p:txBody>
+      </p:sp>
+      <p:sp>
+        <p:nvSpPr>
+          <p:cNvPr id="26" name="TextBox 25"/>
+          <p:cNvSpPr txBox="1"/>
+          <p:nvPr/>
+        </p:nvSpPr>
+        <p:spPr>
+          <a:xfrm>
+            <a:off x="1694644" y="5923386"/>
+            <a:ext cx="10112345" cy="830997"/>
+          </a:xfrm>
+          <a:prstGeom prst="rect">
+            <a:avLst/>
+          </a:prstGeom>
+          <a:noFill/>
+        </p:spPr>
+        <p:txBody>
+          <a:bodyPr wrap="square" rtlCol="0">
+            <a:spAutoFit/>
+          </a:bodyPr>
+          <a:lstStyle/>
+          <a:p>
+            <a:r>
+              <a:rPr lang="ko-KR" altLang="en-US" sz="1600" dirty="0" smtClean="0"/>
+              <a:t>우선</a:t>
+            </a:r>
+            <a:r>
+              <a:rPr lang="en-US" altLang="ko-KR" sz="1600" dirty="0" smtClean="0"/>
+              <a:t>, User</a:t>
+            </a:r>
+            <a:r>
+              <a:rPr lang="ko-KR" altLang="en-US" sz="1600" dirty="0" smtClean="0"/>
+              <a:t>가 소유하고 있는 카드를 체크박스 형태로 입력 받고 검색하고자 하는 항목</a:t>
+            </a:r>
+            <a:r>
+              <a:rPr lang="en-US" altLang="ko-KR" sz="1600" dirty="0" smtClean="0"/>
+              <a:t>(</a:t>
+            </a:r>
+            <a:r>
+              <a:rPr lang="ko-KR" altLang="en-US" sz="1600" dirty="0" smtClean="0"/>
+              <a:t>물건</a:t>
+            </a:r>
+            <a:r>
+              <a:rPr lang="en-US" altLang="ko-KR" sz="1600" dirty="0" smtClean="0"/>
+              <a:t>)</a:t>
+            </a:r>
+            <a:r>
+              <a:rPr lang="ko-KR" altLang="en-US" sz="1600" dirty="0" smtClean="0"/>
+              <a:t>을 입력한 뒤</a:t>
+            </a:r>
+            <a:r>
+              <a:rPr lang="en-US" altLang="ko-KR" sz="1600" dirty="0" smtClean="0"/>
+              <a:t>, </a:t>
+            </a:r>
+            <a:r>
+              <a:rPr lang="ko-KR" altLang="en-US" sz="1600" dirty="0" smtClean="0"/>
+              <a:t>검색 버튼을 누르는 페이지이다</a:t>
+            </a:r>
+            <a:r>
+              <a:rPr lang="en-US" altLang="ko-KR" sz="1600" dirty="0" smtClean="0"/>
+              <a:t>. </a:t>
+            </a:r>
+            <a:r>
+              <a:rPr lang="ko-KR" altLang="en-US" sz="1600" dirty="0" smtClean="0"/>
+              <a:t>카드는 </a:t>
+            </a:r>
+            <a:r>
+              <a:rPr lang="en-US" altLang="ko-KR" sz="1600" dirty="0" smtClean="0"/>
+              <a:t>1</a:t>
+            </a:r>
+            <a:r>
+              <a:rPr lang="ko-KR" altLang="en-US" sz="1600" dirty="0" smtClean="0"/>
+              <a:t>개 이상으로 받을 수 있으며</a:t>
+            </a:r>
+            <a:r>
+              <a:rPr lang="en-US" altLang="ko-KR" sz="1600" dirty="0" smtClean="0"/>
+              <a:t>, </a:t>
+            </a:r>
+            <a:r>
+              <a:rPr lang="ko-KR" altLang="en-US" sz="1600" dirty="0" smtClean="0"/>
+              <a:t>복수로 카드를 </a:t>
+            </a:r>
+            <a:r>
+              <a:rPr lang="ko-KR" altLang="en-US" sz="1600" dirty="0" err="1" smtClean="0"/>
+              <a:t>입력받았을</a:t>
+            </a:r>
+            <a:r>
+              <a:rPr lang="ko-KR" altLang="en-US" sz="1600" dirty="0" smtClean="0"/>
+              <a:t> 때 선택한 카드들의 항목별 할인된 가격을 다음 페이지에서 보여줄 수 있다</a:t>
+            </a:r>
+            <a:r>
+              <a:rPr lang="en-US" altLang="ko-KR" sz="1600" dirty="0" smtClean="0"/>
+              <a:t>.</a:t>
+            </a:r>
+            <a:endParaRPr lang="ko-KR" altLang="en-US" sz="1600" dirty="0"/>
+          </a:p>
+        </p:txBody>
+      </p:sp>
+    </p:spTree>
+    <p:extLst>
+      <p:ext uri="{BB962C8B-B14F-4D97-AF65-F5344CB8AC3E}">
+        <p14:creationId xmlns:p14="http://schemas.microsoft.com/office/powerpoint/2010/main" val="3948779389"/>
+      </p:ext>
+    </p:extLst>
+  </p:cSld>
+  <p:clrMapOvr>
+    <a:masterClrMapping/>
+  </p:clrMapOvr>
+  <p:timing>
+    <p:tnLst>
+      <p:par>
+        <p:cTn id="1" dur="indefinite" restart="never" nodeType="tmRoot"/>
+      </p:par>
+    </p:tnLst>
+  </p:timing>
 </p:sld>
 </file>
 

--- a/documents/스토리보드_5조_종합.pptx
+++ b/documents/스토리보드_5조_종합.pptx
@@ -13,11 +13,13 @@
     <p:sldId id="260" r:id="rId7"/>
     <p:sldId id="261" r:id="rId8"/>
     <p:sldId id="262" r:id="rId9"/>
-    <p:sldId id="268" r:id="rId10"/>
-    <p:sldId id="269" r:id="rId11"/>
-    <p:sldId id="263" r:id="rId12"/>
-    <p:sldId id="264" r:id="rId13"/>
-    <p:sldId id="265" r:id="rId14"/>
+    <p:sldId id="270" r:id="rId10"/>
+    <p:sldId id="271" r:id="rId11"/>
+    <p:sldId id="268" r:id="rId12"/>
+    <p:sldId id="269" r:id="rId13"/>
+    <p:sldId id="263" r:id="rId14"/>
+    <p:sldId id="264" r:id="rId15"/>
+    <p:sldId id="265" r:id="rId16"/>
   </p:sldIdLst>
   <p:sldSz cx="12192000" cy="6858000"/>
   <p:notesSz cx="6858000" cy="9144000"/>
@@ -269,7 +271,7 @@
           <a:p>
             <a:fld id="{1F914C9E-AB57-4DDF-8833-A346BD557146}" type="datetimeFigureOut">
               <a:rPr lang="ko-KR" altLang="en-US" smtClean="0"/>
-              <a:t>2020-03-18</a:t>
+              <a:t>2020-03-19</a:t>
             </a:fld>
             <a:endParaRPr lang="ko-KR" altLang="en-US"/>
           </a:p>
@@ -479,7 +481,7 @@
           <a:p>
             <a:fld id="{1F914C9E-AB57-4DDF-8833-A346BD557146}" type="datetimeFigureOut">
               <a:rPr lang="ko-KR" altLang="en-US" smtClean="0"/>
-              <a:t>2020-03-18</a:t>
+              <a:t>2020-03-19</a:t>
             </a:fld>
             <a:endParaRPr lang="ko-KR" altLang="en-US"/>
           </a:p>
@@ -689,7 +691,7 @@
           <a:p>
             <a:fld id="{1F914C9E-AB57-4DDF-8833-A346BD557146}" type="datetimeFigureOut">
               <a:rPr lang="ko-KR" altLang="en-US" smtClean="0"/>
-              <a:t>2020-03-18</a:t>
+              <a:t>2020-03-19</a:t>
             </a:fld>
             <a:endParaRPr lang="ko-KR" altLang="en-US"/>
           </a:p>
@@ -899,7 +901,7 @@
           <a:p>
             <a:fld id="{1F914C9E-AB57-4DDF-8833-A346BD557146}" type="datetimeFigureOut">
               <a:rPr lang="ko-KR" altLang="en-US" smtClean="0"/>
-              <a:t>2020-03-18</a:t>
+              <a:t>2020-03-19</a:t>
             </a:fld>
             <a:endParaRPr lang="ko-KR" altLang="en-US"/>
           </a:p>
@@ -1175,7 +1177,7 @@
           <a:p>
             <a:fld id="{1F914C9E-AB57-4DDF-8833-A346BD557146}" type="datetimeFigureOut">
               <a:rPr lang="ko-KR" altLang="en-US" smtClean="0"/>
-              <a:t>2020-03-18</a:t>
+              <a:t>2020-03-19</a:t>
             </a:fld>
             <a:endParaRPr lang="ko-KR" altLang="en-US"/>
           </a:p>
@@ -1445,7 +1447,7 @@
           <a:p>
             <a:fld id="{1F914C9E-AB57-4DDF-8833-A346BD557146}" type="datetimeFigureOut">
               <a:rPr lang="ko-KR" altLang="en-US" smtClean="0"/>
-              <a:t>2020-03-18</a:t>
+              <a:t>2020-03-19</a:t>
             </a:fld>
             <a:endParaRPr lang="ko-KR" altLang="en-US"/>
           </a:p>
@@ -1851,7 +1853,7 @@
           <a:p>
             <a:fld id="{1F914C9E-AB57-4DDF-8833-A346BD557146}" type="datetimeFigureOut">
               <a:rPr lang="ko-KR" altLang="en-US" smtClean="0"/>
-              <a:t>2020-03-18</a:t>
+              <a:t>2020-03-19</a:t>
             </a:fld>
             <a:endParaRPr lang="ko-KR" altLang="en-US"/>
           </a:p>
@@ -2001,7 +2003,7 @@
           <a:p>
             <a:fld id="{1F914C9E-AB57-4DDF-8833-A346BD557146}" type="datetimeFigureOut">
               <a:rPr lang="ko-KR" altLang="en-US" smtClean="0"/>
-              <a:t>2020-03-18</a:t>
+              <a:t>2020-03-19</a:t>
             </a:fld>
             <a:endParaRPr lang="ko-KR" altLang="en-US"/>
           </a:p>
@@ -2120,7 +2122,7 @@
           <a:p>
             <a:fld id="{1F914C9E-AB57-4DDF-8833-A346BD557146}" type="datetimeFigureOut">
               <a:rPr lang="ko-KR" altLang="en-US" smtClean="0"/>
-              <a:t>2020-03-18</a:t>
+              <a:t>2020-03-19</a:t>
             </a:fld>
             <a:endParaRPr lang="ko-KR" altLang="en-US"/>
           </a:p>
@@ -2430,7 +2432,7 @@
           <a:p>
             <a:fld id="{1F914C9E-AB57-4DDF-8833-A346BD557146}" type="datetimeFigureOut">
               <a:rPr lang="ko-KR" altLang="en-US" smtClean="0"/>
-              <a:t>2020-03-18</a:t>
+              <a:t>2020-03-19</a:t>
             </a:fld>
             <a:endParaRPr lang="ko-KR" altLang="en-US"/>
           </a:p>
@@ -2716,7 +2718,7 @@
           <a:p>
             <a:fld id="{1F914C9E-AB57-4DDF-8833-A346BD557146}" type="datetimeFigureOut">
               <a:rPr lang="ko-KR" altLang="en-US" smtClean="0"/>
-              <a:t>2020-03-18</a:t>
+              <a:t>2020-03-19</a:t>
             </a:fld>
             <a:endParaRPr lang="ko-KR" altLang="en-US"/>
           </a:p>
@@ -8679,6 +8681,1300 @@
 </file>
 
 <file path=ppt/slides/slide10.xml><?xml version="1.0" encoding="utf-8"?>
+<p:sld xmlns:a="http://schemas.openxmlformats.org/drawingml/2006/main" xmlns:r="http://schemas.openxmlformats.org/officeDocument/2006/relationships" xmlns:p="http://schemas.openxmlformats.org/presentationml/2006/main">
+  <p:cSld>
+    <p:spTree>
+      <p:nvGrpSpPr>
+        <p:cNvPr id="1" name=""/>
+        <p:cNvGrpSpPr/>
+        <p:nvPr/>
+      </p:nvGrpSpPr>
+      <p:grpSpPr>
+        <a:xfrm>
+          <a:off x="0" y="0"/>
+          <a:ext cx="0" cy="0"/>
+          <a:chOff x="0" y="0"/>
+          <a:chExt cx="0" cy="0"/>
+        </a:xfrm>
+      </p:grpSpPr>
+      <p:sp>
+        <p:nvSpPr>
+          <p:cNvPr id="2" name="TextBox 1"/>
+          <p:cNvSpPr txBox="1"/>
+          <p:nvPr/>
+        </p:nvSpPr>
+        <p:spPr>
+          <a:xfrm>
+            <a:off x="1792355" y="1014608"/>
+            <a:ext cx="1963999" cy="369332"/>
+          </a:xfrm>
+          <a:prstGeom prst="rect">
+            <a:avLst/>
+          </a:prstGeom>
+          <a:noFill/>
+        </p:spPr>
+        <p:txBody>
+          <a:bodyPr wrap="none" rtlCol="0">
+            <a:spAutoFit/>
+          </a:bodyPr>
+          <a:lstStyle/>
+          <a:p>
+            <a:r>
+              <a:rPr lang="ko-KR" altLang="en-US" dirty="0" smtClean="0"/>
+              <a:t>사고 통계 데이터</a:t>
+            </a:r>
+            <a:endParaRPr lang="ko-KR" altLang="en-US" dirty="0"/>
+          </a:p>
+        </p:txBody>
+      </p:sp>
+      <p:sp>
+        <p:nvSpPr>
+          <p:cNvPr id="26" name="TextBox 25"/>
+          <p:cNvSpPr txBox="1"/>
+          <p:nvPr/>
+        </p:nvSpPr>
+        <p:spPr>
+          <a:xfrm>
+            <a:off x="1694644" y="5923386"/>
+            <a:ext cx="10112345" cy="584775"/>
+          </a:xfrm>
+          <a:prstGeom prst="rect">
+            <a:avLst/>
+          </a:prstGeom>
+          <a:noFill/>
+        </p:spPr>
+        <p:txBody>
+          <a:bodyPr wrap="square" rtlCol="0">
+            <a:spAutoFit/>
+          </a:bodyPr>
+          <a:lstStyle/>
+          <a:p>
+            <a:r>
+              <a:rPr lang="ko-KR" altLang="en-US" sz="1600" dirty="0" smtClean="0"/>
+              <a:t>사고 통계 데이터에 대한 차트를 보여주는 페이지이다</a:t>
+            </a:r>
+            <a:r>
+              <a:rPr lang="en-US" altLang="ko-KR" sz="1600" dirty="0" smtClean="0"/>
+              <a:t>. </a:t>
+            </a:r>
+            <a:r>
+              <a:rPr lang="ko-KR" altLang="en-US" sz="1600" dirty="0" smtClean="0"/>
+              <a:t>연간 사고 발생 건수</a:t>
+            </a:r>
+            <a:r>
+              <a:rPr lang="en-US" altLang="ko-KR" sz="1600" dirty="0" smtClean="0"/>
+              <a:t>, </a:t>
+            </a:r>
+            <a:r>
+              <a:rPr lang="ko-KR" altLang="en-US" sz="1600" dirty="0" smtClean="0"/>
+              <a:t>지역별 사고 발생 건수</a:t>
+            </a:r>
+            <a:r>
+              <a:rPr lang="en-US" altLang="ko-KR" sz="1600" dirty="0"/>
+              <a:t> </a:t>
+            </a:r>
+            <a:r>
+              <a:rPr lang="ko-KR" altLang="en-US" sz="1600" dirty="0" smtClean="0"/>
+              <a:t>등의 차트를 구글 </a:t>
+            </a:r>
+            <a:r>
+              <a:rPr lang="en-US" altLang="ko-KR" sz="1600" dirty="0" err="1" smtClean="0"/>
+              <a:t>api</a:t>
+            </a:r>
+            <a:r>
+              <a:rPr lang="ko-KR" altLang="en-US" sz="1600" dirty="0" err="1" smtClean="0"/>
+              <a:t>를</a:t>
+            </a:r>
+            <a:r>
+              <a:rPr lang="ko-KR" altLang="en-US" sz="1600" dirty="0" smtClean="0"/>
+              <a:t> 이용하여 보여준다</a:t>
+            </a:r>
+            <a:r>
+              <a:rPr lang="en-US" altLang="ko-KR" sz="1600" dirty="0" smtClean="0"/>
+              <a:t>.</a:t>
+            </a:r>
+            <a:endParaRPr lang="ko-KR" altLang="en-US" sz="1600" dirty="0"/>
+          </a:p>
+        </p:txBody>
+      </p:sp>
+      <p:sp>
+        <p:nvSpPr>
+          <p:cNvPr id="25" name="왼쪽 화살표 24"/>
+          <p:cNvSpPr/>
+          <p:nvPr/>
+        </p:nvSpPr>
+        <p:spPr>
+          <a:xfrm>
+            <a:off x="1680259" y="2136333"/>
+            <a:ext cx="390420" cy="306180"/>
+          </a:xfrm>
+          <a:prstGeom prst="leftArrow">
+            <a:avLst/>
+          </a:prstGeom>
+          <a:solidFill>
+            <a:srgbClr val="FF0000"/>
+          </a:solidFill>
+          <a:ln>
+            <a:solidFill>
+              <a:srgbClr val="FF0000"/>
+            </a:solidFill>
+          </a:ln>
+        </p:spPr>
+        <p:style>
+          <a:lnRef idx="2">
+            <a:schemeClr val="accent1">
+              <a:shade val="50000"/>
+            </a:schemeClr>
+          </a:lnRef>
+          <a:fillRef idx="1">
+            <a:schemeClr val="accent1"/>
+          </a:fillRef>
+          <a:effectRef idx="0">
+            <a:schemeClr val="accent1"/>
+          </a:effectRef>
+          <a:fontRef idx="minor">
+            <a:schemeClr val="lt1"/>
+          </a:fontRef>
+        </p:style>
+        <p:txBody>
+          <a:bodyPr rtlCol="0" anchor="ctr"/>
+          <a:lstStyle/>
+          <a:p>
+            <a:pPr algn="ctr"/>
+            <a:endParaRPr lang="ko-KR" altLang="en-US"/>
+          </a:p>
+        </p:txBody>
+      </p:sp>
+      <p:pic>
+        <p:nvPicPr>
+          <p:cNvPr id="1026" name="Picture 2" descr="http://taeyo.net/Columns/images/MsChart25.gif"/>
+          <p:cNvPicPr>
+            <a:picLocks noChangeAspect="1" noChangeArrowheads="1"/>
+          </p:cNvPicPr>
+          <p:nvPr/>
+        </p:nvPicPr>
+        <p:blipFill>
+          <a:blip r:embed="rId2">
+            <a:extLst>
+              <a:ext uri="{28A0092B-C50C-407E-A947-70E740481C1C}">
+                <a14:useLocalDpi xmlns:a14="http://schemas.microsoft.com/office/drawing/2010/main" val="0"/>
+              </a:ext>
+            </a:extLst>
+          </a:blip>
+          <a:srcRect/>
+          <a:stretch>
+            <a:fillRect/>
+          </a:stretch>
+        </p:blipFill>
+        <p:spPr bwMode="auto">
+          <a:xfrm>
+            <a:off x="2678773" y="1694197"/>
+            <a:ext cx="1673899" cy="1673900"/>
+          </a:xfrm>
+          <a:prstGeom prst="rect">
+            <a:avLst/>
+          </a:prstGeom>
+          <a:noFill/>
+          <a:extLst>
+            <a:ext uri="{909E8E84-426E-40DD-AFC4-6F175D3DCCD1}">
+              <a14:hiddenFill xmlns:a14="http://schemas.microsoft.com/office/drawing/2010/main">
+                <a:solidFill>
+                  <a:srgbClr val="FFFFFF"/>
+                </a:solidFill>
+              </a14:hiddenFill>
+            </a:ext>
+          </a:extLst>
+        </p:spPr>
+      </p:pic>
+      <p:pic>
+        <p:nvPicPr>
+          <p:cNvPr id="12" name="Picture 2" descr="http://taeyo.net/Columns/images/MsChart25.gif"/>
+          <p:cNvPicPr>
+            <a:picLocks noChangeAspect="1" noChangeArrowheads="1"/>
+          </p:cNvPicPr>
+          <p:nvPr/>
+        </p:nvPicPr>
+        <p:blipFill>
+          <a:blip r:embed="rId2">
+            <a:extLst>
+              <a:ext uri="{28A0092B-C50C-407E-A947-70E740481C1C}">
+                <a14:useLocalDpi xmlns:a14="http://schemas.microsoft.com/office/drawing/2010/main" val="0"/>
+              </a:ext>
+            </a:extLst>
+          </a:blip>
+          <a:srcRect/>
+          <a:stretch>
+            <a:fillRect/>
+          </a:stretch>
+        </p:blipFill>
+        <p:spPr bwMode="auto">
+          <a:xfrm>
+            <a:off x="6504815" y="1694197"/>
+            <a:ext cx="1673899" cy="1673900"/>
+          </a:xfrm>
+          <a:prstGeom prst="rect">
+            <a:avLst/>
+          </a:prstGeom>
+          <a:noFill/>
+          <a:extLst>
+            <a:ext uri="{909E8E84-426E-40DD-AFC4-6F175D3DCCD1}">
+              <a14:hiddenFill xmlns:a14="http://schemas.microsoft.com/office/drawing/2010/main">
+                <a:solidFill>
+                  <a:srgbClr val="FFFFFF"/>
+                </a:solidFill>
+              </a14:hiddenFill>
+            </a:ext>
+          </a:extLst>
+        </p:spPr>
+      </p:pic>
+      <p:pic>
+        <p:nvPicPr>
+          <p:cNvPr id="13" name="Picture 2" descr="http://taeyo.net/Columns/images/MsChart25.gif"/>
+          <p:cNvPicPr>
+            <a:picLocks noChangeAspect="1" noChangeArrowheads="1"/>
+          </p:cNvPicPr>
+          <p:nvPr/>
+        </p:nvPicPr>
+        <p:blipFill>
+          <a:blip r:embed="rId2">
+            <a:extLst>
+              <a:ext uri="{28A0092B-C50C-407E-A947-70E740481C1C}">
+                <a14:useLocalDpi xmlns:a14="http://schemas.microsoft.com/office/drawing/2010/main" val="0"/>
+              </a:ext>
+            </a:extLst>
+          </a:blip>
+          <a:srcRect/>
+          <a:stretch>
+            <a:fillRect/>
+          </a:stretch>
+        </p:blipFill>
+        <p:spPr bwMode="auto">
+          <a:xfrm>
+            <a:off x="2678773" y="3678354"/>
+            <a:ext cx="1673899" cy="1673900"/>
+          </a:xfrm>
+          <a:prstGeom prst="rect">
+            <a:avLst/>
+          </a:prstGeom>
+          <a:noFill/>
+          <a:extLst>
+            <a:ext uri="{909E8E84-426E-40DD-AFC4-6F175D3DCCD1}">
+              <a14:hiddenFill xmlns:a14="http://schemas.microsoft.com/office/drawing/2010/main">
+                <a:solidFill>
+                  <a:srgbClr val="FFFFFF"/>
+                </a:solidFill>
+              </a14:hiddenFill>
+            </a:ext>
+          </a:extLst>
+        </p:spPr>
+      </p:pic>
+      <p:pic>
+        <p:nvPicPr>
+          <p:cNvPr id="14" name="Picture 2" descr="http://taeyo.net/Columns/images/MsChart25.gif"/>
+          <p:cNvPicPr>
+            <a:picLocks noChangeAspect="1" noChangeArrowheads="1"/>
+          </p:cNvPicPr>
+          <p:nvPr/>
+        </p:nvPicPr>
+        <p:blipFill>
+          <a:blip r:embed="rId2">
+            <a:extLst>
+              <a:ext uri="{28A0092B-C50C-407E-A947-70E740481C1C}">
+                <a14:useLocalDpi xmlns:a14="http://schemas.microsoft.com/office/drawing/2010/main" val="0"/>
+              </a:ext>
+            </a:extLst>
+          </a:blip>
+          <a:srcRect/>
+          <a:stretch>
+            <a:fillRect/>
+          </a:stretch>
+        </p:blipFill>
+        <p:spPr bwMode="auto">
+          <a:xfrm>
+            <a:off x="6504815" y="3678354"/>
+            <a:ext cx="1673899" cy="1673900"/>
+          </a:xfrm>
+          <a:prstGeom prst="rect">
+            <a:avLst/>
+          </a:prstGeom>
+          <a:noFill/>
+          <a:extLst>
+            <a:ext uri="{909E8E84-426E-40DD-AFC4-6F175D3DCCD1}">
+              <a14:hiddenFill xmlns:a14="http://schemas.microsoft.com/office/drawing/2010/main">
+                <a:solidFill>
+                  <a:srgbClr val="FFFFFF"/>
+                </a:solidFill>
+              </a14:hiddenFill>
+            </a:ext>
+          </a:extLst>
+        </p:spPr>
+      </p:pic>
+    </p:spTree>
+    <p:extLst>
+      <p:ext uri="{BB962C8B-B14F-4D97-AF65-F5344CB8AC3E}">
+        <p14:creationId xmlns:p14="http://schemas.microsoft.com/office/powerpoint/2010/main" val="3388137068"/>
+      </p:ext>
+    </p:extLst>
+  </p:cSld>
+  <p:clrMapOvr>
+    <a:masterClrMapping/>
+  </p:clrMapOvr>
+  <p:timing>
+    <p:tnLst>
+      <p:par>
+        <p:cTn id="1" dur="indefinite" restart="never" nodeType="tmRoot"/>
+      </p:par>
+    </p:tnLst>
+  </p:timing>
+</p:sld>
+</file>
+
+<file path=ppt/slides/slide11.xml><?xml version="1.0" encoding="utf-8"?>
+<p:sld xmlns:a="http://schemas.openxmlformats.org/drawingml/2006/main" xmlns:r="http://schemas.openxmlformats.org/officeDocument/2006/relationships" xmlns:p="http://schemas.openxmlformats.org/presentationml/2006/main">
+  <p:cSld>
+    <p:spTree>
+      <p:nvGrpSpPr>
+        <p:cNvPr id="1" name=""/>
+        <p:cNvGrpSpPr/>
+        <p:nvPr/>
+      </p:nvGrpSpPr>
+      <p:grpSpPr>
+        <a:xfrm>
+          <a:off x="0" y="0"/>
+          <a:ext cx="0" cy="0"/>
+          <a:chOff x="0" y="0"/>
+          <a:chExt cx="0" cy="0"/>
+        </a:xfrm>
+      </p:grpSpPr>
+      <p:sp>
+        <p:nvSpPr>
+          <p:cNvPr id="147" name="왼쪽 화살표 146"/>
+          <p:cNvSpPr/>
+          <p:nvPr/>
+        </p:nvSpPr>
+        <p:spPr>
+          <a:xfrm>
+            <a:off x="1719186" y="2682338"/>
+            <a:ext cx="390420" cy="306180"/>
+          </a:xfrm>
+          <a:prstGeom prst="leftArrow">
+            <a:avLst/>
+          </a:prstGeom>
+          <a:solidFill>
+            <a:srgbClr val="FF0000"/>
+          </a:solidFill>
+          <a:ln>
+            <a:solidFill>
+              <a:srgbClr val="FF0000"/>
+            </a:solidFill>
+          </a:ln>
+        </p:spPr>
+        <p:style>
+          <a:lnRef idx="2">
+            <a:schemeClr val="accent1">
+              <a:shade val="50000"/>
+            </a:schemeClr>
+          </a:lnRef>
+          <a:fillRef idx="1">
+            <a:schemeClr val="accent1"/>
+          </a:fillRef>
+          <a:effectRef idx="0">
+            <a:schemeClr val="accent1"/>
+          </a:effectRef>
+          <a:fontRef idx="minor">
+            <a:schemeClr val="lt1"/>
+          </a:fontRef>
+        </p:style>
+        <p:txBody>
+          <a:bodyPr rtlCol="0" anchor="ctr"/>
+          <a:lstStyle/>
+          <a:p>
+            <a:pPr algn="ctr"/>
+            <a:endParaRPr lang="ko-KR" altLang="en-US"/>
+          </a:p>
+        </p:txBody>
+      </p:sp>
+      <p:graphicFrame>
+        <p:nvGraphicFramePr>
+          <p:cNvPr id="2" name="표 1"/>
+          <p:cNvGraphicFramePr>
+            <a:graphicFrameLocks noGrp="1"/>
+          </p:cNvGraphicFramePr>
+          <p:nvPr>
+            <p:extLst/>
+          </p:nvPr>
+        </p:nvGraphicFramePr>
+        <p:xfrm>
+          <a:off x="4105499" y="3348355"/>
+          <a:ext cx="5360473" cy="1572774"/>
+        </p:xfrm>
+        <a:graphic>
+          <a:graphicData uri="http://schemas.openxmlformats.org/drawingml/2006/table">
+            <a:tbl>
+              <a:tblPr firstRow="1" bandRow="1">
+                <a:tableStyleId>{073A0DAA-6AF3-43AB-8588-CEC1D06C72B9}</a:tableStyleId>
+              </a:tblPr>
+              <a:tblGrid>
+                <a:gridCol w="5360473">
+                  <a:extLst>
+                    <a:ext uri="{9D8B030D-6E8A-4147-A177-3AD203B41FA5}">
+                      <a16:colId xmlns:a16="http://schemas.microsoft.com/office/drawing/2014/main" val="1343876024"/>
+                    </a:ext>
+                  </a:extLst>
+                </a:gridCol>
+              </a:tblGrid>
+              <a:tr h="786387">
+                <a:tc>
+                  <a:txBody>
+                    <a:bodyPr/>
+                    <a:lstStyle/>
+                    <a:p>
+                      <a:pPr algn="ctr" latinLnBrk="1"/>
+                      <a:r>
+                        <a:rPr lang="ko-KR" altLang="en-US" sz="4500" dirty="0" smtClean="0"/>
+                        <a:t>최저가 검색</a:t>
+                      </a:r>
+                      <a:endParaRPr lang="ko-KR" altLang="en-US" sz="4500" dirty="0"/>
+                    </a:p>
+                  </a:txBody>
+                  <a:tcPr/>
+                </a:tc>
+                <a:extLst>
+                  <a:ext uri="{0D108BD9-81ED-4DB2-BD59-A6C34878D82A}">
+                    <a16:rowId xmlns:a16="http://schemas.microsoft.com/office/drawing/2014/main" val="3181720835"/>
+                  </a:ext>
+                </a:extLst>
+              </a:tr>
+              <a:tr h="786387">
+                <a:tc>
+                  <a:txBody>
+                    <a:bodyPr/>
+                    <a:lstStyle/>
+                    <a:p>
+                      <a:pPr latinLnBrk="1"/>
+                      <a:endParaRPr lang="ko-KR" altLang="en-US" dirty="0"/>
+                    </a:p>
+                  </a:txBody>
+                  <a:tcPr/>
+                </a:tc>
+                <a:extLst>
+                  <a:ext uri="{0D108BD9-81ED-4DB2-BD59-A6C34878D82A}">
+                    <a16:rowId xmlns:a16="http://schemas.microsoft.com/office/drawing/2014/main" val="3768471557"/>
+                  </a:ext>
+                </a:extLst>
+              </a:tr>
+            </a:tbl>
+          </a:graphicData>
+        </a:graphic>
+      </p:graphicFrame>
+      <p:sp>
+        <p:nvSpPr>
+          <p:cNvPr id="5" name="오른쪽 화살표 4"/>
+          <p:cNvSpPr/>
+          <p:nvPr/>
+        </p:nvSpPr>
+        <p:spPr>
+          <a:xfrm>
+            <a:off x="4327302" y="4314427"/>
+            <a:ext cx="515155" cy="386366"/>
+          </a:xfrm>
+          <a:prstGeom prst="rightArrow">
+            <a:avLst/>
+          </a:prstGeom>
+          <a:solidFill>
+            <a:schemeClr val="tx1"/>
+          </a:solidFill>
+        </p:spPr>
+        <p:style>
+          <a:lnRef idx="2">
+            <a:schemeClr val="accent1">
+              <a:shade val="50000"/>
+            </a:schemeClr>
+          </a:lnRef>
+          <a:fillRef idx="1">
+            <a:schemeClr val="accent1"/>
+          </a:fillRef>
+          <a:effectRef idx="0">
+            <a:schemeClr val="accent1"/>
+          </a:effectRef>
+          <a:fontRef idx="minor">
+            <a:schemeClr val="lt1"/>
+          </a:fontRef>
+        </p:style>
+        <p:txBody>
+          <a:bodyPr rtlCol="0" anchor="ctr"/>
+          <a:lstStyle/>
+          <a:p>
+            <a:pPr algn="ctr"/>
+            <a:endParaRPr lang="ko-KR" altLang="en-US"/>
+          </a:p>
+        </p:txBody>
+      </p:sp>
+      <p:sp>
+        <p:nvSpPr>
+          <p:cNvPr id="7" name="Rectangle 184"/>
+          <p:cNvSpPr>
+            <a:spLocks noChangeArrowheads="1"/>
+          </p:cNvSpPr>
+          <p:nvPr/>
+        </p:nvSpPr>
+        <p:spPr bwMode="auto">
+          <a:xfrm>
+            <a:off x="4955439" y="4262911"/>
+            <a:ext cx="3080978" cy="502280"/>
+          </a:xfrm>
+          <a:prstGeom prst="rect">
+            <a:avLst/>
+          </a:prstGeom>
+          <a:solidFill>
+            <a:srgbClr val="EAEAEA"/>
+          </a:solidFill>
+          <a:ln w="9525">
+            <a:solidFill>
+              <a:schemeClr val="tx1"/>
+            </a:solidFill>
+            <a:miter lim="800000"/>
+            <a:headEnd/>
+            <a:tailEnd/>
+          </a:ln>
+          <a:effectLst/>
+          <a:extLst>
+            <a:ext uri="{AF507438-7753-43E0-B8FC-AC1667EBCBE1}">
+              <a14:hiddenEffects xmlns:a14="http://schemas.microsoft.com/office/drawing/2010/main">
+                <a:effectLst>
+                  <a:outerShdw dist="35921" dir="2700000" algn="ctr" rotWithShape="0">
+                    <a:schemeClr val="bg2"/>
+                  </a:outerShdw>
+                </a:effectLst>
+              </a14:hiddenEffects>
+            </a:ext>
+          </a:extLst>
+        </p:spPr>
+        <p:txBody>
+          <a:bodyPr wrap="none" anchor="ctr"/>
+          <a:lstStyle/>
+          <a:p>
+            <a:pPr algn="ctr"/>
+            <a:endParaRPr lang="ko-KR" altLang="ko-KR" sz="1800"/>
+          </a:p>
+        </p:txBody>
+      </p:sp>
+      <p:sp>
+        <p:nvSpPr>
+          <p:cNvPr id="8" name="모서리가 둥근 직사각형 7"/>
+          <p:cNvSpPr/>
+          <p:nvPr/>
+        </p:nvSpPr>
+        <p:spPr>
+          <a:xfrm>
+            <a:off x="5574846" y="1715182"/>
+            <a:ext cx="2624856" cy="1273336"/>
+          </a:xfrm>
+          <a:prstGeom prst="roundRect">
+            <a:avLst/>
+          </a:prstGeom>
+          <a:ln>
+            <a:solidFill>
+              <a:schemeClr val="tx1"/>
+            </a:solidFill>
+          </a:ln>
+        </p:spPr>
+        <p:style>
+          <a:lnRef idx="2">
+            <a:schemeClr val="accent6"/>
+          </a:lnRef>
+          <a:fillRef idx="1">
+            <a:schemeClr val="lt1"/>
+          </a:fillRef>
+          <a:effectRef idx="0">
+            <a:schemeClr val="accent6"/>
+          </a:effectRef>
+          <a:fontRef idx="minor">
+            <a:schemeClr val="dk1"/>
+          </a:fontRef>
+        </p:style>
+        <p:txBody>
+          <a:bodyPr rtlCol="0" anchor="ctr"/>
+          <a:lstStyle/>
+          <a:p>
+            <a:pPr algn="ctr"/>
+            <a:endParaRPr lang="ko-KR" altLang="en-US" b="1" dirty="0">
+              <a:ln w="0"/>
+              <a:solidFill>
+                <a:schemeClr val="tx1"/>
+              </a:solidFill>
+              <a:effectLst>
+                <a:outerShdw blurRad="38100" dist="19050" dir="2700000" algn="tl" rotWithShape="0">
+                  <a:schemeClr val="dk1">
+                    <a:alpha val="40000"/>
+                  </a:schemeClr>
+                </a:outerShdw>
+              </a:effectLst>
+            </a:endParaRPr>
+          </a:p>
+        </p:txBody>
+      </p:sp>
+      <p:sp>
+        <p:nvSpPr>
+          <p:cNvPr id="9" name="모서리가 둥근 직사각형 8"/>
+          <p:cNvSpPr/>
+          <p:nvPr/>
+        </p:nvSpPr>
+        <p:spPr>
+          <a:xfrm>
+            <a:off x="5574846" y="1715182"/>
+            <a:ext cx="2624856" cy="305859"/>
+          </a:xfrm>
+          <a:prstGeom prst="roundRect">
+            <a:avLst/>
+          </a:prstGeom>
+          <a:ln>
+            <a:solidFill>
+              <a:schemeClr val="tx1"/>
+            </a:solidFill>
+          </a:ln>
+        </p:spPr>
+        <p:style>
+          <a:lnRef idx="2">
+            <a:schemeClr val="accent6"/>
+          </a:lnRef>
+          <a:fillRef idx="1">
+            <a:schemeClr val="lt1"/>
+          </a:fillRef>
+          <a:effectRef idx="0">
+            <a:schemeClr val="accent6"/>
+          </a:effectRef>
+          <a:fontRef idx="minor">
+            <a:schemeClr val="dk1"/>
+          </a:fontRef>
+        </p:style>
+        <p:txBody>
+          <a:bodyPr rtlCol="0" anchor="ctr"/>
+          <a:lstStyle/>
+          <a:p>
+            <a:pPr algn="ctr"/>
+            <a:r>
+              <a:rPr lang="ko-KR" altLang="en-US" smtClean="0">
+                <a:ln w="0"/>
+                <a:solidFill>
+                  <a:schemeClr val="tx1"/>
+                </a:solidFill>
+                <a:effectLst>
+                  <a:outerShdw blurRad="38100" dist="19050" dir="2700000" algn="tl" rotWithShape="0">
+                    <a:schemeClr val="dk1">
+                      <a:alpha val="40000"/>
+                    </a:schemeClr>
+                  </a:outerShdw>
+                </a:effectLst>
+              </a:rPr>
+              <a:t>카드 선택</a:t>
+            </a:r>
+            <a:endParaRPr lang="ko-KR" altLang="en-US" dirty="0">
+              <a:ln w="0"/>
+              <a:solidFill>
+                <a:schemeClr val="tx1"/>
+              </a:solidFill>
+              <a:effectLst>
+                <a:outerShdw blurRad="38100" dist="19050" dir="2700000" algn="tl" rotWithShape="0">
+                  <a:schemeClr val="dk1">
+                    <a:alpha val="40000"/>
+                  </a:schemeClr>
+                </a:outerShdw>
+              </a:effectLst>
+            </a:endParaRPr>
+          </a:p>
+        </p:txBody>
+      </p:sp>
+      <p:sp>
+        <p:nvSpPr>
+          <p:cNvPr id="15" name="Rectangle 184"/>
+          <p:cNvSpPr>
+            <a:spLocks noChangeArrowheads="1"/>
+          </p:cNvSpPr>
+          <p:nvPr/>
+        </p:nvSpPr>
+        <p:spPr bwMode="auto">
+          <a:xfrm>
+            <a:off x="5845303" y="2164944"/>
+            <a:ext cx="297920" cy="241692"/>
+          </a:xfrm>
+          <a:prstGeom prst="rect">
+            <a:avLst/>
+          </a:prstGeom>
+          <a:solidFill>
+            <a:srgbClr val="EAEAEA"/>
+          </a:solidFill>
+          <a:ln w="9525">
+            <a:solidFill>
+              <a:schemeClr val="tx1"/>
+            </a:solidFill>
+            <a:miter lim="800000"/>
+            <a:headEnd/>
+            <a:tailEnd/>
+          </a:ln>
+          <a:effectLst/>
+          <a:extLst>
+            <a:ext uri="{AF507438-7753-43E0-B8FC-AC1667EBCBE1}">
+              <a14:hiddenEffects xmlns:a14="http://schemas.microsoft.com/office/drawing/2010/main">
+                <a:effectLst>
+                  <a:outerShdw dist="35921" dir="2700000" algn="ctr" rotWithShape="0">
+                    <a:schemeClr val="bg2"/>
+                  </a:outerShdw>
+                </a:effectLst>
+              </a14:hiddenEffects>
+            </a:ext>
+          </a:extLst>
+        </p:spPr>
+        <p:txBody>
+          <a:bodyPr wrap="none" anchor="ctr"/>
+          <a:lstStyle/>
+          <a:p>
+            <a:pPr algn="ctr"/>
+            <a:endParaRPr lang="ko-KR" altLang="ko-KR" sz="1800"/>
+          </a:p>
+        </p:txBody>
+      </p:sp>
+      <p:sp>
+        <p:nvSpPr>
+          <p:cNvPr id="6" name="TextBox 5"/>
+          <p:cNvSpPr txBox="1"/>
+          <p:nvPr/>
+        </p:nvSpPr>
+        <p:spPr>
+          <a:xfrm>
+            <a:off x="6117465" y="2134825"/>
+            <a:ext cx="605308" cy="323165"/>
+          </a:xfrm>
+          <a:prstGeom prst="rect">
+            <a:avLst/>
+          </a:prstGeom>
+          <a:noFill/>
+        </p:spPr>
+        <p:txBody>
+          <a:bodyPr wrap="square" rtlCol="0">
+            <a:spAutoFit/>
+          </a:bodyPr>
+          <a:lstStyle/>
+          <a:p>
+            <a:r>
+              <a:rPr lang="ko-KR" altLang="en-US" sz="1500" dirty="0" smtClean="0"/>
+              <a:t>신한</a:t>
+            </a:r>
+            <a:endParaRPr lang="ko-KR" altLang="en-US" sz="1500" dirty="0"/>
+          </a:p>
+        </p:txBody>
+      </p:sp>
+      <p:sp>
+        <p:nvSpPr>
+          <p:cNvPr id="17" name="Rectangle 184"/>
+          <p:cNvSpPr>
+            <a:spLocks noChangeArrowheads="1"/>
+          </p:cNvSpPr>
+          <p:nvPr/>
+        </p:nvSpPr>
+        <p:spPr bwMode="auto">
+          <a:xfrm>
+            <a:off x="5843155" y="2510529"/>
+            <a:ext cx="297920" cy="241692"/>
+          </a:xfrm>
+          <a:prstGeom prst="rect">
+            <a:avLst/>
+          </a:prstGeom>
+          <a:solidFill>
+            <a:srgbClr val="EAEAEA"/>
+          </a:solidFill>
+          <a:ln w="9525">
+            <a:solidFill>
+              <a:schemeClr val="tx1"/>
+            </a:solidFill>
+            <a:miter lim="800000"/>
+            <a:headEnd/>
+            <a:tailEnd/>
+          </a:ln>
+          <a:effectLst/>
+          <a:extLst>
+            <a:ext uri="{AF507438-7753-43E0-B8FC-AC1667EBCBE1}">
+              <a14:hiddenEffects xmlns:a14="http://schemas.microsoft.com/office/drawing/2010/main">
+                <a:effectLst>
+                  <a:outerShdw dist="35921" dir="2700000" algn="ctr" rotWithShape="0">
+                    <a:schemeClr val="bg2"/>
+                  </a:outerShdw>
+                </a:effectLst>
+              </a14:hiddenEffects>
+            </a:ext>
+          </a:extLst>
+        </p:spPr>
+        <p:txBody>
+          <a:bodyPr wrap="none" anchor="ctr"/>
+          <a:lstStyle/>
+          <a:p>
+            <a:pPr algn="ctr"/>
+            <a:endParaRPr lang="ko-KR" altLang="ko-KR" sz="1800"/>
+          </a:p>
+        </p:txBody>
+      </p:sp>
+      <p:sp>
+        <p:nvSpPr>
+          <p:cNvPr id="18" name="TextBox 17"/>
+          <p:cNvSpPr txBox="1"/>
+          <p:nvPr/>
+        </p:nvSpPr>
+        <p:spPr>
+          <a:xfrm>
+            <a:off x="6115317" y="2480410"/>
+            <a:ext cx="605308" cy="323165"/>
+          </a:xfrm>
+          <a:prstGeom prst="rect">
+            <a:avLst/>
+          </a:prstGeom>
+          <a:noFill/>
+        </p:spPr>
+        <p:txBody>
+          <a:bodyPr wrap="square" rtlCol="0">
+            <a:spAutoFit/>
+          </a:bodyPr>
+          <a:lstStyle/>
+          <a:p>
+            <a:r>
+              <a:rPr lang="ko-KR" altLang="en-US" sz="1500" dirty="0" smtClean="0"/>
+              <a:t>우리</a:t>
+            </a:r>
+            <a:endParaRPr lang="ko-KR" altLang="en-US" sz="1500" dirty="0"/>
+          </a:p>
+        </p:txBody>
+      </p:sp>
+      <p:sp>
+        <p:nvSpPr>
+          <p:cNvPr id="19" name="Rectangle 184"/>
+          <p:cNvSpPr>
+            <a:spLocks noChangeArrowheads="1"/>
+          </p:cNvSpPr>
+          <p:nvPr/>
+        </p:nvSpPr>
+        <p:spPr bwMode="auto">
+          <a:xfrm>
+            <a:off x="7000106" y="2186407"/>
+            <a:ext cx="297920" cy="241692"/>
+          </a:xfrm>
+          <a:prstGeom prst="rect">
+            <a:avLst/>
+          </a:prstGeom>
+          <a:solidFill>
+            <a:srgbClr val="EAEAEA"/>
+          </a:solidFill>
+          <a:ln w="9525">
+            <a:solidFill>
+              <a:schemeClr val="tx1"/>
+            </a:solidFill>
+            <a:miter lim="800000"/>
+            <a:headEnd/>
+            <a:tailEnd/>
+          </a:ln>
+          <a:effectLst/>
+          <a:extLst>
+            <a:ext uri="{AF507438-7753-43E0-B8FC-AC1667EBCBE1}">
+              <a14:hiddenEffects xmlns:a14="http://schemas.microsoft.com/office/drawing/2010/main">
+                <a:effectLst>
+                  <a:outerShdw dist="35921" dir="2700000" algn="ctr" rotWithShape="0">
+                    <a:schemeClr val="bg2"/>
+                  </a:outerShdw>
+                </a:effectLst>
+              </a14:hiddenEffects>
+            </a:ext>
+          </a:extLst>
+        </p:spPr>
+        <p:txBody>
+          <a:bodyPr wrap="none" anchor="ctr"/>
+          <a:lstStyle/>
+          <a:p>
+            <a:pPr algn="ctr"/>
+            <a:endParaRPr lang="ko-KR" altLang="ko-KR" sz="1800"/>
+          </a:p>
+        </p:txBody>
+      </p:sp>
+      <p:sp>
+        <p:nvSpPr>
+          <p:cNvPr id="20" name="TextBox 19"/>
+          <p:cNvSpPr txBox="1"/>
+          <p:nvPr/>
+        </p:nvSpPr>
+        <p:spPr>
+          <a:xfrm>
+            <a:off x="7272268" y="2156288"/>
+            <a:ext cx="927434" cy="323165"/>
+          </a:xfrm>
+          <a:prstGeom prst="rect">
+            <a:avLst/>
+          </a:prstGeom>
+          <a:noFill/>
+        </p:spPr>
+        <p:txBody>
+          <a:bodyPr wrap="square" rtlCol="0">
+            <a:spAutoFit/>
+          </a:bodyPr>
+          <a:lstStyle/>
+          <a:p>
+            <a:r>
+              <a:rPr lang="ko-KR" altLang="en-US" sz="1500" dirty="0" smtClean="0"/>
+              <a:t>하나</a:t>
+            </a:r>
+            <a:endParaRPr lang="ko-KR" altLang="en-US" sz="1500" dirty="0"/>
+          </a:p>
+        </p:txBody>
+      </p:sp>
+      <p:sp>
+        <p:nvSpPr>
+          <p:cNvPr id="21" name="Rectangle 184"/>
+          <p:cNvSpPr>
+            <a:spLocks noChangeArrowheads="1"/>
+          </p:cNvSpPr>
+          <p:nvPr/>
+        </p:nvSpPr>
+        <p:spPr bwMode="auto">
+          <a:xfrm>
+            <a:off x="7010837" y="2506234"/>
+            <a:ext cx="297920" cy="241692"/>
+          </a:xfrm>
+          <a:prstGeom prst="rect">
+            <a:avLst/>
+          </a:prstGeom>
+          <a:solidFill>
+            <a:srgbClr val="EAEAEA"/>
+          </a:solidFill>
+          <a:ln w="9525">
+            <a:solidFill>
+              <a:schemeClr val="tx1"/>
+            </a:solidFill>
+            <a:miter lim="800000"/>
+            <a:headEnd/>
+            <a:tailEnd/>
+          </a:ln>
+          <a:effectLst/>
+          <a:extLst>
+            <a:ext uri="{AF507438-7753-43E0-B8FC-AC1667EBCBE1}">
+              <a14:hiddenEffects xmlns:a14="http://schemas.microsoft.com/office/drawing/2010/main">
+                <a:effectLst>
+                  <a:outerShdw dist="35921" dir="2700000" algn="ctr" rotWithShape="0">
+                    <a:schemeClr val="bg2"/>
+                  </a:outerShdw>
+                </a:effectLst>
+              </a14:hiddenEffects>
+            </a:ext>
+          </a:extLst>
+        </p:spPr>
+        <p:txBody>
+          <a:bodyPr wrap="none" anchor="ctr"/>
+          <a:lstStyle/>
+          <a:p>
+            <a:pPr algn="ctr"/>
+            <a:endParaRPr lang="ko-KR" altLang="ko-KR" sz="1800"/>
+          </a:p>
+        </p:txBody>
+      </p:sp>
+      <p:sp>
+        <p:nvSpPr>
+          <p:cNvPr id="22" name="TextBox 21"/>
+          <p:cNvSpPr txBox="1"/>
+          <p:nvPr/>
+        </p:nvSpPr>
+        <p:spPr>
+          <a:xfrm>
+            <a:off x="7282999" y="2476115"/>
+            <a:ext cx="817812" cy="323165"/>
+          </a:xfrm>
+          <a:prstGeom prst="rect">
+            <a:avLst/>
+          </a:prstGeom>
+          <a:noFill/>
+        </p:spPr>
+        <p:txBody>
+          <a:bodyPr wrap="square" rtlCol="0">
+            <a:spAutoFit/>
+          </a:bodyPr>
+          <a:lstStyle/>
+          <a:p>
+            <a:r>
+              <a:rPr lang="ko-KR" altLang="en-US" sz="1500" dirty="0" smtClean="0"/>
+              <a:t>국민</a:t>
+            </a:r>
+            <a:endParaRPr lang="ko-KR" altLang="en-US" sz="1500" dirty="0"/>
+          </a:p>
+        </p:txBody>
+      </p:sp>
+      <p:sp>
+        <p:nvSpPr>
+          <p:cNvPr id="25" name="AutoShape 147"/>
+          <p:cNvSpPr>
+            <a:spLocks noChangeArrowheads="1"/>
+          </p:cNvSpPr>
+          <p:nvPr/>
+        </p:nvSpPr>
+        <p:spPr bwMode="auto">
+          <a:xfrm>
+            <a:off x="8300586" y="4284918"/>
+            <a:ext cx="894930" cy="428757"/>
+          </a:xfrm>
+          <a:prstGeom prst="roundRect">
+            <a:avLst>
+              <a:gd name="adj" fmla="val 16667"/>
+            </a:avLst>
+          </a:prstGeom>
+          <a:solidFill>
+            <a:schemeClr val="bg1"/>
+          </a:solidFill>
+          <a:ln w="9525">
+            <a:solidFill>
+              <a:schemeClr val="tx1"/>
+            </a:solidFill>
+            <a:round/>
+            <a:headEnd/>
+            <a:tailEnd/>
+          </a:ln>
+        </p:spPr>
+        <p:txBody>
+          <a:bodyPr wrap="none" anchor="ctr"/>
+          <a:lstStyle>
+            <a:lvl1pPr>
+              <a:defRPr kumimoji="1" sz="2400">
+                <a:solidFill>
+                  <a:schemeClr val="tx1"/>
+                </a:solidFill>
+                <a:latin typeface="굴림" pitchFamily="50" charset="-127"/>
+                <a:ea typeface="굴림" pitchFamily="50" charset="-127"/>
+              </a:defRPr>
+            </a:lvl1pPr>
+            <a:lvl2pPr marL="742950" indent="-285750">
+              <a:defRPr kumimoji="1" sz="2400">
+                <a:solidFill>
+                  <a:schemeClr val="tx1"/>
+                </a:solidFill>
+                <a:latin typeface="굴림" pitchFamily="50" charset="-127"/>
+                <a:ea typeface="굴림" pitchFamily="50" charset="-127"/>
+              </a:defRPr>
+            </a:lvl2pPr>
+            <a:lvl3pPr marL="1143000" indent="-228600">
+              <a:defRPr kumimoji="1" sz="2400">
+                <a:solidFill>
+                  <a:schemeClr val="tx1"/>
+                </a:solidFill>
+                <a:latin typeface="굴림" pitchFamily="50" charset="-127"/>
+                <a:ea typeface="굴림" pitchFamily="50" charset="-127"/>
+              </a:defRPr>
+            </a:lvl3pPr>
+            <a:lvl4pPr marL="1600200" indent="-228600">
+              <a:defRPr kumimoji="1" sz="2400">
+                <a:solidFill>
+                  <a:schemeClr val="tx1"/>
+                </a:solidFill>
+                <a:latin typeface="굴림" pitchFamily="50" charset="-127"/>
+                <a:ea typeface="굴림" pitchFamily="50" charset="-127"/>
+              </a:defRPr>
+            </a:lvl4pPr>
+            <a:lvl5pPr marL="2057400" indent="-228600">
+              <a:defRPr kumimoji="1" sz="2400">
+                <a:solidFill>
+                  <a:schemeClr val="tx1"/>
+                </a:solidFill>
+                <a:latin typeface="굴림" pitchFamily="50" charset="-127"/>
+                <a:ea typeface="굴림" pitchFamily="50" charset="-127"/>
+              </a:defRPr>
+            </a:lvl5pPr>
+            <a:lvl6pPr marL="2514600" indent="-228600" fontAlgn="base">
+              <a:spcBef>
+                <a:spcPct val="0"/>
+              </a:spcBef>
+              <a:spcAft>
+                <a:spcPct val="0"/>
+              </a:spcAft>
+              <a:defRPr kumimoji="1" sz="2400">
+                <a:solidFill>
+                  <a:schemeClr val="tx1"/>
+                </a:solidFill>
+                <a:latin typeface="굴림" pitchFamily="50" charset="-127"/>
+                <a:ea typeface="굴림" pitchFamily="50" charset="-127"/>
+              </a:defRPr>
+            </a:lvl6pPr>
+            <a:lvl7pPr marL="2971800" indent="-228600" fontAlgn="base">
+              <a:spcBef>
+                <a:spcPct val="0"/>
+              </a:spcBef>
+              <a:spcAft>
+                <a:spcPct val="0"/>
+              </a:spcAft>
+              <a:defRPr kumimoji="1" sz="2400">
+                <a:solidFill>
+                  <a:schemeClr val="tx1"/>
+                </a:solidFill>
+                <a:latin typeface="굴림" pitchFamily="50" charset="-127"/>
+                <a:ea typeface="굴림" pitchFamily="50" charset="-127"/>
+              </a:defRPr>
+            </a:lvl7pPr>
+            <a:lvl8pPr marL="3429000" indent="-228600" fontAlgn="base">
+              <a:spcBef>
+                <a:spcPct val="0"/>
+              </a:spcBef>
+              <a:spcAft>
+                <a:spcPct val="0"/>
+              </a:spcAft>
+              <a:defRPr kumimoji="1" sz="2400">
+                <a:solidFill>
+                  <a:schemeClr val="tx1"/>
+                </a:solidFill>
+                <a:latin typeface="굴림" pitchFamily="50" charset="-127"/>
+                <a:ea typeface="굴림" pitchFamily="50" charset="-127"/>
+              </a:defRPr>
+            </a:lvl8pPr>
+            <a:lvl9pPr marL="3886200" indent="-228600" fontAlgn="base">
+              <a:spcBef>
+                <a:spcPct val="0"/>
+              </a:spcBef>
+              <a:spcAft>
+                <a:spcPct val="0"/>
+              </a:spcAft>
+              <a:defRPr kumimoji="1" sz="2400">
+                <a:solidFill>
+                  <a:schemeClr val="tx1"/>
+                </a:solidFill>
+                <a:latin typeface="굴림" pitchFamily="50" charset="-127"/>
+                <a:ea typeface="굴림" pitchFamily="50" charset="-127"/>
+              </a:defRPr>
+            </a:lvl9pPr>
+          </a:lstStyle>
+          <a:p>
+            <a:pPr algn="ctr"/>
+            <a:r>
+              <a:rPr lang="ko-KR" altLang="en-US" sz="1600" dirty="0" smtClean="0">
+                <a:latin typeface="맑은 고딕" panose="020B0503020000020004" pitchFamily="50" charset="-127"/>
+                <a:ea typeface="맑은 고딕" panose="020B0503020000020004" pitchFamily="50" charset="-127"/>
+              </a:rPr>
+              <a:t>검색</a:t>
+            </a:r>
+            <a:endParaRPr lang="ko-KR" altLang="en-US" sz="1600" dirty="0">
+              <a:latin typeface="맑은 고딕" panose="020B0503020000020004" pitchFamily="50" charset="-127"/>
+              <a:ea typeface="맑은 고딕" panose="020B0503020000020004" pitchFamily="50" charset="-127"/>
+            </a:endParaRPr>
+          </a:p>
+        </p:txBody>
+      </p:sp>
+      <p:sp>
+        <p:nvSpPr>
+          <p:cNvPr id="26" name="TextBox 25"/>
+          <p:cNvSpPr txBox="1"/>
+          <p:nvPr/>
+        </p:nvSpPr>
+        <p:spPr>
+          <a:xfrm>
+            <a:off x="1694644" y="5923386"/>
+            <a:ext cx="10112345" cy="830997"/>
+          </a:xfrm>
+          <a:prstGeom prst="rect">
+            <a:avLst/>
+          </a:prstGeom>
+          <a:noFill/>
+        </p:spPr>
+        <p:txBody>
+          <a:bodyPr wrap="square" rtlCol="0">
+            <a:spAutoFit/>
+          </a:bodyPr>
+          <a:lstStyle/>
+          <a:p>
+            <a:r>
+              <a:rPr lang="ko-KR" altLang="en-US" sz="1600" dirty="0" smtClean="0"/>
+              <a:t>우선</a:t>
+            </a:r>
+            <a:r>
+              <a:rPr lang="en-US" altLang="ko-KR" sz="1600" dirty="0" smtClean="0"/>
+              <a:t>, User</a:t>
+            </a:r>
+            <a:r>
+              <a:rPr lang="ko-KR" altLang="en-US" sz="1600" dirty="0" smtClean="0"/>
+              <a:t>가 소유하고 있는 카드를 체크박스 형태로 입력 받고 검색하고자 하는 항목</a:t>
+            </a:r>
+            <a:r>
+              <a:rPr lang="en-US" altLang="ko-KR" sz="1600" dirty="0" smtClean="0"/>
+              <a:t>(</a:t>
+            </a:r>
+            <a:r>
+              <a:rPr lang="ko-KR" altLang="en-US" sz="1600" dirty="0" smtClean="0"/>
+              <a:t>물건</a:t>
+            </a:r>
+            <a:r>
+              <a:rPr lang="en-US" altLang="ko-KR" sz="1600" dirty="0" smtClean="0"/>
+              <a:t>)</a:t>
+            </a:r>
+            <a:r>
+              <a:rPr lang="ko-KR" altLang="en-US" sz="1600" dirty="0" smtClean="0"/>
+              <a:t>을 입력한 뒤</a:t>
+            </a:r>
+            <a:r>
+              <a:rPr lang="en-US" altLang="ko-KR" sz="1600" dirty="0" smtClean="0"/>
+              <a:t>, </a:t>
+            </a:r>
+            <a:r>
+              <a:rPr lang="ko-KR" altLang="en-US" sz="1600" dirty="0" smtClean="0"/>
+              <a:t>검색 버튼을 누르는 페이지이다</a:t>
+            </a:r>
+            <a:r>
+              <a:rPr lang="en-US" altLang="ko-KR" sz="1600" dirty="0" smtClean="0"/>
+              <a:t>. </a:t>
+            </a:r>
+            <a:r>
+              <a:rPr lang="ko-KR" altLang="en-US" sz="1600" dirty="0" smtClean="0"/>
+              <a:t>카드는 </a:t>
+            </a:r>
+            <a:r>
+              <a:rPr lang="en-US" altLang="ko-KR" sz="1600" dirty="0" smtClean="0"/>
+              <a:t>1</a:t>
+            </a:r>
+            <a:r>
+              <a:rPr lang="ko-KR" altLang="en-US" sz="1600" dirty="0" smtClean="0"/>
+              <a:t>개 이상으로 받을 수 있으며</a:t>
+            </a:r>
+            <a:r>
+              <a:rPr lang="en-US" altLang="ko-KR" sz="1600" dirty="0" smtClean="0"/>
+              <a:t>, </a:t>
+            </a:r>
+            <a:r>
+              <a:rPr lang="ko-KR" altLang="en-US" sz="1600" dirty="0" smtClean="0"/>
+              <a:t>복수로 카드를 </a:t>
+            </a:r>
+            <a:r>
+              <a:rPr lang="ko-KR" altLang="en-US" sz="1600" dirty="0" err="1" smtClean="0"/>
+              <a:t>입력받았을</a:t>
+            </a:r>
+            <a:r>
+              <a:rPr lang="ko-KR" altLang="en-US" sz="1600" dirty="0" smtClean="0"/>
+              <a:t> 때 선택한 카드들의 항목별 할인된 가격을 다음 페이지에서 보여줄 수 있다</a:t>
+            </a:r>
+            <a:r>
+              <a:rPr lang="en-US" altLang="ko-KR" sz="1600" dirty="0" smtClean="0"/>
+              <a:t>.</a:t>
+            </a:r>
+            <a:endParaRPr lang="ko-KR" altLang="en-US" sz="1600" dirty="0"/>
+          </a:p>
+        </p:txBody>
+      </p:sp>
+    </p:spTree>
+    <p:extLst>
+      <p:ext uri="{BB962C8B-B14F-4D97-AF65-F5344CB8AC3E}">
+        <p14:creationId xmlns:p14="http://schemas.microsoft.com/office/powerpoint/2010/main" val="3948779389"/>
+      </p:ext>
+    </p:extLst>
+  </p:cSld>
+  <p:clrMapOvr>
+    <a:masterClrMapping/>
+  </p:clrMapOvr>
+  <p:timing>
+    <p:tnLst>
+      <p:par>
+        <p:cTn id="1" dur="indefinite" restart="never" nodeType="tmRoot"/>
+      </p:par>
+    </p:tnLst>
+  </p:timing>
+</p:sld>
+</file>
+
+<file path=ppt/slides/slide12.xml><?xml version="1.0" encoding="utf-8"?>
 <p:sld xmlns:a="http://schemas.openxmlformats.org/drawingml/2006/main" xmlns:r="http://schemas.openxmlformats.org/officeDocument/2006/relationships" xmlns:p="http://schemas.openxmlformats.org/presentationml/2006/main">
   <p:cSld>
     <p:spTree>
@@ -9624,7 +10920,7 @@
 </p:sld>
 </file>
 
-<file path=ppt/slides/slide11.xml><?xml version="1.0" encoding="utf-8"?>
+<file path=ppt/slides/slide13.xml><?xml version="1.0" encoding="utf-8"?>
 <p:sld xmlns:a="http://schemas.openxmlformats.org/drawingml/2006/main" xmlns:r="http://schemas.openxmlformats.org/officeDocument/2006/relationships" xmlns:p="http://schemas.openxmlformats.org/presentationml/2006/main">
   <p:cSld>
     <p:spTree>
@@ -15197,7 +16493,7 @@
 </p:sld>
 </file>
 
-<file path=ppt/slides/slide12.xml><?xml version="1.0" encoding="utf-8"?>
+<file path=ppt/slides/slide14.xml><?xml version="1.0" encoding="utf-8"?>
 <p:sld xmlns:a="http://schemas.openxmlformats.org/drawingml/2006/main" xmlns:r="http://schemas.openxmlformats.org/officeDocument/2006/relationships" xmlns:p="http://schemas.openxmlformats.org/presentationml/2006/main">
   <p:cSld>
     <p:spTree>
@@ -16342,7 +17638,7 @@
 </p:sld>
 </file>
 
-<file path=ppt/slides/slide13.xml><?xml version="1.0" encoding="utf-8"?>
+<file path=ppt/slides/slide15.xml><?xml version="1.0" encoding="utf-8"?>
 <p:sld xmlns:a="http://schemas.openxmlformats.org/drawingml/2006/main" xmlns:r="http://schemas.openxmlformats.org/officeDocument/2006/relationships" xmlns:p="http://schemas.openxmlformats.org/presentationml/2006/main">
   <p:cSld>
     <p:spTree>
@@ -23727,6 +25023,13 @@
   <p:clrMapOvr>
     <a:masterClrMapping/>
   </p:clrMapOvr>
+  <p:timing>
+    <p:tnLst>
+      <p:par>
+        <p:cTn id="1" dur="indefinite" restart="never" nodeType="tmRoot"/>
+      </p:par>
+    </p:tnLst>
+  </p:timing>
 </p:sld>
 </file>
 
@@ -24493,6 +25796,13 @@
   <p:clrMapOvr>
     <a:masterClrMapping/>
   </p:clrMapOvr>
+  <p:timing>
+    <p:tnLst>
+      <p:par>
+        <p:cTn id="1" dur="indefinite" restart="never" nodeType="tmRoot"/>
+      </p:par>
+    </p:tnLst>
+  </p:timing>
 </p:sld>
 </file>
 
@@ -25358,6 +26668,13 @@
   <p:clrMapOvr>
     <a:masterClrMapping/>
   </p:clrMapOvr>
+  <p:timing>
+    <p:tnLst>
+      <p:par>
+        <p:cTn id="1" dur="indefinite" restart="never" nodeType="tmRoot"/>
+      </p:par>
+    </p:tnLst>
+  </p:timing>
 </p:sld>
 </file>
 
@@ -26124,6 +27441,13 @@
   <p:clrMapOvr>
     <a:masterClrMapping/>
   </p:clrMapOvr>
+  <p:timing>
+    <p:tnLst>
+      <p:par>
+        <p:cTn id="1" dur="indefinite" restart="never" nodeType="tmRoot"/>
+      </p:par>
+    </p:tnLst>
+  </p:timing>
 </p:sld>
 </file>
 
@@ -26495,6 +27819,13 @@
   <p:clrMapOvr>
     <a:masterClrMapping/>
   </p:clrMapOvr>
+  <p:timing>
+    <p:tnLst>
+      <p:par>
+        <p:cTn id="1" dur="indefinite" restart="never" nodeType="tmRoot"/>
+      </p:par>
+    </p:tnLst>
+  </p:timing>
 </p:sld>
 </file>
 
@@ -27225,6 +28556,13 @@
   <p:clrMapOvr>
     <a:masterClrMapping/>
   </p:clrMapOvr>
+  <p:timing>
+    <p:tnLst>
+      <p:par>
+        <p:cTn id="1" dur="indefinite" restart="never" nodeType="tmRoot"/>
+      </p:par>
+    </p:tnLst>
+  </p:timing>
 </p:sld>
 </file>
 
@@ -27253,7 +28591,7 @@
         </p:nvSpPr>
         <p:spPr>
           <a:xfrm>
-            <a:off x="1719186" y="2682338"/>
+            <a:off x="1680259" y="2440382"/>
             <a:ext cx="390420" cy="306180"/>
           </a:xfrm>
           <a:prstGeom prst="leftArrow">
@@ -27293,125 +28631,121 @@
           </a:p>
         </p:txBody>
       </p:sp>
-      <p:graphicFrame>
-        <p:nvGraphicFramePr>
-          <p:cNvPr id="2" name="표 1"/>
-          <p:cNvGraphicFramePr>
-            <a:graphicFrameLocks noGrp="1"/>
-          </p:cNvGraphicFramePr>
-          <p:nvPr>
-            <p:extLst/>
-          </p:nvPr>
-        </p:nvGraphicFramePr>
-        <p:xfrm>
-          <a:off x="4105499" y="3348355"/>
-          <a:ext cx="5360473" cy="1572774"/>
-        </p:xfrm>
-        <a:graphic>
-          <a:graphicData uri="http://schemas.openxmlformats.org/drawingml/2006/table">
-            <a:tbl>
-              <a:tblPr firstRow="1" bandRow="1">
-                <a:tableStyleId>{073A0DAA-6AF3-43AB-8588-CEC1D06C72B9}</a:tableStyleId>
-              </a:tblPr>
-              <a:tblGrid>
-                <a:gridCol w="5360473">
-                  <a:extLst>
-                    <a:ext uri="{9D8B030D-6E8A-4147-A177-3AD203B41FA5}">
-                      <a16:colId xmlns:a16="http://schemas.microsoft.com/office/drawing/2014/main" val="1343876024"/>
-                    </a:ext>
-                  </a:extLst>
-                </a:gridCol>
-              </a:tblGrid>
-              <a:tr h="786387">
-                <a:tc>
-                  <a:txBody>
-                    <a:bodyPr/>
-                    <a:lstStyle/>
-                    <a:p>
-                      <a:pPr algn="ctr" latinLnBrk="1"/>
-                      <a:r>
-                        <a:rPr lang="ko-KR" altLang="en-US" sz="4500" dirty="0" smtClean="0"/>
-                        <a:t>최저가 검색</a:t>
-                      </a:r>
-                      <a:endParaRPr lang="ko-KR" altLang="en-US" sz="4500" dirty="0"/>
-                    </a:p>
-                  </a:txBody>
-                  <a:tcPr/>
-                </a:tc>
-                <a:extLst>
-                  <a:ext uri="{0D108BD9-81ED-4DB2-BD59-A6C34878D82A}">
-                    <a16:rowId xmlns:a16="http://schemas.microsoft.com/office/drawing/2014/main" val="3181720835"/>
-                  </a:ext>
-                </a:extLst>
-              </a:tr>
-              <a:tr h="786387">
-                <a:tc>
-                  <a:txBody>
-                    <a:bodyPr/>
-                    <a:lstStyle/>
-                    <a:p>
-                      <a:pPr latinLnBrk="1"/>
-                      <a:endParaRPr lang="ko-KR" altLang="en-US" dirty="0"/>
-                    </a:p>
-                  </a:txBody>
-                  <a:tcPr/>
-                </a:tc>
-                <a:extLst>
-                  <a:ext uri="{0D108BD9-81ED-4DB2-BD59-A6C34878D82A}">
-                    <a16:rowId xmlns:a16="http://schemas.microsoft.com/office/drawing/2014/main" val="3768471557"/>
-                  </a:ext>
-                </a:extLst>
-              </a:tr>
-            </a:tbl>
-          </a:graphicData>
-        </a:graphic>
-      </p:graphicFrame>
       <p:sp>
         <p:nvSpPr>
-          <p:cNvPr id="5" name="오른쪽 화살표 4"/>
-          <p:cNvSpPr/>
+          <p:cNvPr id="2" name="TextBox 1"/>
+          <p:cNvSpPr txBox="1"/>
           <p:nvPr/>
         </p:nvSpPr>
         <p:spPr>
           <a:xfrm>
-            <a:off x="4327302" y="4314427"/>
-            <a:ext cx="515155" cy="386366"/>
+            <a:off x="1792355" y="1014608"/>
+            <a:ext cx="1420582" cy="369332"/>
           </a:xfrm>
-          <a:prstGeom prst="rightArrow">
+          <a:prstGeom prst="rect">
             <a:avLst/>
           </a:prstGeom>
-          <a:solidFill>
-            <a:schemeClr val="tx1"/>
-          </a:solidFill>
+          <a:noFill/>
         </p:spPr>
-        <p:style>
-          <a:lnRef idx="2">
-            <a:schemeClr val="accent1">
-              <a:shade val="50000"/>
-            </a:schemeClr>
-          </a:lnRef>
-          <a:fillRef idx="1">
-            <a:schemeClr val="accent1"/>
-          </a:fillRef>
-          <a:effectRef idx="0">
-            <a:schemeClr val="accent1"/>
-          </a:effectRef>
-          <a:fontRef idx="minor">
-            <a:schemeClr val="lt1"/>
-          </a:fontRef>
-        </p:style>
         <p:txBody>
-          <a:bodyPr rtlCol="0" anchor="ctr"/>
+          <a:bodyPr wrap="none" rtlCol="0">
+            <a:spAutoFit/>
+          </a:bodyPr>
           <a:lstStyle/>
           <a:p>
-            <a:pPr algn="ctr"/>
-            <a:endParaRPr lang="ko-KR" altLang="en-US"/>
+            <a:r>
+              <a:rPr lang="ko-KR" altLang="en-US" dirty="0" smtClean="0"/>
+              <a:t>등산로 추천</a:t>
+            </a:r>
+            <a:endParaRPr lang="ko-KR" altLang="en-US" dirty="0"/>
           </a:p>
         </p:txBody>
       </p:sp>
       <p:sp>
         <p:nvSpPr>
-          <p:cNvPr id="7" name="Rectangle 184"/>
+          <p:cNvPr id="44" name="TextBox 43"/>
+          <p:cNvSpPr txBox="1"/>
+          <p:nvPr/>
+        </p:nvSpPr>
+        <p:spPr>
+          <a:xfrm>
+            <a:off x="1694644" y="5923386"/>
+            <a:ext cx="10112345" cy="584775"/>
+          </a:xfrm>
+          <a:prstGeom prst="rect">
+            <a:avLst/>
+          </a:prstGeom>
+          <a:noFill/>
+        </p:spPr>
+        <p:txBody>
+          <a:bodyPr wrap="square" rtlCol="0">
+            <a:spAutoFit/>
+          </a:bodyPr>
+          <a:lstStyle/>
+          <a:p>
+            <a:r>
+              <a:rPr lang="ko-KR" altLang="en-US" sz="1600" dirty="0" smtClean="0">
+                <a:latin typeface="+mj-lt"/>
+              </a:rPr>
+              <a:t>등산로를 추천해주는 페이지이다</a:t>
+            </a:r>
+            <a:r>
+              <a:rPr lang="en-US" altLang="ko-KR" sz="1600" dirty="0" smtClean="0">
+                <a:latin typeface="+mj-lt"/>
+              </a:rPr>
+              <a:t>. </a:t>
+            </a:r>
+            <a:r>
+              <a:rPr lang="ko-KR" altLang="en-US" sz="1600" dirty="0" smtClean="0">
+                <a:latin typeface="+mj-lt"/>
+              </a:rPr>
+              <a:t>콤보 박스나 </a:t>
+            </a:r>
+            <a:r>
+              <a:rPr lang="en-US" altLang="ko-KR" sz="1600" dirty="0" smtClean="0">
+                <a:latin typeface="+mj-lt"/>
+              </a:rPr>
+              <a:t>select </a:t>
+            </a:r>
+            <a:r>
+              <a:rPr lang="ko-KR" altLang="en-US" sz="1600" dirty="0" smtClean="0">
+                <a:latin typeface="+mj-lt"/>
+              </a:rPr>
+              <a:t>기능을 이용하여 난이도</a:t>
+            </a:r>
+            <a:r>
+              <a:rPr lang="en-US" altLang="ko-KR" sz="1600" dirty="0" smtClean="0">
+                <a:latin typeface="+mj-lt"/>
+              </a:rPr>
+              <a:t>, </a:t>
+            </a:r>
+            <a:r>
+              <a:rPr lang="ko-KR" altLang="en-US" sz="1600" dirty="0" smtClean="0">
+                <a:latin typeface="+mj-lt"/>
+              </a:rPr>
+              <a:t>지역</a:t>
+            </a:r>
+            <a:r>
+              <a:rPr lang="en-US" altLang="ko-KR" sz="1600" dirty="0" smtClean="0">
+                <a:latin typeface="+mj-lt"/>
+              </a:rPr>
+              <a:t>, </a:t>
+            </a:r>
+            <a:r>
+              <a:rPr lang="ko-KR" altLang="en-US" sz="1600" dirty="0" smtClean="0">
+                <a:latin typeface="+mj-lt"/>
+              </a:rPr>
+              <a:t>산책로 길이 등의 옵션을 선택하고 검색 버튼을 누르면 하단에 있는 창에 </a:t>
+            </a:r>
+            <a:endParaRPr lang="ko-KR" altLang="en-US" sz="1600" dirty="0">
+              <a:latin typeface="+mj-lt"/>
+            </a:endParaRPr>
+          </a:p>
+        </p:txBody>
+      </p:sp>
+      <p:sp>
+        <p:nvSpPr>
+          <p:cNvPr id="34" name="Rectangle 846"/>
           <p:cNvSpPr>
             <a:spLocks noChangeArrowheads="1"/>
           </p:cNvSpPr>
@@ -27419,14 +28753,120 @@
         </p:nvSpPr>
         <p:spPr bwMode="auto">
           <a:xfrm>
-            <a:off x="4955439" y="4262911"/>
-            <a:ext cx="3080978" cy="502280"/>
+            <a:off x="5069108" y="1664851"/>
+            <a:ext cx="652463" cy="209550"/>
           </a:xfrm>
           <a:prstGeom prst="rect">
             <a:avLst/>
           </a:prstGeom>
+          <a:noFill/>
+          <a:ln w="9525">
+            <a:solidFill>
+              <a:schemeClr val="tx1"/>
+            </a:solidFill>
+            <a:miter lim="800000"/>
+            <a:headEnd/>
+            <a:tailEnd/>
+          </a:ln>
+          <a:effectLst/>
+          <a:extLst>
+            <a:ext uri="{909E8E84-426E-40DD-AFC4-6F175D3DCCD1}">
+              <a14:hiddenFill xmlns:a14="http://schemas.microsoft.com/office/drawing/2010/main">
+                <a:solidFill>
+                  <a:schemeClr val="accent1"/>
+                </a:solidFill>
+              </a14:hiddenFill>
+            </a:ext>
+            <a:ext uri="{AF507438-7753-43E0-B8FC-AC1667EBCBE1}">
+              <a14:hiddenEffects xmlns:a14="http://schemas.microsoft.com/office/drawing/2010/main">
+                <a:effectLst>
+                  <a:outerShdw dist="35921" dir="2700000" algn="ctr" rotWithShape="0">
+                    <a:schemeClr val="bg2"/>
+                  </a:outerShdw>
+                </a:effectLst>
+              </a14:hiddenEffects>
+            </a:ext>
+          </a:extLst>
+        </p:spPr>
+        <p:txBody>
+          <a:bodyPr wrap="none" anchor="ctr"/>
+          <a:lstStyle/>
+          <a:p>
+            <a:endParaRPr lang="ko-KR" altLang="en-US"/>
+          </a:p>
+        </p:txBody>
+      </p:sp>
+      <p:sp>
+        <p:nvSpPr>
+          <p:cNvPr id="35" name="Line 847"/>
+          <p:cNvSpPr>
+            <a:spLocks noChangeShapeType="1"/>
+          </p:cNvSpPr>
+          <p:nvPr/>
+        </p:nvSpPr>
+        <p:spPr bwMode="auto">
+          <a:xfrm>
+            <a:off x="5567583" y="1672788"/>
+            <a:ext cx="0" cy="200025"/>
+          </a:xfrm>
+          <a:prstGeom prst="line">
+            <a:avLst/>
+          </a:prstGeom>
+          <a:noFill/>
+          <a:ln w="9525">
+            <a:solidFill>
+              <a:schemeClr val="tx1"/>
+            </a:solidFill>
+            <a:round/>
+            <a:headEnd/>
+            <a:tailEnd/>
+          </a:ln>
+          <a:effectLst/>
+          <a:extLst>
+            <a:ext uri="{909E8E84-426E-40DD-AFC4-6F175D3DCCD1}">
+              <a14:hiddenFill xmlns:a14="http://schemas.microsoft.com/office/drawing/2010/main">
+                <a:noFill/>
+              </a14:hiddenFill>
+            </a:ext>
+            <a:ext uri="{AF507438-7753-43E0-B8FC-AC1667EBCBE1}">
+              <a14:hiddenEffects xmlns:a14="http://schemas.microsoft.com/office/drawing/2010/main">
+                <a:effectLst>
+                  <a:outerShdw dist="35921" dir="2700000" algn="ctr" rotWithShape="0">
+                    <a:schemeClr val="bg2"/>
+                  </a:outerShdw>
+                </a:effectLst>
+              </a14:hiddenEffects>
+            </a:ext>
+          </a:extLst>
+        </p:spPr>
+        <p:txBody>
+          <a:bodyPr/>
+          <a:lstStyle/>
+          <a:p>
+            <a:endParaRPr lang="ko-KR" altLang="en-US"/>
+          </a:p>
+        </p:txBody>
+      </p:sp>
+      <p:sp>
+        <p:nvSpPr>
+          <p:cNvPr id="36" name="AutoShape 848"/>
+          <p:cNvSpPr>
+            <a:spLocks noChangeArrowheads="1"/>
+          </p:cNvSpPr>
+          <p:nvPr/>
+        </p:nvSpPr>
+        <p:spPr bwMode="auto">
+          <a:xfrm rot="10943156">
+            <a:off x="5618383" y="1717238"/>
+            <a:ext cx="68263" cy="76200"/>
+          </a:xfrm>
+          <a:prstGeom prst="triangle">
+            <a:avLst>
+              <a:gd name="adj" fmla="val 50000"/>
+            </a:avLst>
+          </a:prstGeom>
           <a:solidFill>
-            <a:srgbClr val="EAEAEA"/>
+            <a:srgbClr val="000000"/>
           </a:solidFill>
           <a:ln w="9525">
             <a:solidFill>
@@ -27453,140 +28893,13 @@
           <a:bodyPr wrap="none" anchor="ctr"/>
           <a:lstStyle/>
           <a:p>
-            <a:pPr algn="ctr"/>
-            <a:endParaRPr lang="ko-KR" altLang="ko-KR" sz="1800"/>
+            <a:endParaRPr lang="ko-KR" altLang="en-US"/>
           </a:p>
         </p:txBody>
       </p:sp>
       <p:sp>
         <p:nvSpPr>
-          <p:cNvPr id="8" name="모서리가 둥근 직사각형 7"/>
-          <p:cNvSpPr/>
-          <p:nvPr/>
-        </p:nvSpPr>
-        <p:spPr>
-          <a:xfrm>
-            <a:off x="5574846" y="1715182"/>
-            <a:ext cx="2624856" cy="1273336"/>
-          </a:xfrm>
-          <a:prstGeom prst="roundRect">
-            <a:avLst/>
-          </a:prstGeom>
-          <a:ln>
-            <a:solidFill>
-              <a:schemeClr val="tx1"/>
-            </a:solidFill>
-          </a:ln>
-        </p:spPr>
-        <p:style>
-          <a:lnRef idx="2">
-            <a:schemeClr val="accent6"/>
-          </a:lnRef>
-          <a:fillRef idx="1">
-            <a:schemeClr val="lt1"/>
-          </a:fillRef>
-          <a:effectRef idx="0">
-            <a:schemeClr val="accent6"/>
-          </a:effectRef>
-          <a:fontRef idx="minor">
-            <a:schemeClr val="dk1"/>
-          </a:fontRef>
-        </p:style>
-        <p:txBody>
-          <a:bodyPr rtlCol="0" anchor="ctr"/>
-          <a:lstStyle/>
-          <a:p>
-            <a:pPr algn="ctr"/>
-            <a:endParaRPr lang="ko-KR" altLang="en-US" b="1" dirty="0">
-              <a:ln w="0"/>
-              <a:solidFill>
-                <a:schemeClr val="tx1"/>
-              </a:solidFill>
-              <a:effectLst>
-                <a:outerShdw blurRad="38100" dist="19050" dir="2700000" algn="tl" rotWithShape="0">
-                  <a:schemeClr val="dk1">
-                    <a:alpha val="40000"/>
-                  </a:schemeClr>
-                </a:outerShdw>
-              </a:effectLst>
-            </a:endParaRPr>
-          </a:p>
-        </p:txBody>
-      </p:sp>
-      <p:sp>
-        <p:nvSpPr>
-          <p:cNvPr id="9" name="모서리가 둥근 직사각형 8"/>
-          <p:cNvSpPr/>
-          <p:nvPr/>
-        </p:nvSpPr>
-        <p:spPr>
-          <a:xfrm>
-            <a:off x="5574846" y="1715182"/>
-            <a:ext cx="2624856" cy="305859"/>
-          </a:xfrm>
-          <a:prstGeom prst="roundRect">
-            <a:avLst/>
-          </a:prstGeom>
-          <a:ln>
-            <a:solidFill>
-              <a:schemeClr val="tx1"/>
-            </a:solidFill>
-          </a:ln>
-        </p:spPr>
-        <p:style>
-          <a:lnRef idx="2">
-            <a:schemeClr val="accent6"/>
-          </a:lnRef>
-          <a:fillRef idx="1">
-            <a:schemeClr val="lt1"/>
-          </a:fillRef>
-          <a:effectRef idx="0">
-            <a:schemeClr val="accent6"/>
-          </a:effectRef>
-          <a:fontRef idx="minor">
-            <a:schemeClr val="dk1"/>
-          </a:fontRef>
-        </p:style>
-        <p:txBody>
-          <a:bodyPr rtlCol="0" anchor="ctr"/>
-          <a:lstStyle/>
-          <a:p>
-            <a:pPr algn="ctr"/>
-            <a:r>
-              <a:rPr lang="ko-KR" altLang="en-US" smtClean="0">
-                <a:ln w="0"/>
-                <a:solidFill>
-                  <a:schemeClr val="tx1"/>
-                </a:solidFill>
-                <a:effectLst>
-                  <a:outerShdw blurRad="38100" dist="19050" dir="2700000" algn="tl" rotWithShape="0">
-                    <a:schemeClr val="dk1">
-                      <a:alpha val="40000"/>
-                    </a:schemeClr>
-                  </a:outerShdw>
-                </a:effectLst>
-              </a:rPr>
-              <a:t>카드 선택</a:t>
-            </a:r>
-            <a:endParaRPr lang="ko-KR" altLang="en-US" dirty="0">
-              <a:ln w="0"/>
-              <a:solidFill>
-                <a:schemeClr val="tx1"/>
-              </a:solidFill>
-              <a:effectLst>
-                <a:outerShdw blurRad="38100" dist="19050" dir="2700000" algn="tl" rotWithShape="0">
-                  <a:schemeClr val="dk1">
-                    <a:alpha val="40000"/>
-                  </a:schemeClr>
-                </a:outerShdw>
-              </a:effectLst>
-            </a:endParaRPr>
-          </a:p>
-        </p:txBody>
-      </p:sp>
-      <p:sp>
-        <p:nvSpPr>
-          <p:cNvPr id="15" name="Rectangle 184"/>
+          <p:cNvPr id="38" name="AutoShape 850"/>
           <p:cNvSpPr>
             <a:spLocks noChangeArrowheads="1"/>
           </p:cNvSpPr>
@@ -27594,14 +28907,589 @@
         </p:nvSpPr>
         <p:spPr bwMode="auto">
           <a:xfrm>
-            <a:off x="5845303" y="2164944"/>
-            <a:ext cx="297920" cy="241692"/>
+            <a:off x="8455850" y="1660065"/>
+            <a:ext cx="541337" cy="228600"/>
+          </a:xfrm>
+          <a:prstGeom prst="roundRect">
+            <a:avLst>
+              <a:gd name="adj" fmla="val 16667"/>
+            </a:avLst>
+          </a:prstGeom>
+          <a:solidFill>
+            <a:schemeClr val="bg1"/>
+          </a:solidFill>
+          <a:ln w="9525">
+            <a:solidFill>
+              <a:schemeClr val="tx1"/>
+            </a:solidFill>
+            <a:round/>
+            <a:headEnd/>
+            <a:tailEnd/>
+          </a:ln>
+          <a:effectLst/>
+          <a:extLst>
+            <a:ext uri="{AF507438-7753-43E0-B8FC-AC1667EBCBE1}">
+              <a14:hiddenEffects xmlns:a14="http://schemas.microsoft.com/office/drawing/2010/main">
+                <a:effectLst>
+                  <a:outerShdw dist="35921" dir="2700000" algn="ctr" rotWithShape="0">
+                    <a:schemeClr val="bg2"/>
+                  </a:outerShdw>
+                </a:effectLst>
+              </a14:hiddenEffects>
+            </a:ext>
+          </a:extLst>
+        </p:spPr>
+        <p:txBody>
+          <a:bodyPr wrap="none" anchor="ctr"/>
+          <a:lstStyle/>
+          <a:p>
+            <a:pPr algn="ctr"/>
+            <a:r>
+              <a:rPr lang="ko-KR" altLang="en-US" sz="900" dirty="0"/>
+              <a:t>검색</a:t>
+            </a:r>
+          </a:p>
+        </p:txBody>
+      </p:sp>
+      <p:sp>
+        <p:nvSpPr>
+          <p:cNvPr id="39" name="Text Box 851"/>
+          <p:cNvSpPr txBox="1">
+            <a:spLocks noChangeArrowheads="1"/>
+          </p:cNvSpPr>
+          <p:nvPr/>
+        </p:nvSpPr>
+        <p:spPr bwMode="auto">
+          <a:xfrm>
+            <a:off x="5069108" y="1680526"/>
+            <a:ext cx="530915" cy="230832"/>
           </a:xfrm>
           <a:prstGeom prst="rect">
             <a:avLst/>
           </a:prstGeom>
+          <a:noFill/>
+          <a:ln>
+            <a:noFill/>
+          </a:ln>
+          <a:effectLst/>
+          <a:extLst>
+            <a:ext uri="{909E8E84-426E-40DD-AFC4-6F175D3DCCD1}">
+              <a14:hiddenFill xmlns:a14="http://schemas.microsoft.com/office/drawing/2010/main">
+                <a:solidFill>
+                  <a:schemeClr val="accent1"/>
+                </a:solidFill>
+              </a14:hiddenFill>
+            </a:ext>
+            <a:ext uri="{91240B29-F687-4F45-9708-019B960494DF}">
+              <a14:hiddenLine xmlns:a14="http://schemas.microsoft.com/office/drawing/2010/main" w="9525">
+                <a:solidFill>
+                  <a:schemeClr val="tx1"/>
+                </a:solidFill>
+                <a:miter lim="800000"/>
+                <a:headEnd/>
+                <a:tailEnd/>
+              </a14:hiddenLine>
+            </a:ext>
+            <a:ext uri="{AF507438-7753-43E0-B8FC-AC1667EBCBE1}">
+              <a14:hiddenEffects xmlns:a14="http://schemas.microsoft.com/office/drawing/2010/main">
+                <a:effectLst>
+                  <a:outerShdw dist="35921" dir="2700000" algn="ctr" rotWithShape="0">
+                    <a:schemeClr val="bg2"/>
+                  </a:outerShdw>
+                </a:effectLst>
+              </a14:hiddenEffects>
+            </a:ext>
+          </a:extLst>
+        </p:spPr>
+        <p:txBody>
+          <a:bodyPr wrap="none">
+            <a:spAutoFit/>
+          </a:bodyPr>
+          <a:lstStyle/>
+          <a:p>
+            <a:r>
+              <a:rPr lang="ko-KR" altLang="en-US" sz="900" smtClean="0"/>
+              <a:t>난이도</a:t>
+            </a:r>
+            <a:endParaRPr lang="ko-KR" altLang="en-US" sz="900" dirty="0"/>
+          </a:p>
+        </p:txBody>
+      </p:sp>
+      <p:sp>
+        <p:nvSpPr>
+          <p:cNvPr id="18" name="Rectangle 846"/>
+          <p:cNvSpPr>
+            <a:spLocks noChangeArrowheads="1"/>
+          </p:cNvSpPr>
+          <p:nvPr/>
+        </p:nvSpPr>
+        <p:spPr bwMode="auto">
+          <a:xfrm>
+            <a:off x="5069108" y="1881315"/>
+            <a:ext cx="652463" cy="209550"/>
+          </a:xfrm>
+          <a:prstGeom prst="rect">
+            <a:avLst/>
+          </a:prstGeom>
+          <a:noFill/>
+          <a:ln w="9525">
+            <a:solidFill>
+              <a:schemeClr val="tx1"/>
+            </a:solidFill>
+            <a:miter lim="800000"/>
+            <a:headEnd/>
+            <a:tailEnd/>
+          </a:ln>
+          <a:effectLst/>
+          <a:extLst>
+            <a:ext uri="{909E8E84-426E-40DD-AFC4-6F175D3DCCD1}">
+              <a14:hiddenFill xmlns:a14="http://schemas.microsoft.com/office/drawing/2010/main">
+                <a:solidFill>
+                  <a:schemeClr val="accent1"/>
+                </a:solidFill>
+              </a14:hiddenFill>
+            </a:ext>
+            <a:ext uri="{AF507438-7753-43E0-B8FC-AC1667EBCBE1}">
+              <a14:hiddenEffects xmlns:a14="http://schemas.microsoft.com/office/drawing/2010/main">
+                <a:effectLst>
+                  <a:outerShdw dist="35921" dir="2700000" algn="ctr" rotWithShape="0">
+                    <a:schemeClr val="bg2"/>
+                  </a:outerShdw>
+                </a:effectLst>
+              </a14:hiddenEffects>
+            </a:ext>
+          </a:extLst>
+        </p:spPr>
+        <p:txBody>
+          <a:bodyPr wrap="none" anchor="ctr"/>
+          <a:lstStyle/>
+          <a:p>
+            <a:endParaRPr lang="ko-KR" altLang="en-US"/>
+          </a:p>
+        </p:txBody>
+      </p:sp>
+      <p:sp>
+        <p:nvSpPr>
+          <p:cNvPr id="20" name="Text Box 851"/>
+          <p:cNvSpPr txBox="1">
+            <a:spLocks noChangeArrowheads="1"/>
+          </p:cNvSpPr>
+          <p:nvPr/>
+        </p:nvSpPr>
+        <p:spPr bwMode="auto">
+          <a:xfrm>
+            <a:off x="5069108" y="1871790"/>
+            <a:ext cx="300082" cy="230832"/>
+          </a:xfrm>
+          <a:prstGeom prst="rect">
+            <a:avLst/>
+          </a:prstGeom>
+          <a:noFill/>
+          <a:ln>
+            <a:noFill/>
+          </a:ln>
+          <a:effectLst/>
+          <a:extLst>
+            <a:ext uri="{909E8E84-426E-40DD-AFC4-6F175D3DCCD1}">
+              <a14:hiddenFill xmlns:a14="http://schemas.microsoft.com/office/drawing/2010/main">
+                <a:solidFill>
+                  <a:schemeClr val="accent1"/>
+                </a:solidFill>
+              </a14:hiddenFill>
+            </a:ext>
+            <a:ext uri="{91240B29-F687-4F45-9708-019B960494DF}">
+              <a14:hiddenLine xmlns:a14="http://schemas.microsoft.com/office/drawing/2010/main" w="9525">
+                <a:solidFill>
+                  <a:schemeClr val="tx1"/>
+                </a:solidFill>
+                <a:miter lim="800000"/>
+                <a:headEnd/>
+                <a:tailEnd/>
+              </a14:hiddenLine>
+            </a:ext>
+            <a:ext uri="{AF507438-7753-43E0-B8FC-AC1667EBCBE1}">
+              <a14:hiddenEffects xmlns:a14="http://schemas.microsoft.com/office/drawing/2010/main">
+                <a:effectLst>
+                  <a:outerShdw dist="35921" dir="2700000" algn="ctr" rotWithShape="0">
+                    <a:schemeClr val="bg2"/>
+                  </a:outerShdw>
+                </a:effectLst>
+              </a14:hiddenEffects>
+            </a:ext>
+          </a:extLst>
+        </p:spPr>
+        <p:txBody>
+          <a:bodyPr wrap="none">
+            <a:spAutoFit/>
+          </a:bodyPr>
+          <a:lstStyle/>
+          <a:p>
+            <a:r>
+              <a:rPr lang="ko-KR" altLang="en-US" sz="900" dirty="0" smtClean="0"/>
+              <a:t>상</a:t>
+            </a:r>
+            <a:endParaRPr lang="ko-KR" altLang="en-US" sz="900" dirty="0"/>
+          </a:p>
+        </p:txBody>
+      </p:sp>
+      <p:sp>
+        <p:nvSpPr>
+          <p:cNvPr id="22" name="Rectangle 846"/>
+          <p:cNvSpPr>
+            <a:spLocks noChangeArrowheads="1"/>
+          </p:cNvSpPr>
+          <p:nvPr/>
+        </p:nvSpPr>
+        <p:spPr bwMode="auto">
+          <a:xfrm>
+            <a:off x="5069108" y="2095272"/>
+            <a:ext cx="652463" cy="209550"/>
+          </a:xfrm>
+          <a:prstGeom prst="rect">
+            <a:avLst/>
+          </a:prstGeom>
+          <a:noFill/>
+          <a:ln w="9525">
+            <a:solidFill>
+              <a:schemeClr val="tx1"/>
+            </a:solidFill>
+            <a:miter lim="800000"/>
+            <a:headEnd/>
+            <a:tailEnd/>
+          </a:ln>
+          <a:effectLst/>
+          <a:extLst>
+            <a:ext uri="{909E8E84-426E-40DD-AFC4-6F175D3DCCD1}">
+              <a14:hiddenFill xmlns:a14="http://schemas.microsoft.com/office/drawing/2010/main">
+                <a:solidFill>
+                  <a:schemeClr val="accent1"/>
+                </a:solidFill>
+              </a14:hiddenFill>
+            </a:ext>
+            <a:ext uri="{AF507438-7753-43E0-B8FC-AC1667EBCBE1}">
+              <a14:hiddenEffects xmlns:a14="http://schemas.microsoft.com/office/drawing/2010/main">
+                <a:effectLst>
+                  <a:outerShdw dist="35921" dir="2700000" algn="ctr" rotWithShape="0">
+                    <a:schemeClr val="bg2"/>
+                  </a:outerShdw>
+                </a:effectLst>
+              </a14:hiddenEffects>
+            </a:ext>
+          </a:extLst>
+        </p:spPr>
+        <p:txBody>
+          <a:bodyPr wrap="none" anchor="ctr"/>
+          <a:lstStyle/>
+          <a:p>
+            <a:endParaRPr lang="ko-KR" altLang="en-US"/>
+          </a:p>
+        </p:txBody>
+      </p:sp>
+      <p:sp>
+        <p:nvSpPr>
+          <p:cNvPr id="25" name="Text Box 851"/>
+          <p:cNvSpPr txBox="1">
+            <a:spLocks noChangeArrowheads="1"/>
+          </p:cNvSpPr>
+          <p:nvPr/>
+        </p:nvSpPr>
+        <p:spPr bwMode="auto">
+          <a:xfrm>
+            <a:off x="5069108" y="2085747"/>
+            <a:ext cx="300082" cy="230832"/>
+          </a:xfrm>
+          <a:prstGeom prst="rect">
+            <a:avLst/>
+          </a:prstGeom>
+          <a:noFill/>
+          <a:ln>
+            <a:noFill/>
+          </a:ln>
+          <a:effectLst/>
+          <a:extLst>
+            <a:ext uri="{909E8E84-426E-40DD-AFC4-6F175D3DCCD1}">
+              <a14:hiddenFill xmlns:a14="http://schemas.microsoft.com/office/drawing/2010/main">
+                <a:solidFill>
+                  <a:schemeClr val="accent1"/>
+                </a:solidFill>
+              </a14:hiddenFill>
+            </a:ext>
+            <a:ext uri="{91240B29-F687-4F45-9708-019B960494DF}">
+              <a14:hiddenLine xmlns:a14="http://schemas.microsoft.com/office/drawing/2010/main" w="9525">
+                <a:solidFill>
+                  <a:schemeClr val="tx1"/>
+                </a:solidFill>
+                <a:miter lim="800000"/>
+                <a:headEnd/>
+                <a:tailEnd/>
+              </a14:hiddenLine>
+            </a:ext>
+            <a:ext uri="{AF507438-7753-43E0-B8FC-AC1667EBCBE1}">
+              <a14:hiddenEffects xmlns:a14="http://schemas.microsoft.com/office/drawing/2010/main">
+                <a:effectLst>
+                  <a:outerShdw dist="35921" dir="2700000" algn="ctr" rotWithShape="0">
+                    <a:schemeClr val="bg2"/>
+                  </a:outerShdw>
+                </a:effectLst>
+              </a14:hiddenEffects>
+            </a:ext>
+          </a:extLst>
+        </p:spPr>
+        <p:txBody>
+          <a:bodyPr wrap="none">
+            <a:spAutoFit/>
+          </a:bodyPr>
+          <a:lstStyle/>
+          <a:p>
+            <a:r>
+              <a:rPr lang="ko-KR" altLang="en-US" sz="900" dirty="0" smtClean="0"/>
+              <a:t>중</a:t>
+            </a:r>
+            <a:endParaRPr lang="ko-KR" altLang="en-US" sz="900" dirty="0"/>
+          </a:p>
+        </p:txBody>
+      </p:sp>
+      <p:sp>
+        <p:nvSpPr>
+          <p:cNvPr id="26" name="Rectangle 846"/>
+          <p:cNvSpPr>
+            <a:spLocks noChangeArrowheads="1"/>
+          </p:cNvSpPr>
+          <p:nvPr/>
+        </p:nvSpPr>
+        <p:spPr bwMode="auto">
+          <a:xfrm>
+            <a:off x="5069108" y="2314347"/>
+            <a:ext cx="652463" cy="209550"/>
+          </a:xfrm>
+          <a:prstGeom prst="rect">
+            <a:avLst/>
+          </a:prstGeom>
+          <a:noFill/>
+          <a:ln w="9525">
+            <a:solidFill>
+              <a:schemeClr val="tx1"/>
+            </a:solidFill>
+            <a:miter lim="800000"/>
+            <a:headEnd/>
+            <a:tailEnd/>
+          </a:ln>
+          <a:effectLst/>
+          <a:extLst>
+            <a:ext uri="{909E8E84-426E-40DD-AFC4-6F175D3DCCD1}">
+              <a14:hiddenFill xmlns:a14="http://schemas.microsoft.com/office/drawing/2010/main">
+                <a:solidFill>
+                  <a:schemeClr val="accent1"/>
+                </a:solidFill>
+              </a14:hiddenFill>
+            </a:ext>
+            <a:ext uri="{AF507438-7753-43E0-B8FC-AC1667EBCBE1}">
+              <a14:hiddenEffects xmlns:a14="http://schemas.microsoft.com/office/drawing/2010/main">
+                <a:effectLst>
+                  <a:outerShdw dist="35921" dir="2700000" algn="ctr" rotWithShape="0">
+                    <a:schemeClr val="bg2"/>
+                  </a:outerShdw>
+                </a:effectLst>
+              </a14:hiddenEffects>
+            </a:ext>
+          </a:extLst>
+        </p:spPr>
+        <p:txBody>
+          <a:bodyPr wrap="none" anchor="ctr"/>
+          <a:lstStyle/>
+          <a:p>
+            <a:endParaRPr lang="ko-KR" altLang="en-US"/>
+          </a:p>
+        </p:txBody>
+      </p:sp>
+      <p:sp>
+        <p:nvSpPr>
+          <p:cNvPr id="27" name="Text Box 851"/>
+          <p:cNvSpPr txBox="1">
+            <a:spLocks noChangeArrowheads="1"/>
+          </p:cNvSpPr>
+          <p:nvPr/>
+        </p:nvSpPr>
+        <p:spPr bwMode="auto">
+          <a:xfrm>
+            <a:off x="5069108" y="2304822"/>
+            <a:ext cx="300082" cy="230832"/>
+          </a:xfrm>
+          <a:prstGeom prst="rect">
+            <a:avLst/>
+          </a:prstGeom>
+          <a:noFill/>
+          <a:ln>
+            <a:noFill/>
+          </a:ln>
+          <a:effectLst/>
+          <a:extLst>
+            <a:ext uri="{909E8E84-426E-40DD-AFC4-6F175D3DCCD1}">
+              <a14:hiddenFill xmlns:a14="http://schemas.microsoft.com/office/drawing/2010/main">
+                <a:solidFill>
+                  <a:schemeClr val="accent1"/>
+                </a:solidFill>
+              </a14:hiddenFill>
+            </a:ext>
+            <a:ext uri="{91240B29-F687-4F45-9708-019B960494DF}">
+              <a14:hiddenLine xmlns:a14="http://schemas.microsoft.com/office/drawing/2010/main" w="9525">
+                <a:solidFill>
+                  <a:schemeClr val="tx1"/>
+                </a:solidFill>
+                <a:miter lim="800000"/>
+                <a:headEnd/>
+                <a:tailEnd/>
+              </a14:hiddenLine>
+            </a:ext>
+            <a:ext uri="{AF507438-7753-43E0-B8FC-AC1667EBCBE1}">
+              <a14:hiddenEffects xmlns:a14="http://schemas.microsoft.com/office/drawing/2010/main">
+                <a:effectLst>
+                  <a:outerShdw dist="35921" dir="2700000" algn="ctr" rotWithShape="0">
+                    <a:schemeClr val="bg2"/>
+                  </a:outerShdw>
+                </a:effectLst>
+              </a14:hiddenEffects>
+            </a:ext>
+          </a:extLst>
+        </p:spPr>
+        <p:txBody>
+          <a:bodyPr wrap="none">
+            <a:spAutoFit/>
+          </a:bodyPr>
+          <a:lstStyle/>
+          <a:p>
+            <a:r>
+              <a:rPr lang="ko-KR" altLang="en-US" sz="900" dirty="0" smtClean="0"/>
+              <a:t>하</a:t>
+            </a:r>
+            <a:endParaRPr lang="ko-KR" altLang="en-US" sz="900" dirty="0"/>
+          </a:p>
+        </p:txBody>
+      </p:sp>
+      <p:sp>
+        <p:nvSpPr>
+          <p:cNvPr id="28" name="Rectangle 846"/>
+          <p:cNvSpPr>
+            <a:spLocks noChangeArrowheads="1"/>
+          </p:cNvSpPr>
+          <p:nvPr/>
+        </p:nvSpPr>
+        <p:spPr bwMode="auto">
+          <a:xfrm>
+            <a:off x="6048567" y="1664851"/>
+            <a:ext cx="652463" cy="209550"/>
+          </a:xfrm>
+          <a:prstGeom prst="rect">
+            <a:avLst/>
+          </a:prstGeom>
+          <a:noFill/>
+          <a:ln w="9525">
+            <a:solidFill>
+              <a:schemeClr val="tx1"/>
+            </a:solidFill>
+            <a:miter lim="800000"/>
+            <a:headEnd/>
+            <a:tailEnd/>
+          </a:ln>
+          <a:effectLst/>
+          <a:extLst>
+            <a:ext uri="{909E8E84-426E-40DD-AFC4-6F175D3DCCD1}">
+              <a14:hiddenFill xmlns:a14="http://schemas.microsoft.com/office/drawing/2010/main">
+                <a:solidFill>
+                  <a:schemeClr val="accent1"/>
+                </a:solidFill>
+              </a14:hiddenFill>
+            </a:ext>
+            <a:ext uri="{AF507438-7753-43E0-B8FC-AC1667EBCBE1}">
+              <a14:hiddenEffects xmlns:a14="http://schemas.microsoft.com/office/drawing/2010/main">
+                <a:effectLst>
+                  <a:outerShdw dist="35921" dir="2700000" algn="ctr" rotWithShape="0">
+                    <a:schemeClr val="bg2"/>
+                  </a:outerShdw>
+                </a:effectLst>
+              </a14:hiddenEffects>
+            </a:ext>
+          </a:extLst>
+        </p:spPr>
+        <p:txBody>
+          <a:bodyPr wrap="none" anchor="ctr"/>
+          <a:lstStyle/>
+          <a:p>
+            <a:endParaRPr lang="ko-KR" altLang="en-US"/>
+          </a:p>
+        </p:txBody>
+      </p:sp>
+      <p:sp>
+        <p:nvSpPr>
+          <p:cNvPr id="29" name="Line 847"/>
+          <p:cNvSpPr>
+            <a:spLocks noChangeShapeType="1"/>
+          </p:cNvSpPr>
+          <p:nvPr/>
+        </p:nvSpPr>
+        <p:spPr bwMode="auto">
+          <a:xfrm>
+            <a:off x="6547042" y="1672788"/>
+            <a:ext cx="0" cy="200025"/>
+          </a:xfrm>
+          <a:prstGeom prst="line">
+            <a:avLst/>
+          </a:prstGeom>
+          <a:noFill/>
+          <a:ln w="9525">
+            <a:solidFill>
+              <a:schemeClr val="tx1"/>
+            </a:solidFill>
+            <a:round/>
+            <a:headEnd/>
+            <a:tailEnd/>
+          </a:ln>
+          <a:effectLst/>
+          <a:extLst>
+            <a:ext uri="{909E8E84-426E-40DD-AFC4-6F175D3DCCD1}">
+              <a14:hiddenFill xmlns:a14="http://schemas.microsoft.com/office/drawing/2010/main">
+                <a:noFill/>
+              </a14:hiddenFill>
+            </a:ext>
+            <a:ext uri="{AF507438-7753-43E0-B8FC-AC1667EBCBE1}">
+              <a14:hiddenEffects xmlns:a14="http://schemas.microsoft.com/office/drawing/2010/main">
+                <a:effectLst>
+                  <a:outerShdw dist="35921" dir="2700000" algn="ctr" rotWithShape="0">
+                    <a:schemeClr val="bg2"/>
+                  </a:outerShdw>
+                </a:effectLst>
+              </a14:hiddenEffects>
+            </a:ext>
+          </a:extLst>
+        </p:spPr>
+        <p:txBody>
+          <a:bodyPr/>
+          <a:lstStyle/>
+          <a:p>
+            <a:endParaRPr lang="ko-KR" altLang="en-US"/>
+          </a:p>
+        </p:txBody>
+      </p:sp>
+      <p:sp>
+        <p:nvSpPr>
+          <p:cNvPr id="30" name="AutoShape 848"/>
+          <p:cNvSpPr>
+            <a:spLocks noChangeArrowheads="1"/>
+          </p:cNvSpPr>
+          <p:nvPr/>
+        </p:nvSpPr>
+        <p:spPr bwMode="auto">
+          <a:xfrm rot="10943156">
+            <a:off x="6597842" y="1717238"/>
+            <a:ext cx="68263" cy="76200"/>
+          </a:xfrm>
+          <a:prstGeom prst="triangle">
+            <a:avLst>
+              <a:gd name="adj" fmla="val 50000"/>
+            </a:avLst>
+          </a:prstGeom>
           <a:solidFill>
-            <a:srgbClr val="EAEAEA"/>
+            <a:srgbClr val="000000"/>
           </a:solidFill>
           <a:ln w="9525">
             <a:solidFill>
@@ -27628,44 +29516,77 @@
           <a:bodyPr wrap="none" anchor="ctr"/>
           <a:lstStyle/>
           <a:p>
-            <a:pPr algn="ctr"/>
-            <a:endParaRPr lang="ko-KR" altLang="ko-KR" sz="1800"/>
+            <a:endParaRPr lang="ko-KR" altLang="en-US"/>
           </a:p>
         </p:txBody>
       </p:sp>
       <p:sp>
         <p:nvSpPr>
-          <p:cNvPr id="6" name="TextBox 5"/>
-          <p:cNvSpPr txBox="1"/>
+          <p:cNvPr id="31" name="Text Box 851"/>
+          <p:cNvSpPr txBox="1">
+            <a:spLocks noChangeArrowheads="1"/>
+          </p:cNvSpPr>
           <p:nvPr/>
         </p:nvSpPr>
-        <p:spPr>
+        <p:spPr bwMode="auto">
           <a:xfrm>
-            <a:off x="6117465" y="2134825"/>
-            <a:ext cx="605308" cy="323165"/>
+            <a:off x="6048567" y="1680526"/>
+            <a:ext cx="415498" cy="230832"/>
           </a:xfrm>
           <a:prstGeom prst="rect">
             <a:avLst/>
           </a:prstGeom>
           <a:noFill/>
+          <a:ln>
+            <a:noFill/>
+          </a:ln>
+          <a:effectLst/>
+          <a:extLst>
+            <a:ext uri="{909E8E84-426E-40DD-AFC4-6F175D3DCCD1}">
+              <a14:hiddenFill xmlns:a14="http://schemas.microsoft.com/office/drawing/2010/main">
+                <a:solidFill>
+                  <a:schemeClr val="accent1"/>
+                </a:solidFill>
+              </a14:hiddenFill>
+            </a:ext>
+            <a:ext uri="{91240B29-F687-4F45-9708-019B960494DF}">
+              <a14:hiddenLine xmlns:a14="http://schemas.microsoft.com/office/drawing/2010/main" w="9525">
+                <a:solidFill>
+                  <a:schemeClr val="tx1"/>
+                </a:solidFill>
+                <a:miter lim="800000"/>
+                <a:headEnd/>
+                <a:tailEnd/>
+              </a14:hiddenLine>
+            </a:ext>
+            <a:ext uri="{AF507438-7753-43E0-B8FC-AC1667EBCBE1}">
+              <a14:hiddenEffects xmlns:a14="http://schemas.microsoft.com/office/drawing/2010/main">
+                <a:effectLst>
+                  <a:outerShdw dist="35921" dir="2700000" algn="ctr" rotWithShape="0">
+                    <a:schemeClr val="bg2"/>
+                  </a:outerShdw>
+                </a:effectLst>
+              </a14:hiddenEffects>
+            </a:ext>
+          </a:extLst>
         </p:spPr>
         <p:txBody>
-          <a:bodyPr wrap="square" rtlCol="0">
+          <a:bodyPr wrap="none">
             <a:spAutoFit/>
           </a:bodyPr>
           <a:lstStyle/>
           <a:p>
             <a:r>
-              <a:rPr lang="ko-KR" altLang="en-US" sz="1500" dirty="0" smtClean="0"/>
-              <a:t>신한</a:t>
-            </a:r>
-            <a:endParaRPr lang="ko-KR" altLang="en-US" sz="1500" dirty="0"/>
+              <a:rPr lang="ko-KR" altLang="en-US" sz="900" dirty="0" smtClean="0"/>
+              <a:t>지역</a:t>
+            </a:r>
+            <a:endParaRPr lang="ko-KR" altLang="en-US" sz="900" dirty="0"/>
           </a:p>
         </p:txBody>
       </p:sp>
       <p:sp>
         <p:nvSpPr>
-          <p:cNvPr id="17" name="Rectangle 184"/>
+          <p:cNvPr id="32" name="Rectangle 846"/>
           <p:cNvSpPr>
             <a:spLocks noChangeArrowheads="1"/>
           </p:cNvSpPr>
@@ -27673,14 +29594,471 @@
         </p:nvSpPr>
         <p:spPr bwMode="auto">
           <a:xfrm>
-            <a:off x="5843155" y="2510529"/>
-            <a:ext cx="297920" cy="241692"/>
+            <a:off x="6048567" y="1881315"/>
+            <a:ext cx="652463" cy="209550"/>
           </a:xfrm>
           <a:prstGeom prst="rect">
             <a:avLst/>
           </a:prstGeom>
+          <a:noFill/>
+          <a:ln w="9525">
+            <a:solidFill>
+              <a:schemeClr val="tx1"/>
+            </a:solidFill>
+            <a:miter lim="800000"/>
+            <a:headEnd/>
+            <a:tailEnd/>
+          </a:ln>
+          <a:effectLst/>
+          <a:extLst>
+            <a:ext uri="{909E8E84-426E-40DD-AFC4-6F175D3DCCD1}">
+              <a14:hiddenFill xmlns:a14="http://schemas.microsoft.com/office/drawing/2010/main">
+                <a:solidFill>
+                  <a:schemeClr val="accent1"/>
+                </a:solidFill>
+              </a14:hiddenFill>
+            </a:ext>
+            <a:ext uri="{AF507438-7753-43E0-B8FC-AC1667EBCBE1}">
+              <a14:hiddenEffects xmlns:a14="http://schemas.microsoft.com/office/drawing/2010/main">
+                <a:effectLst>
+                  <a:outerShdw dist="35921" dir="2700000" algn="ctr" rotWithShape="0">
+                    <a:schemeClr val="bg2"/>
+                  </a:outerShdw>
+                </a:effectLst>
+              </a14:hiddenEffects>
+            </a:ext>
+          </a:extLst>
+        </p:spPr>
+        <p:txBody>
+          <a:bodyPr wrap="none" anchor="ctr"/>
+          <a:lstStyle/>
+          <a:p>
+            <a:endParaRPr lang="ko-KR" altLang="en-US"/>
+          </a:p>
+        </p:txBody>
+      </p:sp>
+      <p:sp>
+        <p:nvSpPr>
+          <p:cNvPr id="33" name="Text Box 851"/>
+          <p:cNvSpPr txBox="1">
+            <a:spLocks noChangeArrowheads="1"/>
+          </p:cNvSpPr>
+          <p:nvPr/>
+        </p:nvSpPr>
+        <p:spPr bwMode="auto">
+          <a:xfrm>
+            <a:off x="6048567" y="1871790"/>
+            <a:ext cx="415498" cy="230832"/>
+          </a:xfrm>
+          <a:prstGeom prst="rect">
+            <a:avLst/>
+          </a:prstGeom>
+          <a:noFill/>
+          <a:ln>
+            <a:noFill/>
+          </a:ln>
+          <a:effectLst/>
+          <a:extLst>
+            <a:ext uri="{909E8E84-426E-40DD-AFC4-6F175D3DCCD1}">
+              <a14:hiddenFill xmlns:a14="http://schemas.microsoft.com/office/drawing/2010/main">
+                <a:solidFill>
+                  <a:schemeClr val="accent1"/>
+                </a:solidFill>
+              </a14:hiddenFill>
+            </a:ext>
+            <a:ext uri="{91240B29-F687-4F45-9708-019B960494DF}">
+              <a14:hiddenLine xmlns:a14="http://schemas.microsoft.com/office/drawing/2010/main" w="9525">
+                <a:solidFill>
+                  <a:schemeClr val="tx1"/>
+                </a:solidFill>
+                <a:miter lim="800000"/>
+                <a:headEnd/>
+                <a:tailEnd/>
+              </a14:hiddenLine>
+            </a:ext>
+            <a:ext uri="{AF507438-7753-43E0-B8FC-AC1667EBCBE1}">
+              <a14:hiddenEffects xmlns:a14="http://schemas.microsoft.com/office/drawing/2010/main">
+                <a:effectLst>
+                  <a:outerShdw dist="35921" dir="2700000" algn="ctr" rotWithShape="0">
+                    <a:schemeClr val="bg2"/>
+                  </a:outerShdw>
+                </a:effectLst>
+              </a14:hiddenEffects>
+            </a:ext>
+          </a:extLst>
+        </p:spPr>
+        <p:txBody>
+          <a:bodyPr wrap="none">
+            <a:spAutoFit/>
+          </a:bodyPr>
+          <a:lstStyle/>
+          <a:p>
+            <a:r>
+              <a:rPr lang="ko-KR" altLang="en-US" sz="900" dirty="0" smtClean="0"/>
+              <a:t>서울</a:t>
+            </a:r>
+            <a:endParaRPr lang="ko-KR" altLang="en-US" sz="900" dirty="0"/>
+          </a:p>
+        </p:txBody>
+      </p:sp>
+      <p:sp>
+        <p:nvSpPr>
+          <p:cNvPr id="40" name="Rectangle 846"/>
+          <p:cNvSpPr>
+            <a:spLocks noChangeArrowheads="1"/>
+          </p:cNvSpPr>
+          <p:nvPr/>
+        </p:nvSpPr>
+        <p:spPr bwMode="auto">
+          <a:xfrm>
+            <a:off x="6048567" y="2095272"/>
+            <a:ext cx="652463" cy="209550"/>
+          </a:xfrm>
+          <a:prstGeom prst="rect">
+            <a:avLst/>
+          </a:prstGeom>
+          <a:noFill/>
+          <a:ln w="9525">
+            <a:solidFill>
+              <a:schemeClr val="tx1"/>
+            </a:solidFill>
+            <a:miter lim="800000"/>
+            <a:headEnd/>
+            <a:tailEnd/>
+          </a:ln>
+          <a:effectLst/>
+          <a:extLst>
+            <a:ext uri="{909E8E84-426E-40DD-AFC4-6F175D3DCCD1}">
+              <a14:hiddenFill xmlns:a14="http://schemas.microsoft.com/office/drawing/2010/main">
+                <a:solidFill>
+                  <a:schemeClr val="accent1"/>
+                </a:solidFill>
+              </a14:hiddenFill>
+            </a:ext>
+            <a:ext uri="{AF507438-7753-43E0-B8FC-AC1667EBCBE1}">
+              <a14:hiddenEffects xmlns:a14="http://schemas.microsoft.com/office/drawing/2010/main">
+                <a:effectLst>
+                  <a:outerShdw dist="35921" dir="2700000" algn="ctr" rotWithShape="0">
+                    <a:schemeClr val="bg2"/>
+                  </a:outerShdw>
+                </a:effectLst>
+              </a14:hiddenEffects>
+            </a:ext>
+          </a:extLst>
+        </p:spPr>
+        <p:txBody>
+          <a:bodyPr wrap="none" anchor="ctr"/>
+          <a:lstStyle/>
+          <a:p>
+            <a:endParaRPr lang="ko-KR" altLang="en-US"/>
+          </a:p>
+        </p:txBody>
+      </p:sp>
+      <p:sp>
+        <p:nvSpPr>
+          <p:cNvPr id="41" name="Text Box 851"/>
+          <p:cNvSpPr txBox="1">
+            <a:spLocks noChangeArrowheads="1"/>
+          </p:cNvSpPr>
+          <p:nvPr/>
+        </p:nvSpPr>
+        <p:spPr bwMode="auto">
+          <a:xfrm>
+            <a:off x="6048567" y="2085747"/>
+            <a:ext cx="415498" cy="230832"/>
+          </a:xfrm>
+          <a:prstGeom prst="rect">
+            <a:avLst/>
+          </a:prstGeom>
+          <a:noFill/>
+          <a:ln>
+            <a:noFill/>
+          </a:ln>
+          <a:effectLst/>
+          <a:extLst>
+            <a:ext uri="{909E8E84-426E-40DD-AFC4-6F175D3DCCD1}">
+              <a14:hiddenFill xmlns:a14="http://schemas.microsoft.com/office/drawing/2010/main">
+                <a:solidFill>
+                  <a:schemeClr val="accent1"/>
+                </a:solidFill>
+              </a14:hiddenFill>
+            </a:ext>
+            <a:ext uri="{91240B29-F687-4F45-9708-019B960494DF}">
+              <a14:hiddenLine xmlns:a14="http://schemas.microsoft.com/office/drawing/2010/main" w="9525">
+                <a:solidFill>
+                  <a:schemeClr val="tx1"/>
+                </a:solidFill>
+                <a:miter lim="800000"/>
+                <a:headEnd/>
+                <a:tailEnd/>
+              </a14:hiddenLine>
+            </a:ext>
+            <a:ext uri="{AF507438-7753-43E0-B8FC-AC1667EBCBE1}">
+              <a14:hiddenEffects xmlns:a14="http://schemas.microsoft.com/office/drawing/2010/main">
+                <a:effectLst>
+                  <a:outerShdw dist="35921" dir="2700000" algn="ctr" rotWithShape="0">
+                    <a:schemeClr val="bg2"/>
+                  </a:outerShdw>
+                </a:effectLst>
+              </a14:hiddenEffects>
+            </a:ext>
+          </a:extLst>
+        </p:spPr>
+        <p:txBody>
+          <a:bodyPr wrap="none">
+            <a:spAutoFit/>
+          </a:bodyPr>
+          <a:lstStyle/>
+          <a:p>
+            <a:r>
+              <a:rPr lang="ko-KR" altLang="en-US" sz="900" dirty="0" smtClean="0"/>
+              <a:t>경기</a:t>
+            </a:r>
+            <a:endParaRPr lang="ko-KR" altLang="en-US" sz="900" dirty="0"/>
+          </a:p>
+        </p:txBody>
+      </p:sp>
+      <p:sp>
+        <p:nvSpPr>
+          <p:cNvPr id="42" name="Rectangle 846"/>
+          <p:cNvSpPr>
+            <a:spLocks noChangeArrowheads="1"/>
+          </p:cNvSpPr>
+          <p:nvPr/>
+        </p:nvSpPr>
+        <p:spPr bwMode="auto">
+          <a:xfrm>
+            <a:off x="6048567" y="2314347"/>
+            <a:ext cx="652463" cy="209550"/>
+          </a:xfrm>
+          <a:prstGeom prst="rect">
+            <a:avLst/>
+          </a:prstGeom>
+          <a:noFill/>
+          <a:ln w="9525">
+            <a:solidFill>
+              <a:schemeClr val="tx1"/>
+            </a:solidFill>
+            <a:miter lim="800000"/>
+            <a:headEnd/>
+            <a:tailEnd/>
+          </a:ln>
+          <a:effectLst/>
+          <a:extLst>
+            <a:ext uri="{909E8E84-426E-40DD-AFC4-6F175D3DCCD1}">
+              <a14:hiddenFill xmlns:a14="http://schemas.microsoft.com/office/drawing/2010/main">
+                <a:solidFill>
+                  <a:schemeClr val="accent1"/>
+                </a:solidFill>
+              </a14:hiddenFill>
+            </a:ext>
+            <a:ext uri="{AF507438-7753-43E0-B8FC-AC1667EBCBE1}">
+              <a14:hiddenEffects xmlns:a14="http://schemas.microsoft.com/office/drawing/2010/main">
+                <a:effectLst>
+                  <a:outerShdw dist="35921" dir="2700000" algn="ctr" rotWithShape="0">
+                    <a:schemeClr val="bg2"/>
+                  </a:outerShdw>
+                </a:effectLst>
+              </a14:hiddenEffects>
+            </a:ext>
+          </a:extLst>
+        </p:spPr>
+        <p:txBody>
+          <a:bodyPr wrap="none" anchor="ctr"/>
+          <a:lstStyle/>
+          <a:p>
+            <a:endParaRPr lang="ko-KR" altLang="en-US"/>
+          </a:p>
+        </p:txBody>
+      </p:sp>
+      <p:sp>
+        <p:nvSpPr>
+          <p:cNvPr id="43" name="Text Box 851"/>
+          <p:cNvSpPr txBox="1">
+            <a:spLocks noChangeArrowheads="1"/>
+          </p:cNvSpPr>
+          <p:nvPr/>
+        </p:nvSpPr>
+        <p:spPr bwMode="auto">
+          <a:xfrm>
+            <a:off x="6048567" y="2304822"/>
+            <a:ext cx="646331" cy="230832"/>
+          </a:xfrm>
+          <a:prstGeom prst="rect">
+            <a:avLst/>
+          </a:prstGeom>
+          <a:noFill/>
+          <a:ln>
+            <a:noFill/>
+          </a:ln>
+          <a:effectLst/>
+          <a:extLst>
+            <a:ext uri="{909E8E84-426E-40DD-AFC4-6F175D3DCCD1}">
+              <a14:hiddenFill xmlns:a14="http://schemas.microsoft.com/office/drawing/2010/main">
+                <a:solidFill>
+                  <a:schemeClr val="accent1"/>
+                </a:solidFill>
+              </a14:hiddenFill>
+            </a:ext>
+            <a:ext uri="{91240B29-F687-4F45-9708-019B960494DF}">
+              <a14:hiddenLine xmlns:a14="http://schemas.microsoft.com/office/drawing/2010/main" w="9525">
+                <a:solidFill>
+                  <a:schemeClr val="tx1"/>
+                </a:solidFill>
+                <a:miter lim="800000"/>
+                <a:headEnd/>
+                <a:tailEnd/>
+              </a14:hiddenLine>
+            </a:ext>
+            <a:ext uri="{AF507438-7753-43E0-B8FC-AC1667EBCBE1}">
+              <a14:hiddenEffects xmlns:a14="http://schemas.microsoft.com/office/drawing/2010/main">
+                <a:effectLst>
+                  <a:outerShdw dist="35921" dir="2700000" algn="ctr" rotWithShape="0">
+                    <a:schemeClr val="bg2"/>
+                  </a:outerShdw>
+                </a:effectLst>
+              </a14:hiddenEffects>
+            </a:ext>
+          </a:extLst>
+        </p:spPr>
+        <p:txBody>
+          <a:bodyPr wrap="none">
+            <a:spAutoFit/>
+          </a:bodyPr>
+          <a:lstStyle/>
+          <a:p>
+            <a:r>
+              <a:rPr lang="ko-KR" altLang="en-US" sz="900" dirty="0" smtClean="0"/>
+              <a:t>충청남도</a:t>
+            </a:r>
+            <a:endParaRPr lang="ko-KR" altLang="en-US" sz="900" dirty="0"/>
+          </a:p>
+        </p:txBody>
+      </p:sp>
+      <p:sp>
+        <p:nvSpPr>
+          <p:cNvPr id="45" name="Rectangle 846"/>
+          <p:cNvSpPr>
+            <a:spLocks noChangeArrowheads="1"/>
+          </p:cNvSpPr>
+          <p:nvPr/>
+        </p:nvSpPr>
+        <p:spPr bwMode="auto">
+          <a:xfrm>
+            <a:off x="6902613" y="1672201"/>
+            <a:ext cx="978071" cy="202200"/>
+          </a:xfrm>
+          <a:prstGeom prst="rect">
+            <a:avLst/>
+          </a:prstGeom>
+          <a:noFill/>
+          <a:ln w="9525">
+            <a:solidFill>
+              <a:schemeClr val="tx1"/>
+            </a:solidFill>
+            <a:miter lim="800000"/>
+            <a:headEnd/>
+            <a:tailEnd/>
+          </a:ln>
+          <a:effectLst/>
+          <a:extLst>
+            <a:ext uri="{909E8E84-426E-40DD-AFC4-6F175D3DCCD1}">
+              <a14:hiddenFill xmlns:a14="http://schemas.microsoft.com/office/drawing/2010/main">
+                <a:solidFill>
+                  <a:schemeClr val="accent1"/>
+                </a:solidFill>
+              </a14:hiddenFill>
+            </a:ext>
+            <a:ext uri="{AF507438-7753-43E0-B8FC-AC1667EBCBE1}">
+              <a14:hiddenEffects xmlns:a14="http://schemas.microsoft.com/office/drawing/2010/main">
+                <a:effectLst>
+                  <a:outerShdw dist="35921" dir="2700000" algn="ctr" rotWithShape="0">
+                    <a:schemeClr val="bg2"/>
+                  </a:outerShdw>
+                </a:effectLst>
+              </a14:hiddenEffects>
+            </a:ext>
+          </a:extLst>
+        </p:spPr>
+        <p:txBody>
+          <a:bodyPr wrap="none" anchor="ctr"/>
+          <a:lstStyle/>
+          <a:p>
+            <a:endParaRPr lang="ko-KR" altLang="en-US"/>
+          </a:p>
+        </p:txBody>
+      </p:sp>
+      <p:sp>
+        <p:nvSpPr>
+          <p:cNvPr id="47" name="Line 847"/>
+          <p:cNvSpPr>
+            <a:spLocks noChangeShapeType="1"/>
+          </p:cNvSpPr>
+          <p:nvPr/>
+        </p:nvSpPr>
+        <p:spPr bwMode="auto">
+          <a:xfrm>
+            <a:off x="7665780" y="1679804"/>
+            <a:ext cx="0" cy="193009"/>
+          </a:xfrm>
+          <a:prstGeom prst="line">
+            <a:avLst/>
+          </a:prstGeom>
+          <a:noFill/>
+          <a:ln w="9525">
+            <a:solidFill>
+              <a:schemeClr val="tx1"/>
+            </a:solidFill>
+            <a:round/>
+            <a:headEnd/>
+            <a:tailEnd/>
+          </a:ln>
+          <a:effectLst/>
+          <a:extLst>
+            <a:ext uri="{909E8E84-426E-40DD-AFC4-6F175D3DCCD1}">
+              <a14:hiddenFill xmlns:a14="http://schemas.microsoft.com/office/drawing/2010/main">
+                <a:noFill/>
+              </a14:hiddenFill>
+            </a:ext>
+            <a:ext uri="{AF507438-7753-43E0-B8FC-AC1667EBCBE1}">
+              <a14:hiddenEffects xmlns:a14="http://schemas.microsoft.com/office/drawing/2010/main">
+                <a:effectLst>
+                  <a:outerShdw dist="35921" dir="2700000" algn="ctr" rotWithShape="0">
+                    <a:schemeClr val="bg2"/>
+                  </a:outerShdw>
+                </a:effectLst>
+              </a14:hiddenEffects>
+            </a:ext>
+          </a:extLst>
+        </p:spPr>
+        <p:txBody>
+          <a:bodyPr/>
+          <a:lstStyle/>
+          <a:p>
+            <a:endParaRPr lang="ko-KR" altLang="en-US"/>
+          </a:p>
+        </p:txBody>
+      </p:sp>
+      <p:sp>
+        <p:nvSpPr>
+          <p:cNvPr id="48" name="AutoShape 848"/>
+          <p:cNvSpPr>
+            <a:spLocks noChangeArrowheads="1"/>
+          </p:cNvSpPr>
+          <p:nvPr/>
+        </p:nvSpPr>
+        <p:spPr bwMode="auto">
+          <a:xfrm rot="10943156">
+            <a:off x="7716508" y="1720618"/>
+            <a:ext cx="102329" cy="73527"/>
+          </a:xfrm>
+          <a:prstGeom prst="triangle">
+            <a:avLst>
+              <a:gd name="adj" fmla="val 50000"/>
+            </a:avLst>
+          </a:prstGeom>
           <a:solidFill>
-            <a:srgbClr val="EAEAEA"/>
+            <a:srgbClr val="000000"/>
           </a:solidFill>
           <a:ln w="9525">
             <a:solidFill>
@@ -27707,44 +30085,77 @@
           <a:bodyPr wrap="none" anchor="ctr"/>
           <a:lstStyle/>
           <a:p>
-            <a:pPr algn="ctr"/>
-            <a:endParaRPr lang="ko-KR" altLang="ko-KR" sz="1800"/>
+            <a:endParaRPr lang="ko-KR" altLang="en-US"/>
           </a:p>
         </p:txBody>
       </p:sp>
       <p:sp>
         <p:nvSpPr>
-          <p:cNvPr id="18" name="TextBox 17"/>
-          <p:cNvSpPr txBox="1"/>
+          <p:cNvPr id="49" name="Text Box 851"/>
+          <p:cNvSpPr txBox="1">
+            <a:spLocks noChangeArrowheads="1"/>
+          </p:cNvSpPr>
           <p:nvPr/>
         </p:nvSpPr>
-        <p:spPr>
+        <p:spPr bwMode="auto">
           <a:xfrm>
-            <a:off x="6115317" y="2480410"/>
-            <a:ext cx="605308" cy="323165"/>
+            <a:off x="6902613" y="1680526"/>
+            <a:ext cx="801823" cy="230832"/>
           </a:xfrm>
           <a:prstGeom prst="rect">
             <a:avLst/>
           </a:prstGeom>
           <a:noFill/>
+          <a:ln>
+            <a:noFill/>
+          </a:ln>
+          <a:effectLst/>
+          <a:extLst>
+            <a:ext uri="{909E8E84-426E-40DD-AFC4-6F175D3DCCD1}">
+              <a14:hiddenFill xmlns:a14="http://schemas.microsoft.com/office/drawing/2010/main">
+                <a:solidFill>
+                  <a:schemeClr val="accent1"/>
+                </a:solidFill>
+              </a14:hiddenFill>
+            </a:ext>
+            <a:ext uri="{91240B29-F687-4F45-9708-019B960494DF}">
+              <a14:hiddenLine xmlns:a14="http://schemas.microsoft.com/office/drawing/2010/main" w="9525">
+                <a:solidFill>
+                  <a:schemeClr val="tx1"/>
+                </a:solidFill>
+                <a:miter lim="800000"/>
+                <a:headEnd/>
+                <a:tailEnd/>
+              </a14:hiddenLine>
+            </a:ext>
+            <a:ext uri="{AF507438-7753-43E0-B8FC-AC1667EBCBE1}">
+              <a14:hiddenEffects xmlns:a14="http://schemas.microsoft.com/office/drawing/2010/main">
+                <a:effectLst>
+                  <a:outerShdw dist="35921" dir="2700000" algn="ctr" rotWithShape="0">
+                    <a:schemeClr val="bg2"/>
+                  </a:outerShdw>
+                </a:effectLst>
+              </a14:hiddenEffects>
+            </a:ext>
+          </a:extLst>
         </p:spPr>
         <p:txBody>
-          <a:bodyPr wrap="square" rtlCol="0">
+          <a:bodyPr wrap="none">
             <a:spAutoFit/>
           </a:bodyPr>
           <a:lstStyle/>
           <a:p>
             <a:r>
-              <a:rPr lang="ko-KR" altLang="en-US" sz="1500" dirty="0" smtClean="0"/>
-              <a:t>우리</a:t>
-            </a:r>
-            <a:endParaRPr lang="ko-KR" altLang="en-US" sz="1500" dirty="0"/>
+              <a:rPr lang="ko-KR" altLang="en-US" sz="900" dirty="0" smtClean="0"/>
+              <a:t>산책로 길이</a:t>
+            </a:r>
+            <a:endParaRPr lang="ko-KR" altLang="en-US" sz="900" dirty="0"/>
           </a:p>
         </p:txBody>
       </p:sp>
       <p:sp>
         <p:nvSpPr>
-          <p:cNvPr id="19" name="Rectangle 184"/>
+          <p:cNvPr id="50" name="Rectangle 846"/>
           <p:cNvSpPr>
             <a:spLocks noChangeArrowheads="1"/>
           </p:cNvSpPr>
@@ -27752,15 +30163,13 @@
         </p:nvSpPr>
         <p:spPr bwMode="auto">
           <a:xfrm>
-            <a:off x="7000106" y="2186407"/>
-            <a:ext cx="297920" cy="241692"/>
+            <a:off x="6902613" y="1888665"/>
+            <a:ext cx="978071" cy="202200"/>
           </a:xfrm>
           <a:prstGeom prst="rect">
             <a:avLst/>
           </a:prstGeom>
-          <a:solidFill>
-            <a:srgbClr val="EAEAEA"/>
-          </a:solidFill>
+          <a:noFill/>
           <a:ln w="9525">
             <a:solidFill>
               <a:schemeClr val="tx1"/>
@@ -27771,6 +30180,13 @@
           </a:ln>
           <a:effectLst/>
           <a:extLst>
+            <a:ext uri="{909E8E84-426E-40DD-AFC4-6F175D3DCCD1}">
+              <a14:hiddenFill xmlns:a14="http://schemas.microsoft.com/office/drawing/2010/main">
+                <a:solidFill>
+                  <a:schemeClr val="accent1"/>
+                </a:solidFill>
+              </a14:hiddenFill>
+            </a:ext>
             <a:ext uri="{AF507438-7753-43E0-B8FC-AC1667EBCBE1}">
               <a14:hiddenEffects xmlns:a14="http://schemas.microsoft.com/office/drawing/2010/main">
                 <a:effectLst>
@@ -27786,44 +30202,77 @@
           <a:bodyPr wrap="none" anchor="ctr"/>
           <a:lstStyle/>
           <a:p>
-            <a:pPr algn="ctr"/>
-            <a:endParaRPr lang="ko-KR" altLang="ko-KR" sz="1800"/>
+            <a:endParaRPr lang="ko-KR" altLang="en-US"/>
           </a:p>
         </p:txBody>
       </p:sp>
       <p:sp>
         <p:nvSpPr>
-          <p:cNvPr id="20" name="TextBox 19"/>
-          <p:cNvSpPr txBox="1"/>
+          <p:cNvPr id="51" name="Text Box 851"/>
+          <p:cNvSpPr txBox="1">
+            <a:spLocks noChangeArrowheads="1"/>
+          </p:cNvSpPr>
           <p:nvPr/>
         </p:nvSpPr>
-        <p:spPr>
+        <p:spPr bwMode="auto">
           <a:xfrm>
-            <a:off x="7272268" y="2156288"/>
-            <a:ext cx="927434" cy="323165"/>
+            <a:off x="6902612" y="1879808"/>
+            <a:ext cx="790071" cy="230832"/>
           </a:xfrm>
           <a:prstGeom prst="rect">
             <a:avLst/>
           </a:prstGeom>
           <a:noFill/>
+          <a:ln>
+            <a:noFill/>
+          </a:ln>
+          <a:effectLst/>
+          <a:extLst>
+            <a:ext uri="{909E8E84-426E-40DD-AFC4-6F175D3DCCD1}">
+              <a14:hiddenFill xmlns:a14="http://schemas.microsoft.com/office/drawing/2010/main">
+                <a:solidFill>
+                  <a:schemeClr val="accent1"/>
+                </a:solidFill>
+              </a14:hiddenFill>
+            </a:ext>
+            <a:ext uri="{91240B29-F687-4F45-9708-019B960494DF}">
+              <a14:hiddenLine xmlns:a14="http://schemas.microsoft.com/office/drawing/2010/main" w="9525">
+                <a:solidFill>
+                  <a:schemeClr val="tx1"/>
+                </a:solidFill>
+                <a:miter lim="800000"/>
+                <a:headEnd/>
+                <a:tailEnd/>
+              </a14:hiddenLine>
+            </a:ext>
+            <a:ext uri="{AF507438-7753-43E0-B8FC-AC1667EBCBE1}">
+              <a14:hiddenEffects xmlns:a14="http://schemas.microsoft.com/office/drawing/2010/main">
+                <a:effectLst>
+                  <a:outerShdw dist="35921" dir="2700000" algn="ctr" rotWithShape="0">
+                    <a:schemeClr val="bg2"/>
+                  </a:outerShdw>
+                </a:effectLst>
+              </a14:hiddenEffects>
+            </a:ext>
+          </a:extLst>
         </p:spPr>
         <p:txBody>
-          <a:bodyPr wrap="square" rtlCol="0">
+          <a:bodyPr wrap="square">
             <a:spAutoFit/>
           </a:bodyPr>
           <a:lstStyle/>
           <a:p>
             <a:r>
-              <a:rPr lang="ko-KR" altLang="en-US" sz="1500" dirty="0" smtClean="0"/>
-              <a:t>하나</a:t>
-            </a:r>
-            <a:endParaRPr lang="ko-KR" altLang="en-US" sz="1500" dirty="0"/>
+              <a:rPr lang="en-US" altLang="ko-KR" sz="900" dirty="0" smtClean="0"/>
+              <a:t>0~3km</a:t>
+            </a:r>
+            <a:endParaRPr lang="ko-KR" altLang="en-US" sz="900" dirty="0"/>
           </a:p>
         </p:txBody>
       </p:sp>
       <p:sp>
         <p:nvSpPr>
-          <p:cNvPr id="21" name="Rectangle 184"/>
+          <p:cNvPr id="52" name="Rectangle 846"/>
           <p:cNvSpPr>
             <a:spLocks noChangeArrowheads="1"/>
           </p:cNvSpPr>
@@ -27831,15 +30280,13 @@
         </p:nvSpPr>
         <p:spPr bwMode="auto">
           <a:xfrm>
-            <a:off x="7010837" y="2506234"/>
-            <a:ext cx="297920" cy="241692"/>
+            <a:off x="6902613" y="2102622"/>
+            <a:ext cx="978071" cy="202200"/>
           </a:xfrm>
           <a:prstGeom prst="rect">
             <a:avLst/>
           </a:prstGeom>
-          <a:solidFill>
-            <a:srgbClr val="EAEAEA"/>
-          </a:solidFill>
+          <a:noFill/>
           <a:ln w="9525">
             <a:solidFill>
               <a:schemeClr val="tx1"/>
@@ -27850,6 +30297,13 @@
           </a:ln>
           <a:effectLst/>
           <a:extLst>
+            <a:ext uri="{909E8E84-426E-40DD-AFC4-6F175D3DCCD1}">
+              <a14:hiddenFill xmlns:a14="http://schemas.microsoft.com/office/drawing/2010/main">
+                <a:solidFill>
+                  <a:schemeClr val="accent1"/>
+                </a:solidFill>
+              </a14:hiddenFill>
+            </a:ext>
             <a:ext uri="{AF507438-7753-43E0-B8FC-AC1667EBCBE1}">
               <a14:hiddenEffects xmlns:a14="http://schemas.microsoft.com/office/drawing/2010/main">
                 <a:effectLst>
@@ -27865,44 +30319,77 @@
           <a:bodyPr wrap="none" anchor="ctr"/>
           <a:lstStyle/>
           <a:p>
-            <a:pPr algn="ctr"/>
-            <a:endParaRPr lang="ko-KR" altLang="ko-KR" sz="1800"/>
+            <a:endParaRPr lang="ko-KR" altLang="en-US"/>
           </a:p>
         </p:txBody>
       </p:sp>
       <p:sp>
         <p:nvSpPr>
-          <p:cNvPr id="22" name="TextBox 21"/>
-          <p:cNvSpPr txBox="1"/>
+          <p:cNvPr id="53" name="Text Box 851"/>
+          <p:cNvSpPr txBox="1">
+            <a:spLocks noChangeArrowheads="1"/>
+          </p:cNvSpPr>
           <p:nvPr/>
         </p:nvSpPr>
-        <p:spPr>
+        <p:spPr bwMode="auto">
           <a:xfrm>
-            <a:off x="7282999" y="2476115"/>
-            <a:ext cx="817812" cy="323165"/>
+            <a:off x="6902612" y="2093765"/>
+            <a:ext cx="790071" cy="230832"/>
           </a:xfrm>
           <a:prstGeom prst="rect">
             <a:avLst/>
           </a:prstGeom>
           <a:noFill/>
+          <a:ln>
+            <a:noFill/>
+          </a:ln>
+          <a:effectLst/>
+          <a:extLst>
+            <a:ext uri="{909E8E84-426E-40DD-AFC4-6F175D3DCCD1}">
+              <a14:hiddenFill xmlns:a14="http://schemas.microsoft.com/office/drawing/2010/main">
+                <a:solidFill>
+                  <a:schemeClr val="accent1"/>
+                </a:solidFill>
+              </a14:hiddenFill>
+            </a:ext>
+            <a:ext uri="{91240B29-F687-4F45-9708-019B960494DF}">
+              <a14:hiddenLine xmlns:a14="http://schemas.microsoft.com/office/drawing/2010/main" w="9525">
+                <a:solidFill>
+                  <a:schemeClr val="tx1"/>
+                </a:solidFill>
+                <a:miter lim="800000"/>
+                <a:headEnd/>
+                <a:tailEnd/>
+              </a14:hiddenLine>
+            </a:ext>
+            <a:ext uri="{AF507438-7753-43E0-B8FC-AC1667EBCBE1}">
+              <a14:hiddenEffects xmlns:a14="http://schemas.microsoft.com/office/drawing/2010/main">
+                <a:effectLst>
+                  <a:outerShdw dist="35921" dir="2700000" algn="ctr" rotWithShape="0">
+                    <a:schemeClr val="bg2"/>
+                  </a:outerShdw>
+                </a:effectLst>
+              </a14:hiddenEffects>
+            </a:ext>
+          </a:extLst>
         </p:spPr>
         <p:txBody>
-          <a:bodyPr wrap="square" rtlCol="0">
+          <a:bodyPr wrap="square">
             <a:spAutoFit/>
           </a:bodyPr>
           <a:lstStyle/>
           <a:p>
             <a:r>
-              <a:rPr lang="ko-KR" altLang="en-US" sz="1500" dirty="0" smtClean="0"/>
-              <a:t>국민</a:t>
-            </a:r>
-            <a:endParaRPr lang="ko-KR" altLang="en-US" sz="1500" dirty="0"/>
+              <a:rPr lang="en-US" altLang="ko-KR" sz="900" dirty="0" smtClean="0"/>
+              <a:t>3~5km</a:t>
+            </a:r>
+            <a:endParaRPr lang="ko-KR" altLang="en-US" sz="900" dirty="0"/>
           </a:p>
         </p:txBody>
       </p:sp>
       <p:sp>
         <p:nvSpPr>
-          <p:cNvPr id="25" name="AutoShape 147"/>
+          <p:cNvPr id="54" name="Rectangle 846"/>
           <p:cNvSpPr>
             <a:spLocks noChangeArrowheads="1"/>
           </p:cNvSpPr>
@@ -27910,253 +30397,627 @@
         </p:nvSpPr>
         <p:spPr bwMode="auto">
           <a:xfrm>
-            <a:off x="8300586" y="4284918"/>
-            <a:ext cx="894930" cy="428757"/>
+            <a:off x="6902613" y="2321697"/>
+            <a:ext cx="978071" cy="202200"/>
           </a:xfrm>
-          <a:prstGeom prst="roundRect">
-            <a:avLst>
-              <a:gd name="adj" fmla="val 16667"/>
-            </a:avLst>
+          <a:prstGeom prst="rect">
+            <a:avLst/>
           </a:prstGeom>
-          <a:solidFill>
-            <a:schemeClr val="bg1"/>
-          </a:solidFill>
+          <a:noFill/>
           <a:ln w="9525">
             <a:solidFill>
               <a:schemeClr val="tx1"/>
             </a:solidFill>
-            <a:round/>
+            <a:miter lim="800000"/>
             <a:headEnd/>
             <a:tailEnd/>
           </a:ln>
+          <a:effectLst/>
+          <a:extLst>
+            <a:ext uri="{909E8E84-426E-40DD-AFC4-6F175D3DCCD1}">
+              <a14:hiddenFill xmlns:a14="http://schemas.microsoft.com/office/drawing/2010/main">
+                <a:solidFill>
+                  <a:schemeClr val="accent1"/>
+                </a:solidFill>
+              </a14:hiddenFill>
+            </a:ext>
+            <a:ext uri="{AF507438-7753-43E0-B8FC-AC1667EBCBE1}">
+              <a14:hiddenEffects xmlns:a14="http://schemas.microsoft.com/office/drawing/2010/main">
+                <a:effectLst>
+                  <a:outerShdw dist="35921" dir="2700000" algn="ctr" rotWithShape="0">
+                    <a:schemeClr val="bg2"/>
+                  </a:outerShdw>
+                </a:effectLst>
+              </a14:hiddenEffects>
+            </a:ext>
+          </a:extLst>
         </p:spPr>
         <p:txBody>
           <a:bodyPr wrap="none" anchor="ctr"/>
-          <a:lstStyle>
-            <a:lvl1pPr>
-              <a:defRPr kumimoji="1" sz="2400">
-                <a:solidFill>
-                  <a:schemeClr val="tx1"/>
-                </a:solidFill>
-                <a:latin typeface="굴림" pitchFamily="50" charset="-127"/>
-                <a:ea typeface="굴림" pitchFamily="50" charset="-127"/>
-              </a:defRPr>
-            </a:lvl1pPr>
-            <a:lvl2pPr marL="742950" indent="-285750">
-              <a:defRPr kumimoji="1" sz="2400">
-                <a:solidFill>
-                  <a:schemeClr val="tx1"/>
-                </a:solidFill>
-                <a:latin typeface="굴림" pitchFamily="50" charset="-127"/>
-                <a:ea typeface="굴림" pitchFamily="50" charset="-127"/>
-              </a:defRPr>
-            </a:lvl2pPr>
-            <a:lvl3pPr marL="1143000" indent="-228600">
-              <a:defRPr kumimoji="1" sz="2400">
-                <a:solidFill>
-                  <a:schemeClr val="tx1"/>
-                </a:solidFill>
-                <a:latin typeface="굴림" pitchFamily="50" charset="-127"/>
-                <a:ea typeface="굴림" pitchFamily="50" charset="-127"/>
-              </a:defRPr>
-            </a:lvl3pPr>
-            <a:lvl4pPr marL="1600200" indent="-228600">
-              <a:defRPr kumimoji="1" sz="2400">
-                <a:solidFill>
-                  <a:schemeClr val="tx1"/>
-                </a:solidFill>
-                <a:latin typeface="굴림" pitchFamily="50" charset="-127"/>
-                <a:ea typeface="굴림" pitchFamily="50" charset="-127"/>
-              </a:defRPr>
-            </a:lvl4pPr>
-            <a:lvl5pPr marL="2057400" indent="-228600">
-              <a:defRPr kumimoji="1" sz="2400">
-                <a:solidFill>
-                  <a:schemeClr val="tx1"/>
-                </a:solidFill>
-                <a:latin typeface="굴림" pitchFamily="50" charset="-127"/>
-                <a:ea typeface="굴림" pitchFamily="50" charset="-127"/>
-              </a:defRPr>
-            </a:lvl5pPr>
-            <a:lvl6pPr marL="2514600" indent="-228600" fontAlgn="base">
-              <a:spcBef>
-                <a:spcPct val="0"/>
-              </a:spcBef>
-              <a:spcAft>
-                <a:spcPct val="0"/>
-              </a:spcAft>
-              <a:defRPr kumimoji="1" sz="2400">
-                <a:solidFill>
-                  <a:schemeClr val="tx1"/>
-                </a:solidFill>
-                <a:latin typeface="굴림" pitchFamily="50" charset="-127"/>
-                <a:ea typeface="굴림" pitchFamily="50" charset="-127"/>
-              </a:defRPr>
-            </a:lvl6pPr>
-            <a:lvl7pPr marL="2971800" indent="-228600" fontAlgn="base">
-              <a:spcBef>
-                <a:spcPct val="0"/>
-              </a:spcBef>
-              <a:spcAft>
-                <a:spcPct val="0"/>
-              </a:spcAft>
-              <a:defRPr kumimoji="1" sz="2400">
-                <a:solidFill>
-                  <a:schemeClr val="tx1"/>
-                </a:solidFill>
-                <a:latin typeface="굴림" pitchFamily="50" charset="-127"/>
-                <a:ea typeface="굴림" pitchFamily="50" charset="-127"/>
-              </a:defRPr>
-            </a:lvl7pPr>
-            <a:lvl8pPr marL="3429000" indent="-228600" fontAlgn="base">
-              <a:spcBef>
-                <a:spcPct val="0"/>
-              </a:spcBef>
-              <a:spcAft>
-                <a:spcPct val="0"/>
-              </a:spcAft>
-              <a:defRPr kumimoji="1" sz="2400">
-                <a:solidFill>
-                  <a:schemeClr val="tx1"/>
-                </a:solidFill>
-                <a:latin typeface="굴림" pitchFamily="50" charset="-127"/>
-                <a:ea typeface="굴림" pitchFamily="50" charset="-127"/>
-              </a:defRPr>
-            </a:lvl8pPr>
-            <a:lvl9pPr marL="3886200" indent="-228600" fontAlgn="base">
-              <a:spcBef>
-                <a:spcPct val="0"/>
-              </a:spcBef>
-              <a:spcAft>
-                <a:spcPct val="0"/>
-              </a:spcAft>
-              <a:defRPr kumimoji="1" sz="2400">
-                <a:solidFill>
-                  <a:schemeClr val="tx1"/>
-                </a:solidFill>
-                <a:latin typeface="굴림" pitchFamily="50" charset="-127"/>
-                <a:ea typeface="굴림" pitchFamily="50" charset="-127"/>
-              </a:defRPr>
-            </a:lvl9pPr>
-          </a:lstStyle>
+          <a:lstStyle/>
           <a:p>
-            <a:pPr algn="ctr"/>
-            <a:r>
-              <a:rPr lang="ko-KR" altLang="en-US" sz="1600" dirty="0" smtClean="0">
-                <a:latin typeface="맑은 고딕" panose="020B0503020000020004" pitchFamily="50" charset="-127"/>
-                <a:ea typeface="맑은 고딕" panose="020B0503020000020004" pitchFamily="50" charset="-127"/>
-              </a:rPr>
-              <a:t>검색</a:t>
-            </a:r>
-            <a:endParaRPr lang="ko-KR" altLang="en-US" sz="1600" dirty="0">
-              <a:latin typeface="맑은 고딕" panose="020B0503020000020004" pitchFamily="50" charset="-127"/>
-              <a:ea typeface="맑은 고딕" panose="020B0503020000020004" pitchFamily="50" charset="-127"/>
-            </a:endParaRPr>
+            <a:endParaRPr lang="ko-KR" altLang="en-US"/>
           </a:p>
         </p:txBody>
       </p:sp>
       <p:sp>
         <p:nvSpPr>
-          <p:cNvPr id="26" name="TextBox 25"/>
-          <p:cNvSpPr txBox="1"/>
+          <p:cNvPr id="55" name="Text Box 851"/>
+          <p:cNvSpPr txBox="1">
+            <a:spLocks noChangeArrowheads="1"/>
+          </p:cNvSpPr>
           <p:nvPr/>
         </p:nvSpPr>
-        <p:spPr>
+        <p:spPr bwMode="auto">
           <a:xfrm>
-            <a:off x="1694644" y="5923386"/>
-            <a:ext cx="10112345" cy="830997"/>
+            <a:off x="6902612" y="2312840"/>
+            <a:ext cx="790071" cy="230832"/>
           </a:xfrm>
           <a:prstGeom prst="rect">
             <a:avLst/>
           </a:prstGeom>
           <a:noFill/>
+          <a:ln>
+            <a:noFill/>
+          </a:ln>
+          <a:effectLst/>
+          <a:extLst>
+            <a:ext uri="{909E8E84-426E-40DD-AFC4-6F175D3DCCD1}">
+              <a14:hiddenFill xmlns:a14="http://schemas.microsoft.com/office/drawing/2010/main">
+                <a:solidFill>
+                  <a:schemeClr val="accent1"/>
+                </a:solidFill>
+              </a14:hiddenFill>
+            </a:ext>
+            <a:ext uri="{91240B29-F687-4F45-9708-019B960494DF}">
+              <a14:hiddenLine xmlns:a14="http://schemas.microsoft.com/office/drawing/2010/main" w="9525">
+                <a:solidFill>
+                  <a:schemeClr val="tx1"/>
+                </a:solidFill>
+                <a:miter lim="800000"/>
+                <a:headEnd/>
+                <a:tailEnd/>
+              </a14:hiddenLine>
+            </a:ext>
+            <a:ext uri="{AF507438-7753-43E0-B8FC-AC1667EBCBE1}">
+              <a14:hiddenEffects xmlns:a14="http://schemas.microsoft.com/office/drawing/2010/main">
+                <a:effectLst>
+                  <a:outerShdw dist="35921" dir="2700000" algn="ctr" rotWithShape="0">
+                    <a:schemeClr val="bg2"/>
+                  </a:outerShdw>
+                </a:effectLst>
+              </a14:hiddenEffects>
+            </a:ext>
+          </a:extLst>
         </p:spPr>
         <p:txBody>
-          <a:bodyPr wrap="square" rtlCol="0">
+          <a:bodyPr wrap="square">
             <a:spAutoFit/>
           </a:bodyPr>
           <a:lstStyle/>
           <a:p>
             <a:r>
-              <a:rPr lang="ko-KR" altLang="en-US" sz="1600" dirty="0" smtClean="0"/>
-              <a:t>우선</a:t>
-            </a:r>
-            <a:r>
-              <a:rPr lang="en-US" altLang="ko-KR" sz="1600" dirty="0" smtClean="0"/>
-              <a:t>, User</a:t>
-            </a:r>
-            <a:r>
-              <a:rPr lang="ko-KR" altLang="en-US" sz="1600" dirty="0" smtClean="0"/>
-              <a:t>가 소유하고 있는 카드를 체크박스 형태로 입력 받고 검색하고자 하는 항목</a:t>
-            </a:r>
-            <a:r>
-              <a:rPr lang="en-US" altLang="ko-KR" sz="1600" dirty="0" smtClean="0"/>
-              <a:t>(</a:t>
-            </a:r>
-            <a:r>
-              <a:rPr lang="ko-KR" altLang="en-US" sz="1600" dirty="0" smtClean="0"/>
-              <a:t>물건</a:t>
-            </a:r>
-            <a:r>
-              <a:rPr lang="en-US" altLang="ko-KR" sz="1600" dirty="0" smtClean="0"/>
-              <a:t>)</a:t>
-            </a:r>
-            <a:r>
-              <a:rPr lang="ko-KR" altLang="en-US" sz="1600" dirty="0" smtClean="0"/>
-              <a:t>을 입력한 뒤</a:t>
-            </a:r>
-            <a:r>
-              <a:rPr lang="en-US" altLang="ko-KR" sz="1600" dirty="0" smtClean="0"/>
-              <a:t>, </a:t>
-            </a:r>
-            <a:r>
-              <a:rPr lang="ko-KR" altLang="en-US" sz="1600" dirty="0" smtClean="0"/>
-              <a:t>검색 버튼을 누르는 페이지이다</a:t>
-            </a:r>
-            <a:r>
-              <a:rPr lang="en-US" altLang="ko-KR" sz="1600" dirty="0" smtClean="0"/>
-              <a:t>. </a:t>
-            </a:r>
-            <a:r>
-              <a:rPr lang="ko-KR" altLang="en-US" sz="1600" dirty="0" smtClean="0"/>
-              <a:t>카드는 </a:t>
-            </a:r>
-            <a:r>
-              <a:rPr lang="en-US" altLang="ko-KR" sz="1600" dirty="0" smtClean="0"/>
-              <a:t>1</a:t>
-            </a:r>
-            <a:r>
-              <a:rPr lang="ko-KR" altLang="en-US" sz="1600" dirty="0" smtClean="0"/>
-              <a:t>개 이상으로 받을 수 있으며</a:t>
-            </a:r>
-            <a:r>
-              <a:rPr lang="en-US" altLang="ko-KR" sz="1600" dirty="0" smtClean="0"/>
-              <a:t>, </a:t>
-            </a:r>
-            <a:r>
-              <a:rPr lang="ko-KR" altLang="en-US" sz="1600" dirty="0" smtClean="0"/>
-              <a:t>복수로 카드를 </a:t>
-            </a:r>
-            <a:r>
-              <a:rPr lang="ko-KR" altLang="en-US" sz="1600" dirty="0" err="1" smtClean="0"/>
-              <a:t>입력받았을</a:t>
-            </a:r>
-            <a:r>
-              <a:rPr lang="ko-KR" altLang="en-US" sz="1600" dirty="0" smtClean="0"/>
-              <a:t> 때 선택한 카드들의 항목별 할인된 가격을 다음 페이지에서 보여줄 수 있다</a:t>
-            </a:r>
-            <a:r>
-              <a:rPr lang="en-US" altLang="ko-KR" sz="1600" dirty="0" smtClean="0"/>
-              <a:t>.</a:t>
-            </a:r>
-            <a:endParaRPr lang="ko-KR" altLang="en-US" sz="1600" dirty="0"/>
+              <a:rPr lang="en-US" altLang="ko-KR" sz="900" dirty="0" smtClean="0"/>
+              <a:t>5~10km</a:t>
+            </a:r>
+            <a:endParaRPr lang="ko-KR" altLang="en-US" sz="900" dirty="0"/>
           </a:p>
         </p:txBody>
       </p:sp>
+      <p:sp>
+        <p:nvSpPr>
+          <p:cNvPr id="56" name="Rectangle 846"/>
+          <p:cNvSpPr>
+            <a:spLocks noChangeArrowheads="1"/>
+          </p:cNvSpPr>
+          <p:nvPr/>
+        </p:nvSpPr>
+        <p:spPr bwMode="auto">
+          <a:xfrm>
+            <a:off x="6048567" y="2542947"/>
+            <a:ext cx="652463" cy="209550"/>
+          </a:xfrm>
+          <a:prstGeom prst="rect">
+            <a:avLst/>
+          </a:prstGeom>
+          <a:noFill/>
+          <a:ln w="9525">
+            <a:solidFill>
+              <a:schemeClr val="tx1"/>
+            </a:solidFill>
+            <a:miter lim="800000"/>
+            <a:headEnd/>
+            <a:tailEnd/>
+          </a:ln>
+          <a:effectLst/>
+          <a:extLst>
+            <a:ext uri="{909E8E84-426E-40DD-AFC4-6F175D3DCCD1}">
+              <a14:hiddenFill xmlns:a14="http://schemas.microsoft.com/office/drawing/2010/main">
+                <a:solidFill>
+                  <a:schemeClr val="accent1"/>
+                </a:solidFill>
+              </a14:hiddenFill>
+            </a:ext>
+            <a:ext uri="{AF507438-7753-43E0-B8FC-AC1667EBCBE1}">
+              <a14:hiddenEffects xmlns:a14="http://schemas.microsoft.com/office/drawing/2010/main">
+                <a:effectLst>
+                  <a:outerShdw dist="35921" dir="2700000" algn="ctr" rotWithShape="0">
+                    <a:schemeClr val="bg2"/>
+                  </a:outerShdw>
+                </a:effectLst>
+              </a14:hiddenEffects>
+            </a:ext>
+          </a:extLst>
+        </p:spPr>
+        <p:txBody>
+          <a:bodyPr wrap="none" anchor="ctr"/>
+          <a:lstStyle/>
+          <a:p>
+            <a:endParaRPr lang="ko-KR" altLang="en-US"/>
+          </a:p>
+        </p:txBody>
+      </p:sp>
+      <p:sp>
+        <p:nvSpPr>
+          <p:cNvPr id="57" name="Text Box 851"/>
+          <p:cNvSpPr txBox="1">
+            <a:spLocks noChangeArrowheads="1"/>
+          </p:cNvSpPr>
+          <p:nvPr/>
+        </p:nvSpPr>
+        <p:spPr bwMode="auto">
+          <a:xfrm>
+            <a:off x="6048567" y="2533422"/>
+            <a:ext cx="646331" cy="230832"/>
+          </a:xfrm>
+          <a:prstGeom prst="rect">
+            <a:avLst/>
+          </a:prstGeom>
+          <a:noFill/>
+          <a:ln>
+            <a:noFill/>
+          </a:ln>
+          <a:effectLst/>
+          <a:extLst>
+            <a:ext uri="{909E8E84-426E-40DD-AFC4-6F175D3DCCD1}">
+              <a14:hiddenFill xmlns:a14="http://schemas.microsoft.com/office/drawing/2010/main">
+                <a:solidFill>
+                  <a:schemeClr val="accent1"/>
+                </a:solidFill>
+              </a14:hiddenFill>
+            </a:ext>
+            <a:ext uri="{91240B29-F687-4F45-9708-019B960494DF}">
+              <a14:hiddenLine xmlns:a14="http://schemas.microsoft.com/office/drawing/2010/main" w="9525">
+                <a:solidFill>
+                  <a:schemeClr val="tx1"/>
+                </a:solidFill>
+                <a:miter lim="800000"/>
+                <a:headEnd/>
+                <a:tailEnd/>
+              </a14:hiddenLine>
+            </a:ext>
+            <a:ext uri="{AF507438-7753-43E0-B8FC-AC1667EBCBE1}">
+              <a14:hiddenEffects xmlns:a14="http://schemas.microsoft.com/office/drawing/2010/main">
+                <a:effectLst>
+                  <a:outerShdw dist="35921" dir="2700000" algn="ctr" rotWithShape="0">
+                    <a:schemeClr val="bg2"/>
+                  </a:outerShdw>
+                </a:effectLst>
+              </a14:hiddenEffects>
+            </a:ext>
+          </a:extLst>
+        </p:spPr>
+        <p:txBody>
+          <a:bodyPr wrap="none">
+            <a:spAutoFit/>
+          </a:bodyPr>
+          <a:lstStyle/>
+          <a:p>
+            <a:r>
+              <a:rPr lang="ko-KR" altLang="en-US" sz="900" dirty="0" smtClean="0"/>
+              <a:t>전라남도</a:t>
+            </a:r>
+            <a:endParaRPr lang="ko-KR" altLang="en-US" sz="900" dirty="0"/>
+          </a:p>
+        </p:txBody>
+      </p:sp>
+      <p:graphicFrame>
+        <p:nvGraphicFramePr>
+          <p:cNvPr id="4" name="표 3"/>
+          <p:cNvGraphicFramePr>
+            <a:graphicFrameLocks noGrp="1"/>
+          </p:cNvGraphicFramePr>
+          <p:nvPr>
+            <p:extLst/>
+          </p:nvPr>
+        </p:nvGraphicFramePr>
+        <p:xfrm>
+          <a:off x="3547339" y="3279800"/>
+          <a:ext cx="5999405" cy="1209176"/>
+        </p:xfrm>
+        <a:graphic>
+          <a:graphicData uri="http://schemas.openxmlformats.org/drawingml/2006/table">
+            <a:tbl>
+              <a:tblPr firstRow="1" bandRow="1">
+                <a:tableStyleId>{8EC20E35-A176-4012-BC5E-935CFFF8708E}</a:tableStyleId>
+              </a:tblPr>
+              <a:tblGrid>
+                <a:gridCol w="1199881">
+                  <a:extLst>
+                    <a:ext uri="{9D8B030D-6E8A-4147-A177-3AD203B41FA5}">
+                      <a16:colId xmlns:a16="http://schemas.microsoft.com/office/drawing/2014/main" val="2482730125"/>
+                    </a:ext>
+                  </a:extLst>
+                </a:gridCol>
+                <a:gridCol w="1199881">
+                  <a:extLst>
+                    <a:ext uri="{9D8B030D-6E8A-4147-A177-3AD203B41FA5}">
+                      <a16:colId xmlns:a16="http://schemas.microsoft.com/office/drawing/2014/main" val="1956752158"/>
+                    </a:ext>
+                  </a:extLst>
+                </a:gridCol>
+                <a:gridCol w="1199881">
+                  <a:extLst>
+                    <a:ext uri="{9D8B030D-6E8A-4147-A177-3AD203B41FA5}">
+                      <a16:colId xmlns:a16="http://schemas.microsoft.com/office/drawing/2014/main" val="3357170369"/>
+                    </a:ext>
+                  </a:extLst>
+                </a:gridCol>
+                <a:gridCol w="1199881">
+                  <a:extLst>
+                    <a:ext uri="{9D8B030D-6E8A-4147-A177-3AD203B41FA5}">
+                      <a16:colId xmlns:a16="http://schemas.microsoft.com/office/drawing/2014/main" val="741607952"/>
+                    </a:ext>
+                  </a:extLst>
+                </a:gridCol>
+                <a:gridCol w="1199881">
+                  <a:extLst>
+                    <a:ext uri="{9D8B030D-6E8A-4147-A177-3AD203B41FA5}">
+                      <a16:colId xmlns:a16="http://schemas.microsoft.com/office/drawing/2014/main" val="2614785431"/>
+                    </a:ext>
+                  </a:extLst>
+                </a:gridCol>
+              </a:tblGrid>
+              <a:tr h="298868">
+                <a:tc>
+                  <a:txBody>
+                    <a:bodyPr/>
+                    <a:lstStyle/>
+                    <a:p>
+                      <a:pPr latinLnBrk="1"/>
+                      <a:r>
+                        <a:rPr lang="ko-KR" altLang="en-US" sz="1500" dirty="0" smtClean="0"/>
+                        <a:t>산책로</a:t>
+                      </a:r>
+                      <a:r>
+                        <a:rPr lang="ko-KR" altLang="en-US" sz="1500" baseline="0" dirty="0" smtClean="0"/>
+                        <a:t> 이름</a:t>
+                      </a:r>
+                      <a:endParaRPr lang="ko-KR" altLang="en-US" sz="1500" dirty="0"/>
+                    </a:p>
+                  </a:txBody>
+                  <a:tcPr marL="73693" marR="73693" marT="36847" marB="36847"/>
+                </a:tc>
+                <a:tc>
+                  <a:txBody>
+                    <a:bodyPr/>
+                    <a:lstStyle/>
+                    <a:p>
+                      <a:pPr latinLnBrk="1"/>
+                      <a:r>
+                        <a:rPr lang="ko-KR" altLang="en-US" sz="1500" dirty="0" smtClean="0"/>
+                        <a:t>산 이름</a:t>
+                      </a:r>
+                      <a:endParaRPr lang="ko-KR" altLang="en-US" sz="1500" dirty="0"/>
+                    </a:p>
+                  </a:txBody>
+                  <a:tcPr marL="73693" marR="73693" marT="36847" marB="36847"/>
+                </a:tc>
+                <a:tc>
+                  <a:txBody>
+                    <a:bodyPr/>
+                    <a:lstStyle/>
+                    <a:p>
+                      <a:pPr latinLnBrk="1"/>
+                      <a:r>
+                        <a:rPr lang="ko-KR" altLang="en-US" sz="1500" dirty="0" smtClean="0"/>
+                        <a:t>지역</a:t>
+                      </a:r>
+                      <a:endParaRPr lang="ko-KR" altLang="en-US" sz="1500" dirty="0"/>
+                    </a:p>
+                  </a:txBody>
+                  <a:tcPr marL="73693" marR="73693" marT="36847" marB="36847"/>
+                </a:tc>
+                <a:tc>
+                  <a:txBody>
+                    <a:bodyPr/>
+                    <a:lstStyle/>
+                    <a:p>
+                      <a:pPr latinLnBrk="1"/>
+                      <a:r>
+                        <a:rPr lang="ko-KR" altLang="en-US" sz="1500" dirty="0" smtClean="0"/>
+                        <a:t>난이도</a:t>
+                      </a:r>
+                      <a:endParaRPr lang="ko-KR" altLang="en-US" sz="1500" dirty="0"/>
+                    </a:p>
+                  </a:txBody>
+                  <a:tcPr marL="73693" marR="73693" marT="36847" marB="36847"/>
+                </a:tc>
+                <a:tc>
+                  <a:txBody>
+                    <a:bodyPr/>
+                    <a:lstStyle/>
+                    <a:p>
+                      <a:pPr latinLnBrk="1"/>
+                      <a:r>
+                        <a:rPr lang="ko-KR" altLang="en-US" sz="1500" dirty="0" smtClean="0"/>
+                        <a:t>산책로 길이</a:t>
+                      </a:r>
+                      <a:endParaRPr lang="ko-KR" altLang="en-US" sz="1500" dirty="0"/>
+                    </a:p>
+                  </a:txBody>
+                  <a:tcPr marL="73693" marR="73693" marT="36847" marB="36847"/>
+                </a:tc>
+                <a:extLst>
+                  <a:ext uri="{0D108BD9-81ED-4DB2-BD59-A6C34878D82A}">
+                    <a16:rowId xmlns:a16="http://schemas.microsoft.com/office/drawing/2014/main" val="3883142911"/>
+                  </a:ext>
+                </a:extLst>
+              </a:tr>
+              <a:tr h="298868">
+                <a:tc>
+                  <a:txBody>
+                    <a:bodyPr/>
+                    <a:lstStyle/>
+                    <a:p>
+                      <a:pPr latinLnBrk="1"/>
+                      <a:r>
+                        <a:rPr lang="ko-KR" altLang="en-US" sz="1500" dirty="0" err="1" smtClean="0"/>
+                        <a:t>ㅇㅇ</a:t>
+                      </a:r>
+                      <a:endParaRPr lang="ko-KR" altLang="en-US" sz="1500" dirty="0"/>
+                    </a:p>
+                  </a:txBody>
+                  <a:tcPr marL="73693" marR="73693" marT="36847" marB="36847"/>
+                </a:tc>
+                <a:tc>
+                  <a:txBody>
+                    <a:bodyPr/>
+                    <a:lstStyle/>
+                    <a:p>
+                      <a:pPr latinLnBrk="1"/>
+                      <a:r>
+                        <a:rPr lang="ko-KR" altLang="en-US" sz="1500" dirty="0" err="1" smtClean="0"/>
+                        <a:t>ㅇㅇ</a:t>
+                      </a:r>
+                      <a:endParaRPr lang="ko-KR" altLang="en-US" sz="1500" dirty="0"/>
+                    </a:p>
+                  </a:txBody>
+                  <a:tcPr marL="73693" marR="73693" marT="36847" marB="36847"/>
+                </a:tc>
+                <a:tc>
+                  <a:txBody>
+                    <a:bodyPr/>
+                    <a:lstStyle/>
+                    <a:p>
+                      <a:pPr latinLnBrk="1"/>
+                      <a:r>
+                        <a:rPr lang="ko-KR" altLang="en-US" sz="1500" dirty="0" err="1" smtClean="0"/>
+                        <a:t>ㅇㅇ</a:t>
+                      </a:r>
+                      <a:endParaRPr lang="ko-KR" altLang="en-US" sz="1500" dirty="0"/>
+                    </a:p>
+                  </a:txBody>
+                  <a:tcPr marL="73693" marR="73693" marT="36847" marB="36847"/>
+                </a:tc>
+                <a:tc>
+                  <a:txBody>
+                    <a:bodyPr/>
+                    <a:lstStyle/>
+                    <a:p>
+                      <a:pPr latinLnBrk="1"/>
+                      <a:r>
+                        <a:rPr lang="ko-KR" altLang="en-US" sz="1500" dirty="0" err="1" smtClean="0"/>
+                        <a:t>ㅇㅇ</a:t>
+                      </a:r>
+                      <a:endParaRPr lang="ko-KR" altLang="en-US" sz="1500" dirty="0"/>
+                    </a:p>
+                  </a:txBody>
+                  <a:tcPr marL="73693" marR="73693" marT="36847" marB="36847"/>
+                </a:tc>
+                <a:tc>
+                  <a:txBody>
+                    <a:bodyPr/>
+                    <a:lstStyle/>
+                    <a:p>
+                      <a:pPr latinLnBrk="1"/>
+                      <a:r>
+                        <a:rPr lang="ko-KR" altLang="en-US" sz="1500" dirty="0" err="1" smtClean="0"/>
+                        <a:t>ㅇㅇ</a:t>
+                      </a:r>
+                      <a:endParaRPr lang="ko-KR" altLang="en-US" sz="1500" dirty="0"/>
+                    </a:p>
+                  </a:txBody>
+                  <a:tcPr marL="73693" marR="73693" marT="36847" marB="36847"/>
+                </a:tc>
+                <a:extLst>
+                  <a:ext uri="{0D108BD9-81ED-4DB2-BD59-A6C34878D82A}">
+                    <a16:rowId xmlns:a16="http://schemas.microsoft.com/office/drawing/2014/main" val="3159345217"/>
+                  </a:ext>
+                </a:extLst>
+              </a:tr>
+              <a:tr h="298868">
+                <a:tc>
+                  <a:txBody>
+                    <a:bodyPr/>
+                    <a:lstStyle/>
+                    <a:p>
+                      <a:pPr latinLnBrk="1"/>
+                      <a:r>
+                        <a:rPr lang="ko-KR" altLang="en-US" sz="1500" dirty="0" err="1" smtClean="0"/>
+                        <a:t>ㅇㅇ</a:t>
+                      </a:r>
+                      <a:endParaRPr lang="ko-KR" altLang="en-US" sz="1500" dirty="0"/>
+                    </a:p>
+                  </a:txBody>
+                  <a:tcPr marL="73693" marR="73693" marT="36847" marB="36847"/>
+                </a:tc>
+                <a:tc>
+                  <a:txBody>
+                    <a:bodyPr/>
+                    <a:lstStyle/>
+                    <a:p>
+                      <a:pPr latinLnBrk="1"/>
+                      <a:r>
+                        <a:rPr lang="ko-KR" altLang="en-US" sz="1500" dirty="0" err="1" smtClean="0"/>
+                        <a:t>ㅇㅇ</a:t>
+                      </a:r>
+                      <a:endParaRPr lang="ko-KR" altLang="en-US" sz="1500" dirty="0"/>
+                    </a:p>
+                  </a:txBody>
+                  <a:tcPr marL="73693" marR="73693" marT="36847" marB="36847"/>
+                </a:tc>
+                <a:tc>
+                  <a:txBody>
+                    <a:bodyPr/>
+                    <a:lstStyle/>
+                    <a:p>
+                      <a:pPr latinLnBrk="1"/>
+                      <a:r>
+                        <a:rPr lang="ko-KR" altLang="en-US" sz="1500" dirty="0" err="1" smtClean="0"/>
+                        <a:t>ㅇㅇ</a:t>
+                      </a:r>
+                      <a:endParaRPr lang="ko-KR" altLang="en-US" sz="1500" dirty="0"/>
+                    </a:p>
+                  </a:txBody>
+                  <a:tcPr marL="73693" marR="73693" marT="36847" marB="36847"/>
+                </a:tc>
+                <a:tc>
+                  <a:txBody>
+                    <a:bodyPr/>
+                    <a:lstStyle/>
+                    <a:p>
+                      <a:pPr latinLnBrk="1"/>
+                      <a:r>
+                        <a:rPr lang="ko-KR" altLang="en-US" sz="1500" dirty="0" err="1" smtClean="0"/>
+                        <a:t>ㅇㅇ</a:t>
+                      </a:r>
+                      <a:endParaRPr lang="ko-KR" altLang="en-US" sz="1500" dirty="0"/>
+                    </a:p>
+                  </a:txBody>
+                  <a:tcPr marL="73693" marR="73693" marT="36847" marB="36847"/>
+                </a:tc>
+                <a:tc>
+                  <a:txBody>
+                    <a:bodyPr/>
+                    <a:lstStyle/>
+                    <a:p>
+                      <a:pPr latinLnBrk="1"/>
+                      <a:r>
+                        <a:rPr lang="ko-KR" altLang="en-US" sz="1500" dirty="0" err="1" smtClean="0"/>
+                        <a:t>ㅇㅇ</a:t>
+                      </a:r>
+                      <a:endParaRPr lang="ko-KR" altLang="en-US" sz="1500" dirty="0"/>
+                    </a:p>
+                  </a:txBody>
+                  <a:tcPr marL="73693" marR="73693" marT="36847" marB="36847"/>
+                </a:tc>
+                <a:extLst>
+                  <a:ext uri="{0D108BD9-81ED-4DB2-BD59-A6C34878D82A}">
+                    <a16:rowId xmlns:a16="http://schemas.microsoft.com/office/drawing/2014/main" val="4105561831"/>
+                  </a:ext>
+                </a:extLst>
+              </a:tr>
+              <a:tr h="298868">
+                <a:tc>
+                  <a:txBody>
+                    <a:bodyPr/>
+                    <a:lstStyle/>
+                    <a:p>
+                      <a:pPr latinLnBrk="1"/>
+                      <a:r>
+                        <a:rPr lang="ko-KR" altLang="en-US" sz="1500" dirty="0" err="1" smtClean="0"/>
+                        <a:t>ㅇㅇ</a:t>
+                      </a:r>
+                      <a:endParaRPr lang="ko-KR" altLang="en-US" sz="1500" dirty="0"/>
+                    </a:p>
+                  </a:txBody>
+                  <a:tcPr marL="73693" marR="73693" marT="36847" marB="36847"/>
+                </a:tc>
+                <a:tc>
+                  <a:txBody>
+                    <a:bodyPr/>
+                    <a:lstStyle/>
+                    <a:p>
+                      <a:pPr latinLnBrk="1"/>
+                      <a:r>
+                        <a:rPr lang="ko-KR" altLang="en-US" sz="1500" dirty="0" err="1" smtClean="0"/>
+                        <a:t>ㅇㅇ</a:t>
+                      </a:r>
+                      <a:endParaRPr lang="ko-KR" altLang="en-US" sz="1500" dirty="0"/>
+                    </a:p>
+                  </a:txBody>
+                  <a:tcPr marL="73693" marR="73693" marT="36847" marB="36847"/>
+                </a:tc>
+                <a:tc>
+                  <a:txBody>
+                    <a:bodyPr/>
+                    <a:lstStyle/>
+                    <a:p>
+                      <a:pPr latinLnBrk="1"/>
+                      <a:r>
+                        <a:rPr lang="ko-KR" altLang="en-US" sz="1500" dirty="0" err="1" smtClean="0"/>
+                        <a:t>ㅇㅇ</a:t>
+                      </a:r>
+                      <a:endParaRPr lang="ko-KR" altLang="en-US" sz="1500" dirty="0"/>
+                    </a:p>
+                  </a:txBody>
+                  <a:tcPr marL="73693" marR="73693" marT="36847" marB="36847"/>
+                </a:tc>
+                <a:tc>
+                  <a:txBody>
+                    <a:bodyPr/>
+                    <a:lstStyle/>
+                    <a:p>
+                      <a:pPr latinLnBrk="1"/>
+                      <a:r>
+                        <a:rPr lang="ko-KR" altLang="en-US" sz="1500" dirty="0" err="1" smtClean="0"/>
+                        <a:t>ㅇㅇ</a:t>
+                      </a:r>
+                      <a:endParaRPr lang="ko-KR" altLang="en-US" sz="1500" dirty="0"/>
+                    </a:p>
+                  </a:txBody>
+                  <a:tcPr marL="73693" marR="73693" marT="36847" marB="36847"/>
+                </a:tc>
+                <a:tc>
+                  <a:txBody>
+                    <a:bodyPr/>
+                    <a:lstStyle/>
+                    <a:p>
+                      <a:pPr latinLnBrk="1"/>
+                      <a:r>
+                        <a:rPr lang="ko-KR" altLang="en-US" sz="1500" dirty="0" err="1" smtClean="0"/>
+                        <a:t>ㅇㅇ</a:t>
+                      </a:r>
+                      <a:endParaRPr lang="ko-KR" altLang="en-US" sz="1500" dirty="0"/>
+                    </a:p>
+                  </a:txBody>
+                  <a:tcPr marL="73693" marR="73693" marT="36847" marB="36847"/>
+                </a:tc>
+                <a:extLst>
+                  <a:ext uri="{0D108BD9-81ED-4DB2-BD59-A6C34878D82A}">
+                    <a16:rowId xmlns:a16="http://schemas.microsoft.com/office/drawing/2014/main" val="3005902299"/>
+                  </a:ext>
+                </a:extLst>
+              </a:tr>
+            </a:tbl>
+          </a:graphicData>
+        </a:graphic>
+      </p:graphicFrame>
     </p:spTree>
     <p:extLst>
       <p:ext uri="{BB962C8B-B14F-4D97-AF65-F5344CB8AC3E}">
-        <p14:creationId xmlns:p14="http://schemas.microsoft.com/office/powerpoint/2010/main" val="3948779389"/>
+        <p14:creationId xmlns:p14="http://schemas.microsoft.com/office/powerpoint/2010/main" val="1279667537"/>
       </p:ext>
     </p:extLst>
   </p:cSld>
